--- a/Final Project - Group 7.pptx
+++ b/Final Project - Group 7.pptx
@@ -13,7 +13,7 @@
     <p:sldId id="258" r:id="rId4"/>
     <p:sldId id="270" r:id="rId5"/>
     <p:sldId id="294" r:id="rId6"/>
-    <p:sldId id="293" r:id="rId7"/>
+    <p:sldId id="300" r:id="rId7"/>
     <p:sldId id="269" r:id="rId8"/>
     <p:sldId id="261" r:id="rId9"/>
     <p:sldId id="287" r:id="rId10"/>
@@ -24,9 +24,9 @@
     <p:sldId id="271" r:id="rId15"/>
     <p:sldId id="291" r:id="rId16"/>
     <p:sldId id="272" r:id="rId17"/>
-    <p:sldId id="280" r:id="rId18"/>
-    <p:sldId id="296" r:id="rId19"/>
-    <p:sldId id="295" r:id="rId20"/>
+    <p:sldId id="296" r:id="rId18"/>
+    <p:sldId id="298" r:id="rId19"/>
+    <p:sldId id="299" r:id="rId20"/>
     <p:sldId id="276" r:id="rId21"/>
     <p:sldId id="279" r:id="rId22"/>
     <p:sldId id="277" r:id="rId23"/>
@@ -50,7 +50,7 @@
       <p:boldItalic r:id="rId33"/>
     </p:embeddedFont>
     <p:embeddedFont>
-      <p:font typeface="Oswald" panose="00000500000000000000" pitchFamily="2" charset="-52"/>
+      <p:font typeface="Oswald" panose="00000500000000000000" pitchFamily="2" charset="0"/>
       <p:regular r:id="rId34"/>
       <p:bold r:id="rId35"/>
     </p:embeddedFont>
@@ -294,7 +294,7 @@
             <p14:sldId id="258"/>
             <p14:sldId id="270"/>
             <p14:sldId id="294"/>
-            <p14:sldId id="293"/>
+            <p14:sldId id="300"/>
             <p14:sldId id="269"/>
             <p14:sldId id="261"/>
             <p14:sldId id="287"/>
@@ -305,9 +305,9 @@
             <p14:sldId id="271"/>
             <p14:sldId id="291"/>
             <p14:sldId id="272"/>
-            <p14:sldId id="280"/>
             <p14:sldId id="296"/>
-            <p14:sldId id="295"/>
+            <p14:sldId id="298"/>
+            <p14:sldId id="299"/>
             <p14:sldId id="276"/>
             <p14:sldId id="279"/>
             <p14:sldId id="277"/>
@@ -9960,115 +9960,6 @@
   <p:cSld>
     <p:spTree>
       <p:nvGrpSpPr>
-        <p:cNvPr id="1" name="Shape 68"/>
-        <p:cNvGrpSpPr/>
-        <p:nvPr/>
-      </p:nvGrpSpPr>
-      <p:grpSpPr>
-        <a:xfrm>
-          <a:off x="0" y="0"/>
-          <a:ext cx="0" cy="0"/>
-          <a:chOff x="0" y="0"/>
-          <a:chExt cx="0" cy="0"/>
-        </a:xfrm>
-      </p:grpSpPr>
-      <p:sp>
-        <p:nvSpPr>
-          <p:cNvPr id="69" name="Google Shape;69;gc6f980f91_0_29:notes"/>
-          <p:cNvSpPr>
-            <a:spLocks noGrp="1" noRot="1" noChangeAspect="1"/>
-          </p:cNvSpPr>
-          <p:nvPr>
-            <p:ph type="sldImg" idx="2"/>
-          </p:nvPr>
-        </p:nvSpPr>
-        <p:spPr>
-          <a:xfrm>
-            <a:off x="381000" y="685800"/>
-            <a:ext cx="6096000" cy="3429000"/>
-          </a:xfrm>
-          <a:custGeom>
-            <a:avLst/>
-            <a:gdLst/>
-            <a:ahLst/>
-            <a:cxnLst/>
-            <a:rect l="l" t="t" r="r" b="b"/>
-            <a:pathLst>
-              <a:path w="120000" h="120000" extrusionOk="0">
-                <a:moveTo>
-                  <a:pt x="0" y="0"/>
-                </a:moveTo>
-                <a:lnTo>
-                  <a:pt x="120000" y="0"/>
-                </a:lnTo>
-                <a:lnTo>
-                  <a:pt x="120000" y="120000"/>
-                </a:lnTo>
-                <a:lnTo>
-                  <a:pt x="0" y="120000"/>
-                </a:lnTo>
-                <a:close/>
-              </a:path>
-            </a:pathLst>
-          </a:custGeom>
-        </p:spPr>
-      </p:sp>
-      <p:sp>
-        <p:nvSpPr>
-          <p:cNvPr id="70" name="Google Shape;70;gc6f980f91_0_29:notes"/>
-          <p:cNvSpPr txBox="1">
-            <a:spLocks noGrp="1"/>
-          </p:cNvSpPr>
-          <p:nvPr>
-            <p:ph type="body" idx="1"/>
-          </p:nvPr>
-        </p:nvSpPr>
-        <p:spPr>
-          <a:xfrm>
-            <a:off x="685800" y="4343400"/>
-            <a:ext cx="5486400" cy="4114800"/>
-          </a:xfrm>
-          <a:prstGeom prst="rect">
-            <a:avLst/>
-          </a:prstGeom>
-        </p:spPr>
-        <p:txBody>
-          <a:bodyPr spcFirstLastPara="1" wrap="square" lIns="91425" tIns="91425" rIns="91425" bIns="91425" anchor="t" anchorCtr="0">
-            <a:noAutofit/>
-          </a:bodyPr>
-          <a:lstStyle/>
-          <a:p>
-            <a:pPr marL="0" lvl="0" indent="0" algn="l" rtl="0">
-              <a:spcBef>
-                <a:spcPts val="0"/>
-              </a:spcBef>
-              <a:spcAft>
-                <a:spcPts val="0"/>
-              </a:spcAft>
-              <a:buNone/>
-            </a:pPr>
-            <a:endParaRPr/>
-          </a:p>
-        </p:txBody>
-      </p:sp>
-    </p:spTree>
-    <p:extLst>
-      <p:ext uri="{BB962C8B-B14F-4D97-AF65-F5344CB8AC3E}">
-        <p14:creationId xmlns:p14="http://schemas.microsoft.com/office/powerpoint/2010/main" val="464493073"/>
-      </p:ext>
-    </p:extLst>
-  </p:cSld>
-  <p:clrMapOvr>
-    <a:masterClrMapping/>
-  </p:clrMapOvr>
-</p:notes>
-</file>
-
-<file path=ppt/notesSlides/notesSlide11.xml><?xml version="1.0" encoding="utf-8"?>
-<p:notes xmlns:a="http://schemas.openxmlformats.org/drawingml/2006/main" xmlns:r="http://schemas.openxmlformats.org/officeDocument/2006/relationships" xmlns:p="http://schemas.openxmlformats.org/presentationml/2006/main" showMasterSp="0" showMasterPhAnim="0">
-  <p:cSld>
-    <p:spTree>
-      <p:nvGrpSpPr>
         <p:cNvPr id="1" name="Shape 121"/>
         <p:cNvGrpSpPr/>
         <p:nvPr/>
@@ -10173,7 +10064,7 @@
 </p:notes>
 </file>
 
-<file path=ppt/notesSlides/notesSlide12.xml><?xml version="1.0" encoding="utf-8"?>
+<file path=ppt/notesSlides/notesSlide11.xml><?xml version="1.0" encoding="utf-8"?>
 <p:notes xmlns:a="http://schemas.openxmlformats.org/drawingml/2006/main" xmlns:r="http://schemas.openxmlformats.org/officeDocument/2006/relationships" xmlns:p="http://schemas.openxmlformats.org/presentationml/2006/main" showMasterSp="0" showMasterPhAnim="0">
   <p:cSld>
     <p:spTree>
@@ -10282,7 +10173,7 @@
 </p:notes>
 </file>
 
-<file path=ppt/notesSlides/notesSlide13.xml><?xml version="1.0" encoding="utf-8"?>
+<file path=ppt/notesSlides/notesSlide12.xml><?xml version="1.0" encoding="utf-8"?>
 <p:notes xmlns:a="http://schemas.openxmlformats.org/drawingml/2006/main" xmlns:r="http://schemas.openxmlformats.org/officeDocument/2006/relationships" xmlns:p="http://schemas.openxmlformats.org/presentationml/2006/main" showMasterSp="0" showMasterPhAnim="0">
   <p:cSld>
     <p:spTree>
@@ -10386,7 +10277,7 @@
 </p:notes>
 </file>
 
-<file path=ppt/notesSlides/notesSlide14.xml><?xml version="1.0" encoding="utf-8"?>
+<file path=ppt/notesSlides/notesSlide13.xml><?xml version="1.0" encoding="utf-8"?>
 <p:notes xmlns:a="http://schemas.openxmlformats.org/drawingml/2006/main" xmlns:r="http://schemas.openxmlformats.org/officeDocument/2006/relationships" xmlns:p="http://schemas.openxmlformats.org/presentationml/2006/main" showMasterSp="0" showMasterPhAnim="0">
   <p:cSld>
     <p:spTree>
@@ -11248,7 +11139,7 @@
   <p:cSld>
     <p:spTree>
       <p:nvGrpSpPr>
-        <p:cNvPr id="1" name="Shape 105"/>
+        <p:cNvPr id="1" name="Shape 68"/>
         <p:cNvGrpSpPr/>
         <p:nvPr/>
       </p:nvGrpSpPr>
@@ -11262,7 +11153,7 @@
       </p:grpSpPr>
       <p:sp>
         <p:nvSpPr>
-          <p:cNvPr id="106" name="Google Shape;106;g11f98a1bf4a_1_7:notes"/>
+          <p:cNvPr id="69" name="Google Shape;69;gc6f980f91_0_29:notes"/>
           <p:cNvSpPr>
             <a:spLocks noGrp="1" noRot="1" noChangeAspect="1"/>
           </p:cNvSpPr>
@@ -11303,7 +11194,7 @@
       </p:sp>
       <p:sp>
         <p:nvSpPr>
-          <p:cNvPr id="107" name="Google Shape;107;g11f98a1bf4a_1_7:notes"/>
+          <p:cNvPr id="70" name="Google Shape;70;gc6f980f91_0_29:notes"/>
           <p:cNvSpPr txBox="1">
             <a:spLocks noGrp="1"/>
           </p:cNvSpPr>
@@ -11342,7 +11233,7 @@
     </p:spTree>
     <p:extLst>
       <p:ext uri="{BB962C8B-B14F-4D97-AF65-F5344CB8AC3E}">
-        <p14:creationId xmlns:p14="http://schemas.microsoft.com/office/powerpoint/2010/main" val="1982929439"/>
+        <p14:creationId xmlns:p14="http://schemas.microsoft.com/office/powerpoint/2010/main" val="464493073"/>
       </p:ext>
     </p:extLst>
   </p:cSld>
@@ -16473,806 +16364,6 @@
   <p:cSld>
     <p:spTree>
       <p:nvGrpSpPr>
-        <p:cNvPr id="1" name="Shape 108"/>
-        <p:cNvGrpSpPr/>
-        <p:nvPr/>
-      </p:nvGrpSpPr>
-      <p:grpSpPr>
-        <a:xfrm>
-          <a:off x="0" y="0"/>
-          <a:ext cx="0" cy="0"/>
-          <a:chOff x="0" y="0"/>
-          <a:chExt cx="0" cy="0"/>
-        </a:xfrm>
-      </p:grpSpPr>
-      <p:sp>
-        <p:nvSpPr>
-          <p:cNvPr id="109" name="Google Shape;109;p18"/>
-          <p:cNvSpPr txBox="1">
-            <a:spLocks noGrp="1"/>
-          </p:cNvSpPr>
-          <p:nvPr>
-            <p:ph type="title"/>
-          </p:nvPr>
-        </p:nvSpPr>
-        <p:spPr>
-          <a:xfrm>
-            <a:off x="311700" y="445025"/>
-            <a:ext cx="8520600" cy="572700"/>
-          </a:xfrm>
-          <a:prstGeom prst="rect">
-            <a:avLst/>
-          </a:prstGeom>
-        </p:spPr>
-        <p:txBody>
-          <a:bodyPr spcFirstLastPara="1" wrap="square" lIns="91425" tIns="91425" rIns="91425" bIns="91425" anchor="t" anchorCtr="0">
-            <a:noAutofit/>
-          </a:bodyPr>
-          <a:lstStyle/>
-          <a:p>
-            <a:pPr marL="0" lvl="0" indent="0" algn="l" rtl="0">
-              <a:spcBef>
-                <a:spcPts val="0"/>
-              </a:spcBef>
-              <a:spcAft>
-                <a:spcPts val="0"/>
-              </a:spcAft>
-              <a:buNone/>
-            </a:pPr>
-            <a:endParaRPr dirty="0"/>
-          </a:p>
-        </p:txBody>
-      </p:sp>
-      <p:sp>
-        <p:nvSpPr>
-          <p:cNvPr id="110" name="Google Shape;110;p18"/>
-          <p:cNvSpPr txBox="1">
-            <a:spLocks noGrp="1"/>
-          </p:cNvSpPr>
-          <p:nvPr>
-            <p:ph type="body" idx="1"/>
-          </p:nvPr>
-        </p:nvSpPr>
-        <p:spPr>
-          <a:xfrm>
-            <a:off x="3169920" y="2357446"/>
-            <a:ext cx="2194560" cy="881054"/>
-          </a:xfrm>
-          <a:prstGeom prst="rect">
-            <a:avLst/>
-          </a:prstGeom>
-        </p:spPr>
-        <p:txBody>
-          <a:bodyPr spcFirstLastPara="1" wrap="square" lIns="91425" tIns="91425" rIns="91425" bIns="91425" anchor="t" anchorCtr="0">
-            <a:noAutofit/>
-          </a:bodyPr>
-          <a:lstStyle/>
-          <a:p>
-            <a:pPr marL="1028700" lvl="2" indent="0">
-              <a:lnSpc>
-                <a:spcPct val="200000"/>
-              </a:lnSpc>
-              <a:spcBef>
-                <a:spcPts val="0"/>
-              </a:spcBef>
-              <a:buSzPts val="1800"/>
-              <a:buNone/>
-            </a:pPr>
-            <a:endParaRPr dirty="0"/>
-          </a:p>
-        </p:txBody>
-      </p:sp>
-      <p:graphicFrame>
-        <p:nvGraphicFramePr>
-          <p:cNvPr id="2" name="Table 2">
-            <a:extLst>
-              <a:ext uri="{FF2B5EF4-FFF2-40B4-BE49-F238E27FC236}">
-                <a16:creationId xmlns:a16="http://schemas.microsoft.com/office/drawing/2014/main" id="{FA9784E5-CB7E-4C89-B253-323ED4C5525B}"/>
-              </a:ext>
-            </a:extLst>
-          </p:cNvPr>
-          <p:cNvGraphicFramePr>
-            <a:graphicFrameLocks noGrp="1"/>
-          </p:cNvGraphicFramePr>
-          <p:nvPr>
-            <p:extLst>
-              <p:ext uri="{D42A27DB-BD31-4B8C-83A1-F6EECF244321}">
-                <p14:modId xmlns:p14="http://schemas.microsoft.com/office/powerpoint/2010/main" val="3620248086"/>
-              </p:ext>
-            </p:extLst>
-          </p:nvPr>
-        </p:nvGraphicFramePr>
-        <p:xfrm>
-          <a:off x="297180" y="175260"/>
-          <a:ext cx="8610600" cy="4693920"/>
-        </p:xfrm>
-        <a:graphic>
-          <a:graphicData uri="http://schemas.openxmlformats.org/drawingml/2006/table">
-            <a:tbl>
-              <a:tblPr firstRow="1" bandRow="1">
-                <a:tableStyleId>{5C22544A-7EE6-4342-B048-85BDC9FD1C3A}</a:tableStyleId>
-              </a:tblPr>
-              <a:tblGrid>
-                <a:gridCol w="4254324">
-                  <a:extLst>
-                    <a:ext uri="{9D8B030D-6E8A-4147-A177-3AD203B41FA5}">
-                      <a16:colId xmlns:a16="http://schemas.microsoft.com/office/drawing/2014/main" val="1058899815"/>
-                    </a:ext>
-                  </a:extLst>
-                </a:gridCol>
-                <a:gridCol w="4356276">
-                  <a:extLst>
-                    <a:ext uri="{9D8B030D-6E8A-4147-A177-3AD203B41FA5}">
-                      <a16:colId xmlns:a16="http://schemas.microsoft.com/office/drawing/2014/main" val="2746321266"/>
-                    </a:ext>
-                  </a:extLst>
-                </a:gridCol>
-              </a:tblGrid>
-              <a:tr h="466023">
-                <a:tc>
-                  <a:txBody>
-                    <a:bodyPr/>
-                    <a:lstStyle/>
-                    <a:p>
-                      <a:endParaRPr lang="en-CA" dirty="0">
-                        <a:solidFill>
-                          <a:schemeClr val="tx1"/>
-                        </a:solidFill>
-                      </a:endParaRPr>
-                    </a:p>
-                    <a:p>
-                      <a:r>
-                        <a:rPr lang="en-CA" dirty="0">
-                          <a:solidFill>
-                            <a:schemeClr val="bg1">
-                              <a:lumMod val="50000"/>
-                            </a:schemeClr>
-                          </a:solidFill>
-                        </a:rPr>
-                        <a:t>          </a:t>
-                      </a:r>
-                      <a:r>
-                        <a:rPr lang="en-CA" sz="1600" dirty="0">
-                          <a:solidFill>
-                            <a:schemeClr val="bg1">
-                              <a:lumMod val="50000"/>
-                            </a:schemeClr>
-                          </a:solidFill>
-                          <a:latin typeface="Average" panose="020B0604020202020204" charset="0"/>
-                        </a:rPr>
-                        <a:t>Logistic Regression Model</a:t>
-                      </a:r>
-                    </a:p>
-                  </a:txBody>
-                  <a:tcPr>
-                    <a:solidFill>
-                      <a:schemeClr val="accent5">
-                        <a:lumMod val="60000"/>
-                        <a:lumOff val="40000"/>
-                      </a:schemeClr>
-                    </a:solidFill>
-                  </a:tcPr>
-                </a:tc>
-                <a:tc>
-                  <a:txBody>
-                    <a:bodyPr/>
-                    <a:lstStyle/>
-                    <a:p>
-                      <a:endParaRPr lang="en-CA" dirty="0"/>
-                    </a:p>
-                    <a:p>
-                      <a:r>
-                        <a:rPr lang="en-CA" dirty="0">
-                          <a:solidFill>
-                            <a:schemeClr val="bg1">
-                              <a:lumMod val="50000"/>
-                            </a:schemeClr>
-                          </a:solidFill>
-                        </a:rPr>
-                        <a:t>              </a:t>
-                      </a:r>
-                      <a:r>
-                        <a:rPr lang="en-CA" sz="1600" dirty="0">
-                          <a:solidFill>
-                            <a:schemeClr val="bg1">
-                              <a:lumMod val="50000"/>
-                            </a:schemeClr>
-                          </a:solidFill>
-                          <a:latin typeface="Average" panose="020B0604020202020204" charset="0"/>
-                        </a:rPr>
-                        <a:t>Random Forest Classifier </a:t>
-                      </a:r>
-                    </a:p>
-                  </a:txBody>
-                  <a:tcPr>
-                    <a:solidFill>
-                      <a:schemeClr val="accent5">
-                        <a:lumMod val="60000"/>
-                        <a:lumOff val="40000"/>
-                      </a:schemeClr>
-                    </a:solidFill>
-                  </a:tcPr>
-                </a:tc>
-                <a:extLst>
-                  <a:ext uri="{0D108BD9-81ED-4DB2-BD59-A6C34878D82A}">
-                    <a16:rowId xmlns:a16="http://schemas.microsoft.com/office/drawing/2014/main" val="4150039714"/>
-                  </a:ext>
-                </a:extLst>
-              </a:tr>
-              <a:tr h="3961197">
-                <a:tc>
-                  <a:txBody>
-                    <a:bodyPr/>
-                    <a:lstStyle/>
-                    <a:p>
-                      <a:endParaRPr lang="en-CA" sz="1400" dirty="0"/>
-                    </a:p>
-                    <a:p>
-                      <a:pPr marL="285750" indent="-285750">
-                        <a:buFont typeface="Wingdings" panose="05000000000000000000" pitchFamily="2" charset="2"/>
-                        <a:buChar char="ü"/>
-                      </a:pPr>
-                      <a:r>
-                        <a:rPr lang="en-CA" sz="1400" dirty="0">
-                          <a:solidFill>
-                            <a:schemeClr val="bg1">
-                              <a:lumMod val="50000"/>
-                            </a:schemeClr>
-                          </a:solidFill>
-                          <a:latin typeface="Average" panose="020B0604020202020204" charset="0"/>
-                        </a:rPr>
-                        <a:t>Splitting the data into training and testing</a:t>
-                      </a:r>
-                    </a:p>
-                    <a:p>
-                      <a:pPr marL="285750" indent="-285750">
-                        <a:buFont typeface="Wingdings" panose="05000000000000000000" pitchFamily="2" charset="2"/>
-                        <a:buChar char="ü"/>
-                      </a:pPr>
-                      <a:endParaRPr lang="en-CA" sz="1400" dirty="0">
-                        <a:solidFill>
-                          <a:schemeClr val="bg1">
-                            <a:lumMod val="50000"/>
-                          </a:schemeClr>
-                        </a:solidFill>
-                        <a:latin typeface="Average" panose="020B0604020202020204" charset="0"/>
-                      </a:endParaRPr>
-                    </a:p>
-                    <a:p>
-                      <a:pPr marL="285750" indent="-285750">
-                        <a:buFont typeface="Wingdings" panose="05000000000000000000" pitchFamily="2" charset="2"/>
-                        <a:buChar char="ü"/>
-                      </a:pPr>
-                      <a:r>
-                        <a:rPr lang="en-CA" sz="1400" dirty="0">
-                          <a:solidFill>
-                            <a:schemeClr val="bg1">
-                              <a:lumMod val="50000"/>
-                            </a:schemeClr>
-                          </a:solidFill>
-                          <a:latin typeface="Average" panose="020B0604020202020204" charset="0"/>
-                        </a:rPr>
-                        <a:t>Create logistic regression model</a:t>
-                      </a:r>
-                    </a:p>
-                    <a:p>
-                      <a:pPr marL="285750" indent="-285750">
-                        <a:buFont typeface="Wingdings" panose="05000000000000000000" pitchFamily="2" charset="2"/>
-                        <a:buChar char="ü"/>
-                      </a:pPr>
-                      <a:endParaRPr lang="en-CA" sz="1400" dirty="0">
-                        <a:solidFill>
-                          <a:schemeClr val="bg1">
-                            <a:lumMod val="50000"/>
-                          </a:schemeClr>
-                        </a:solidFill>
-                        <a:latin typeface="Average" panose="020B0604020202020204" charset="0"/>
-                      </a:endParaRPr>
-                    </a:p>
-                    <a:p>
-                      <a:pPr marL="285750" indent="-285750">
-                        <a:buFont typeface="Wingdings" panose="05000000000000000000" pitchFamily="2" charset="2"/>
-                        <a:buChar char="ü"/>
-                      </a:pPr>
-                      <a:r>
-                        <a:rPr lang="en-CA" sz="1400" dirty="0">
-                          <a:solidFill>
-                            <a:schemeClr val="bg1">
-                              <a:lumMod val="50000"/>
-                            </a:schemeClr>
-                          </a:solidFill>
-                          <a:latin typeface="Average" panose="020B0604020202020204" charset="0"/>
-                        </a:rPr>
-                        <a:t>Fit train or model using the training data</a:t>
-                      </a:r>
-                    </a:p>
-                    <a:p>
-                      <a:pPr marL="0" indent="0">
-                        <a:buFont typeface="Wingdings" panose="05000000000000000000" pitchFamily="2" charset="2"/>
-                        <a:buNone/>
-                      </a:pPr>
-                      <a:r>
-                        <a:rPr lang="en-CA" sz="1400" dirty="0">
-                          <a:solidFill>
-                            <a:schemeClr val="bg1">
-                              <a:lumMod val="50000"/>
-                            </a:schemeClr>
-                          </a:solidFill>
-                          <a:latin typeface="Average" panose="020B0604020202020204" charset="0"/>
-                        </a:rPr>
-                        <a:t> </a:t>
-                      </a:r>
-                    </a:p>
-                    <a:p>
-                      <a:pPr marL="285750" indent="-285750">
-                        <a:buFont typeface="Wingdings" panose="05000000000000000000" pitchFamily="2" charset="2"/>
-                        <a:buChar char="ü"/>
-                      </a:pPr>
-                      <a:r>
-                        <a:rPr lang="en-CA" sz="1400" dirty="0">
-                          <a:solidFill>
-                            <a:schemeClr val="bg1">
-                              <a:lumMod val="50000"/>
-                            </a:schemeClr>
-                          </a:solidFill>
-                          <a:latin typeface="Average" panose="020B0604020202020204" charset="0"/>
-                        </a:rPr>
-                        <a:t>Make Predictions</a:t>
-                      </a:r>
-                    </a:p>
-                    <a:p>
-                      <a:pPr marL="285750" indent="-285750">
-                        <a:buFont typeface="Wingdings" panose="05000000000000000000" pitchFamily="2" charset="2"/>
-                        <a:buChar char="ü"/>
-                      </a:pPr>
-                      <a:endParaRPr lang="en-CA" sz="1400" dirty="0">
-                        <a:solidFill>
-                          <a:schemeClr val="bg1">
-                            <a:lumMod val="50000"/>
-                          </a:schemeClr>
-                        </a:solidFill>
-                        <a:latin typeface="Average" panose="020B0604020202020204" charset="0"/>
-                      </a:endParaRPr>
-                    </a:p>
-                    <a:p>
-                      <a:pPr marL="285750" indent="-285750">
-                        <a:buFont typeface="Wingdings" panose="05000000000000000000" pitchFamily="2" charset="2"/>
-                        <a:buChar char="ü"/>
-                      </a:pPr>
-                      <a:r>
-                        <a:rPr lang="en-CA" sz="1400" dirty="0">
-                          <a:solidFill>
-                            <a:schemeClr val="bg1">
-                              <a:lumMod val="50000"/>
-                            </a:schemeClr>
-                          </a:solidFill>
-                          <a:latin typeface="Average" panose="020B0604020202020204" charset="0"/>
-                        </a:rPr>
-                        <a:t>Validate the model using the test data</a:t>
-                      </a:r>
-                    </a:p>
-                    <a:p>
-                      <a:pPr marL="285750" indent="-285750">
-                        <a:buFont typeface="Wingdings" panose="05000000000000000000" pitchFamily="2" charset="2"/>
-                        <a:buChar char="ü"/>
-                      </a:pPr>
-                      <a:endParaRPr lang="en-CA" sz="1400" dirty="0">
-                        <a:solidFill>
-                          <a:schemeClr val="bg1">
-                            <a:lumMod val="50000"/>
-                          </a:schemeClr>
-                        </a:solidFill>
-                        <a:latin typeface="Average" panose="020B0604020202020204" charset="0"/>
-                      </a:endParaRPr>
-                    </a:p>
-                    <a:p>
-                      <a:pPr marL="285750" indent="-285750">
-                        <a:buFont typeface="Wingdings" panose="05000000000000000000" pitchFamily="2" charset="2"/>
-                        <a:buChar char="ü"/>
-                      </a:pPr>
-                      <a:r>
-                        <a:rPr lang="en-CA" sz="1400" dirty="0">
-                          <a:solidFill>
-                            <a:schemeClr val="bg1">
-                              <a:lumMod val="50000"/>
-                            </a:schemeClr>
-                          </a:solidFill>
-                          <a:latin typeface="Average" panose="020B0604020202020204" charset="0"/>
-                        </a:rPr>
-                        <a:t>Random Oversampling</a:t>
-                      </a:r>
-                    </a:p>
-                    <a:p>
-                      <a:pPr marL="285750" indent="-285750">
-                        <a:buFont typeface="Wingdings" panose="05000000000000000000" pitchFamily="2" charset="2"/>
-                        <a:buChar char="ü"/>
-                      </a:pPr>
-                      <a:endParaRPr lang="en-CA" sz="1400" dirty="0">
-                        <a:solidFill>
-                          <a:schemeClr val="bg1">
-                            <a:lumMod val="50000"/>
-                          </a:schemeClr>
-                        </a:solidFill>
-                        <a:latin typeface="Average" panose="020B0604020202020204" charset="0"/>
-                      </a:endParaRPr>
-                    </a:p>
-                    <a:p>
-                      <a:pPr marL="285750" indent="-285750">
-                        <a:buFont typeface="Wingdings" panose="05000000000000000000" pitchFamily="2" charset="2"/>
-                        <a:buChar char="ü"/>
-                      </a:pPr>
-                      <a:r>
-                        <a:rPr lang="en-CA" sz="1400" dirty="0">
-                          <a:solidFill>
-                            <a:schemeClr val="bg1">
-                              <a:lumMod val="50000"/>
-                            </a:schemeClr>
-                          </a:solidFill>
-                          <a:latin typeface="Average" panose="020B0604020202020204" charset="0"/>
-                        </a:rPr>
-                        <a:t>Random Undersampling</a:t>
-                      </a:r>
-                    </a:p>
-                    <a:p>
-                      <a:pPr marL="285750" indent="-285750">
-                        <a:buFont typeface="Wingdings" panose="05000000000000000000" pitchFamily="2" charset="2"/>
-                        <a:buChar char="ü"/>
-                      </a:pPr>
-                      <a:endParaRPr lang="en-CA" sz="1400" dirty="0">
-                        <a:solidFill>
-                          <a:schemeClr val="bg1">
-                            <a:lumMod val="50000"/>
-                          </a:schemeClr>
-                        </a:solidFill>
-                        <a:latin typeface="Average" panose="020B0604020202020204" charset="0"/>
-                      </a:endParaRPr>
-                    </a:p>
-                    <a:p>
-                      <a:pPr marL="285750" indent="-285750">
-                        <a:buFont typeface="Wingdings" panose="05000000000000000000" pitchFamily="2" charset="2"/>
-                        <a:buChar char="ü"/>
-                      </a:pPr>
-                      <a:r>
-                        <a:rPr lang="en-CA" sz="1400" dirty="0">
-                          <a:solidFill>
-                            <a:schemeClr val="bg1">
-                              <a:lumMod val="50000"/>
-                            </a:schemeClr>
-                          </a:solidFill>
-                          <a:latin typeface="Average" panose="020B0604020202020204" charset="0"/>
-                        </a:rPr>
-                        <a:t>Combining with SMOTEENN</a:t>
-                      </a:r>
-                    </a:p>
-                    <a:p>
-                      <a:pPr marL="285750" indent="-285750">
-                        <a:buFont typeface="Wingdings" panose="05000000000000000000" pitchFamily="2" charset="2"/>
-                        <a:buChar char="ü"/>
-                      </a:pPr>
-                      <a:endParaRPr lang="en-CA" sz="1400" dirty="0">
-                        <a:solidFill>
-                          <a:schemeClr val="bg1">
-                            <a:lumMod val="50000"/>
-                          </a:schemeClr>
-                        </a:solidFill>
-                        <a:latin typeface="Average" panose="020B0604020202020204" charset="0"/>
-                      </a:endParaRPr>
-                    </a:p>
-                    <a:p>
-                      <a:pPr marL="285750" indent="-285750">
-                        <a:buFont typeface="Wingdings" panose="05000000000000000000" pitchFamily="2" charset="2"/>
-                        <a:buChar char="ü"/>
-                      </a:pPr>
-                      <a:r>
-                        <a:rPr lang="en-CA" sz="1400" dirty="0">
-                          <a:solidFill>
-                            <a:schemeClr val="bg1">
-                              <a:lumMod val="50000"/>
-                            </a:schemeClr>
-                          </a:solidFill>
-                          <a:latin typeface="Average" panose="020B0604020202020204" charset="0"/>
-                        </a:rPr>
-                        <a:t>Xgboosting </a:t>
-                      </a:r>
-                    </a:p>
-                    <a:p>
-                      <a:endParaRPr lang="en-CA" sz="1400" dirty="0">
-                        <a:solidFill>
-                          <a:schemeClr val="bg1">
-                            <a:lumMod val="50000"/>
-                          </a:schemeClr>
-                        </a:solidFill>
-                      </a:endParaRPr>
-                    </a:p>
-                  </a:txBody>
-                  <a:tcPr/>
-                </a:tc>
-                <a:tc>
-                  <a:txBody>
-                    <a:bodyPr/>
-                    <a:lstStyle/>
-                    <a:p>
-                      <a:endParaRPr lang="en-CA" sz="1400" dirty="0"/>
-                    </a:p>
-                    <a:p>
-                      <a:pPr marL="285750" indent="-285750">
-                        <a:buFont typeface="Wingdings" panose="05000000000000000000" pitchFamily="2" charset="2"/>
-                        <a:buChar char="ü"/>
-                      </a:pPr>
-                      <a:r>
-                        <a:rPr lang="en-CA" sz="1400" dirty="0">
-                          <a:solidFill>
-                            <a:schemeClr val="bg1">
-                              <a:lumMod val="50000"/>
-                            </a:schemeClr>
-                          </a:solidFill>
-                          <a:latin typeface="Average" panose="020B0604020202020204" charset="0"/>
-                        </a:rPr>
-                        <a:t>Preprocess the data</a:t>
-                      </a:r>
-                    </a:p>
-                    <a:p>
-                      <a:pPr marL="285750" indent="-285750">
-                        <a:buFont typeface="Wingdings" panose="05000000000000000000" pitchFamily="2" charset="2"/>
-                        <a:buChar char="ü"/>
-                      </a:pPr>
-                      <a:endParaRPr lang="en-CA" sz="1400" dirty="0">
-                        <a:solidFill>
-                          <a:schemeClr val="bg1">
-                            <a:lumMod val="50000"/>
-                          </a:schemeClr>
-                        </a:solidFill>
-                        <a:latin typeface="Average" panose="020B0604020202020204" charset="0"/>
-                      </a:endParaRPr>
-                    </a:p>
-                    <a:p>
-                      <a:pPr marL="285750" indent="-285750">
-                        <a:buFont typeface="Wingdings" panose="05000000000000000000" pitchFamily="2" charset="2"/>
-                        <a:buChar char="ü"/>
-                      </a:pPr>
-                      <a:r>
-                        <a:rPr lang="en-CA" sz="1400" dirty="0">
-                          <a:solidFill>
-                            <a:schemeClr val="bg1">
-                              <a:lumMod val="50000"/>
-                            </a:schemeClr>
-                          </a:solidFill>
-                          <a:latin typeface="Average" panose="020B0604020202020204" charset="0"/>
-                        </a:rPr>
-                        <a:t>Fit the random forest model</a:t>
-                      </a:r>
-                    </a:p>
-                    <a:p>
-                      <a:pPr marL="285750" indent="-285750">
-                        <a:buFont typeface="Wingdings" panose="05000000000000000000" pitchFamily="2" charset="2"/>
-                        <a:buChar char="ü"/>
-                      </a:pPr>
-                      <a:endParaRPr lang="en-CA" sz="1400" dirty="0">
-                        <a:solidFill>
-                          <a:schemeClr val="bg1">
-                            <a:lumMod val="50000"/>
-                          </a:schemeClr>
-                        </a:solidFill>
-                        <a:latin typeface="Average" panose="020B0604020202020204" charset="0"/>
-                      </a:endParaRPr>
-                    </a:p>
-                    <a:p>
-                      <a:pPr marL="285750" indent="-285750">
-                        <a:buFont typeface="Wingdings" panose="05000000000000000000" pitchFamily="2" charset="2"/>
-                        <a:buChar char="ü"/>
-                      </a:pPr>
-                      <a:r>
-                        <a:rPr lang="en-CA" sz="1400" dirty="0">
-                          <a:solidFill>
-                            <a:schemeClr val="bg1">
-                              <a:lumMod val="50000"/>
-                            </a:schemeClr>
-                          </a:solidFill>
-                          <a:latin typeface="Average" panose="020B0604020202020204" charset="0"/>
-                        </a:rPr>
-                        <a:t>Make predictions using the testing data</a:t>
-                      </a:r>
-                    </a:p>
-                    <a:p>
-                      <a:pPr marL="0" indent="0">
-                        <a:buFont typeface="Wingdings" panose="05000000000000000000" pitchFamily="2" charset="2"/>
-                        <a:buNone/>
-                      </a:pPr>
-                      <a:endParaRPr lang="en-CA" sz="1400" dirty="0">
-                        <a:solidFill>
-                          <a:schemeClr val="bg1">
-                            <a:lumMod val="50000"/>
-                          </a:schemeClr>
-                        </a:solidFill>
-                        <a:latin typeface="Average" panose="020B0604020202020204" charset="0"/>
-                      </a:endParaRPr>
-                    </a:p>
-                    <a:p>
-                      <a:pPr marL="285750" indent="-285750">
-                        <a:buFont typeface="Wingdings" panose="05000000000000000000" pitchFamily="2" charset="2"/>
-                        <a:buChar char="ü"/>
-                      </a:pPr>
-                      <a:r>
-                        <a:rPr lang="en-CA" sz="1400" dirty="0">
-                          <a:solidFill>
-                            <a:schemeClr val="bg1">
-                              <a:lumMod val="50000"/>
-                            </a:schemeClr>
-                          </a:solidFill>
-                          <a:latin typeface="Average" panose="020B0604020202020204" charset="0"/>
-                        </a:rPr>
-                        <a:t>Determine the parameters </a:t>
-                      </a:r>
-                    </a:p>
-                    <a:p>
-                      <a:pPr marL="0" indent="0">
-                        <a:buFont typeface="Wingdings" panose="05000000000000000000" pitchFamily="2" charset="2"/>
-                        <a:buNone/>
-                      </a:pPr>
-                      <a:endParaRPr lang="en-CA" sz="1400" dirty="0">
-                        <a:solidFill>
-                          <a:schemeClr val="bg1">
-                            <a:lumMod val="50000"/>
-                          </a:schemeClr>
-                        </a:solidFill>
-                        <a:latin typeface="Average" panose="020B0604020202020204" charset="0"/>
-                      </a:endParaRPr>
-                    </a:p>
-                    <a:p>
-                      <a:pPr marL="285750" indent="-285750">
-                        <a:buFont typeface="Wingdings" panose="05000000000000000000" pitchFamily="2" charset="2"/>
-                        <a:buChar char="ü"/>
-                      </a:pPr>
-                      <a:r>
-                        <a:rPr lang="en-CA" sz="1400" dirty="0">
-                          <a:solidFill>
-                            <a:schemeClr val="bg1">
-                              <a:lumMod val="50000"/>
-                            </a:schemeClr>
-                          </a:solidFill>
-                          <a:latin typeface="Average" panose="020B0604020202020204" charset="0"/>
-                        </a:rPr>
-                        <a:t>Evaluate the model </a:t>
-                      </a:r>
-                    </a:p>
-                    <a:p>
-                      <a:pPr marL="285750" indent="-285750">
-                        <a:buFont typeface="Wingdings" panose="05000000000000000000" pitchFamily="2" charset="2"/>
-                        <a:buChar char="ü"/>
-                      </a:pPr>
-                      <a:endParaRPr lang="en-CA" sz="1400" dirty="0">
-                        <a:solidFill>
-                          <a:schemeClr val="bg1">
-                            <a:lumMod val="50000"/>
-                          </a:schemeClr>
-                        </a:solidFill>
-                        <a:latin typeface="Average" panose="020B0604020202020204" charset="0"/>
-                      </a:endParaRPr>
-                    </a:p>
-                    <a:p>
-                      <a:pPr marL="285750" indent="-285750">
-                        <a:buFont typeface="Wingdings" panose="05000000000000000000" pitchFamily="2" charset="2"/>
-                        <a:buChar char="ü"/>
-                      </a:pPr>
-                      <a:r>
-                        <a:rPr lang="en-CA" sz="1400" dirty="0">
-                          <a:solidFill>
-                            <a:schemeClr val="bg1">
-                              <a:lumMod val="50000"/>
-                            </a:schemeClr>
-                          </a:solidFill>
-                          <a:latin typeface="Average" panose="020B0604020202020204" charset="0"/>
-                        </a:rPr>
-                        <a:t>Rank the importance of features</a:t>
-                      </a:r>
-                    </a:p>
-                    <a:p>
-                      <a:pPr marL="0" indent="0">
-                        <a:buFont typeface="Wingdings" panose="05000000000000000000" pitchFamily="2" charset="2"/>
-                        <a:buNone/>
-                      </a:pPr>
-                      <a:endParaRPr lang="en-CA" sz="1400" dirty="0">
-                        <a:solidFill>
-                          <a:schemeClr val="bg1">
-                            <a:lumMod val="50000"/>
-                          </a:schemeClr>
-                        </a:solidFill>
-                        <a:latin typeface="Average" panose="020B0604020202020204" charset="0"/>
-                      </a:endParaRPr>
-                    </a:p>
-                    <a:p>
-                      <a:pPr marL="285750" indent="-285750">
-                        <a:buFont typeface="Wingdings" panose="05000000000000000000" pitchFamily="2" charset="2"/>
-                        <a:buChar char="ü"/>
-                      </a:pPr>
-                      <a:r>
-                        <a:rPr lang="en-CA" sz="1400" dirty="0">
-                          <a:solidFill>
-                            <a:schemeClr val="bg1">
-                              <a:lumMod val="50000"/>
-                            </a:schemeClr>
-                          </a:solidFill>
-                          <a:latin typeface="Average" panose="020B0604020202020204" charset="0"/>
-                        </a:rPr>
-                        <a:t>Grid Search</a:t>
-                      </a:r>
-                    </a:p>
-                    <a:p>
-                      <a:pPr marL="285750" indent="-285750">
-                        <a:buFont typeface="Wingdings" panose="05000000000000000000" pitchFamily="2" charset="2"/>
-                        <a:buChar char="ü"/>
-                      </a:pPr>
-                      <a:endParaRPr lang="en-CA" sz="1400" dirty="0">
-                        <a:solidFill>
-                          <a:schemeClr val="bg1">
-                            <a:lumMod val="50000"/>
-                          </a:schemeClr>
-                        </a:solidFill>
-                        <a:latin typeface="Average" panose="020B0604020202020204" charset="0"/>
-                      </a:endParaRPr>
-                    </a:p>
-                    <a:p>
-                      <a:pPr marL="285750" indent="-285750">
-                        <a:buFont typeface="Wingdings" panose="05000000000000000000" pitchFamily="2" charset="2"/>
-                        <a:buChar char="ü"/>
-                      </a:pPr>
-                      <a:r>
-                        <a:rPr lang="en-CA" sz="1400" dirty="0">
-                          <a:solidFill>
-                            <a:schemeClr val="bg1">
-                              <a:lumMod val="50000"/>
-                            </a:schemeClr>
-                          </a:solidFill>
-                          <a:latin typeface="Average" panose="020B0604020202020204" charset="0"/>
-                        </a:rPr>
-                        <a:t>Evaluate the best model from grid search</a:t>
-                      </a:r>
-                    </a:p>
-                    <a:p>
-                      <a:pPr marL="285750" indent="-285750">
-                        <a:buFont typeface="Wingdings" panose="05000000000000000000" pitchFamily="2" charset="2"/>
-                        <a:buChar char="ü"/>
-                      </a:pPr>
-                      <a:endParaRPr lang="en-CA" sz="1400" dirty="0">
-                        <a:solidFill>
-                          <a:schemeClr val="bg1">
-                            <a:lumMod val="50000"/>
-                          </a:schemeClr>
-                        </a:solidFill>
-                        <a:latin typeface="Average" panose="020B0604020202020204" charset="0"/>
-                      </a:endParaRPr>
-                    </a:p>
-                  </a:txBody>
-                  <a:tcPr/>
-                </a:tc>
-                <a:extLst>
-                  <a:ext uri="{0D108BD9-81ED-4DB2-BD59-A6C34878D82A}">
-                    <a16:rowId xmlns:a16="http://schemas.microsoft.com/office/drawing/2014/main" val="2075108145"/>
-                  </a:ext>
-                </a:extLst>
-              </a:tr>
-            </a:tbl>
-          </a:graphicData>
-        </a:graphic>
-      </p:graphicFrame>
-    </p:spTree>
-    <p:extLst>
-      <p:ext uri="{BB962C8B-B14F-4D97-AF65-F5344CB8AC3E}">
-        <p14:creationId xmlns:p14="http://schemas.microsoft.com/office/powerpoint/2010/main" val="2468371446"/>
-      </p:ext>
-    </p:extLst>
-  </p:cSld>
-  <p:clrMapOvr>
-    <a:masterClrMapping/>
-  </p:clrMapOvr>
-</p:sld>
-</file>
-
-<file path=ppt/slides/slide18.xml><?xml version="1.0" encoding="utf-8"?>
-<p:sld xmlns:a="http://schemas.openxmlformats.org/drawingml/2006/main" xmlns:r="http://schemas.openxmlformats.org/officeDocument/2006/relationships" xmlns:p="http://schemas.openxmlformats.org/presentationml/2006/main">
-  <p:cSld>
-    <p:spTree>
-      <p:nvGrpSpPr>
         <p:cNvPr id="1" name=""/>
         <p:cNvGrpSpPr/>
         <p:nvPr/>
@@ -17300,7 +16391,7 @@
         <p:spPr>
           <a:xfrm>
             <a:off x="251460" y="518160"/>
-            <a:ext cx="8724900" cy="4001095"/>
+            <a:ext cx="8724900" cy="4062651"/>
           </a:xfrm>
           <a:prstGeom prst="rect">
             <a:avLst/>
@@ -17315,7 +16406,7 @@
           <a:p>
             <a:pPr algn="l"/>
             <a:r>
-              <a:rPr lang="en-CA" sz="2800" b="1" i="0" dirty="0">
+              <a:rPr lang="en-CA" sz="3000" b="1" i="0" dirty="0">
                 <a:solidFill>
                   <a:schemeClr val="tx1"/>
                 </a:solidFill>
@@ -17527,7 +16618,7 @@
 </p:sld>
 </file>
 
-<file path=ppt/slides/slide19.xml><?xml version="1.0" encoding="utf-8"?>
+<file path=ppt/slides/slide18.xml><?xml version="1.0" encoding="utf-8"?>
 <p:sld xmlns:a="http://schemas.openxmlformats.org/drawingml/2006/main" xmlns:r="http://schemas.openxmlformats.org/officeDocument/2006/relationships" xmlns:p="http://schemas.openxmlformats.org/presentationml/2006/main">
   <p:cSld>
     <p:spTree>
@@ -17544,12 +16635,70 @@
           <a:chExt cx="0" cy="0"/>
         </a:xfrm>
       </p:grpSpPr>
+      <p:sp>
+        <p:nvSpPr>
+          <p:cNvPr id="2" name="Title 1">
+            <a:extLst>
+              <a:ext uri="{FF2B5EF4-FFF2-40B4-BE49-F238E27FC236}">
+                <a16:creationId xmlns:a16="http://schemas.microsoft.com/office/drawing/2014/main" id="{E7D523FB-22CE-451F-9360-CB3F04D3EEC1}"/>
+              </a:ext>
+            </a:extLst>
+          </p:cNvPr>
+          <p:cNvSpPr>
+            <a:spLocks noGrp="1"/>
+          </p:cNvSpPr>
+          <p:nvPr>
+            <p:ph type="title"/>
+          </p:nvPr>
+        </p:nvSpPr>
+        <p:spPr/>
+        <p:txBody>
+          <a:bodyPr/>
+          <a:lstStyle/>
+          <a:p>
+            <a:r>
+              <a:rPr lang="en-CA" dirty="0"/>
+              <a:t>   Before Optimization </a:t>
+            </a:r>
+          </a:p>
+        </p:txBody>
+      </p:sp>
+      <p:sp>
+        <p:nvSpPr>
+          <p:cNvPr id="3" name="Text Placeholder 2">
+            <a:extLst>
+              <a:ext uri="{FF2B5EF4-FFF2-40B4-BE49-F238E27FC236}">
+                <a16:creationId xmlns:a16="http://schemas.microsoft.com/office/drawing/2014/main" id="{D27C74FF-37EE-48BA-8916-C07CB236A78B}"/>
+              </a:ext>
+            </a:extLst>
+          </p:cNvPr>
+          <p:cNvSpPr>
+            <a:spLocks noGrp="1"/>
+          </p:cNvSpPr>
+          <p:nvPr>
+            <p:ph type="body" idx="1"/>
+          </p:nvPr>
+        </p:nvSpPr>
+        <p:spPr>
+          <a:xfrm>
+            <a:off x="1767840" y="1882139"/>
+            <a:ext cx="4328160" cy="1074421"/>
+          </a:xfrm>
+        </p:spPr>
+        <p:txBody>
+          <a:bodyPr/>
+          <a:lstStyle/>
+          <a:p>
+            <a:endParaRPr lang="en-CA" dirty="0"/>
+          </a:p>
+        </p:txBody>
+      </p:sp>
       <p:graphicFrame>
         <p:nvGraphicFramePr>
-          <p:cNvPr id="2" name="Table 2">
+          <p:cNvPr id="8" name="Table 8">
             <a:extLst>
               <a:ext uri="{FF2B5EF4-FFF2-40B4-BE49-F238E27FC236}">
-                <a16:creationId xmlns:a16="http://schemas.microsoft.com/office/drawing/2014/main" id="{75B595A4-3109-45AA-BF78-2DA107A4F0BE}"/>
+                <a16:creationId xmlns:a16="http://schemas.microsoft.com/office/drawing/2014/main" id="{116BDB4E-DCAD-41B2-BD6E-DDE2682BA189}"/>
               </a:ext>
             </a:extLst>
           </p:cNvPr>
@@ -17559,14 +16708,14 @@
           <p:nvPr>
             <p:extLst>
               <p:ext uri="{D42A27DB-BD31-4B8C-83A1-F6EECF244321}">
-                <p14:modId xmlns:p14="http://schemas.microsoft.com/office/powerpoint/2010/main" val="2254186601"/>
+                <p14:modId xmlns:p14="http://schemas.microsoft.com/office/powerpoint/2010/main" val="1749229953"/>
               </p:ext>
             </p:extLst>
           </p:nvPr>
         </p:nvGraphicFramePr>
         <p:xfrm>
-          <a:off x="205740" y="335280"/>
-          <a:ext cx="8770620" cy="4282440"/>
+          <a:off x="678180" y="1211579"/>
+          <a:ext cx="7711440" cy="3621267"/>
         </p:xfrm>
         <a:graphic>
           <a:graphicData uri="http://schemas.openxmlformats.org/drawingml/2006/table">
@@ -17575,55 +16724,96 @@
                 <a:tableStyleId>{5C22544A-7EE6-4342-B048-85BDC9FD1C3A}</a:tableStyleId>
               </a:tblPr>
               <a:tblGrid>
-                <a:gridCol w="2192655">
+                <a:gridCol w="2122032">
                   <a:extLst>
                     <a:ext uri="{9D8B030D-6E8A-4147-A177-3AD203B41FA5}">
-                      <a16:colId xmlns:a16="http://schemas.microsoft.com/office/drawing/2014/main" val="3338223888"/>
+                      <a16:colId xmlns:a16="http://schemas.microsoft.com/office/drawing/2014/main" val="2144737725"/>
                     </a:ext>
                   </a:extLst>
                 </a:gridCol>
-                <a:gridCol w="2192655">
+                <a:gridCol w="1489848">
                   <a:extLst>
                     <a:ext uri="{9D8B030D-6E8A-4147-A177-3AD203B41FA5}">
-                      <a16:colId xmlns:a16="http://schemas.microsoft.com/office/drawing/2014/main" val="2568429211"/>
+                      <a16:colId xmlns:a16="http://schemas.microsoft.com/office/drawing/2014/main" val="3781033582"/>
                     </a:ext>
                   </a:extLst>
                 </a:gridCol>
-                <a:gridCol w="2192655">
+                <a:gridCol w="1379220">
                   <a:extLst>
                     <a:ext uri="{9D8B030D-6E8A-4147-A177-3AD203B41FA5}">
-                      <a16:colId xmlns:a16="http://schemas.microsoft.com/office/drawing/2014/main" val="3135931411"/>
+                      <a16:colId xmlns:a16="http://schemas.microsoft.com/office/drawing/2014/main" val="2934286621"/>
                     </a:ext>
                   </a:extLst>
                 </a:gridCol>
-                <a:gridCol w="2192655">
+                <a:gridCol w="1386840">
                   <a:extLst>
                     <a:ext uri="{9D8B030D-6E8A-4147-A177-3AD203B41FA5}">
-                      <a16:colId xmlns:a16="http://schemas.microsoft.com/office/drawing/2014/main" val="1183641573"/>
+                      <a16:colId xmlns:a16="http://schemas.microsoft.com/office/drawing/2014/main" val="921855511"/>
+                    </a:ext>
+                  </a:extLst>
+                </a:gridCol>
+                <a:gridCol w="1333500">
+                  <a:extLst>
+                    <a:ext uri="{9D8B030D-6E8A-4147-A177-3AD203B41FA5}">
+                      <a16:colId xmlns:a16="http://schemas.microsoft.com/office/drawing/2014/main" val="1318279021"/>
                     </a:ext>
                   </a:extLst>
                 </a:gridCol>
               </a:tblGrid>
-              <a:tr h="871005">
+              <a:tr h="706469">
                 <a:tc>
                   <a:txBody>
                     <a:bodyPr/>
                     <a:lstStyle/>
                     <a:p>
                       <a:pPr algn="ctr"/>
-                      <a:endParaRPr lang="en-CA" sz="1400" b="1" i="0" u="none" strike="noStrike" cap="none" dirty="0">
-                        <a:solidFill>
-                          <a:schemeClr val="bg1"/>
-                        </a:solidFill>
-                        <a:effectLst/>
-                        <a:latin typeface="+mn-lt"/>
-                        <a:ea typeface="+mn-ea"/>
-                        <a:cs typeface="+mn-cs"/>
-                        <a:sym typeface="Arial"/>
-                      </a:endParaRPr>
+                      <a:endParaRPr lang="en-CA" dirty="0"/>
                     </a:p>
                     <a:p>
                       <a:pPr algn="ctr"/>
+                      <a:r>
+                        <a:rPr lang="en-CA" dirty="0"/>
+                        <a:t>Model</a:t>
+                      </a:r>
+                    </a:p>
+                  </a:txBody>
+                  <a:tcPr>
+                    <a:solidFill>
+                      <a:schemeClr val="accent5">
+                        <a:lumMod val="60000"/>
+                        <a:lumOff val="40000"/>
+                      </a:schemeClr>
+                    </a:solidFill>
+                  </a:tcPr>
+                </a:tc>
+                <a:tc>
+                  <a:txBody>
+                    <a:bodyPr/>
+                    <a:lstStyle/>
+                    <a:p>
+                      <a:pPr algn="ctr"/>
+                      <a:endParaRPr lang="en-CA" dirty="0"/>
+                    </a:p>
+                    <a:p>
+                      <a:pPr marL="0" marR="0" lvl="0" indent="0" algn="ctr" defTabSz="914400" rtl="0" eaLnBrk="1" fontAlgn="auto" latinLnBrk="0" hangingPunct="1">
+                        <a:lnSpc>
+                          <a:spcPct val="100000"/>
+                        </a:lnSpc>
+                        <a:spcBef>
+                          <a:spcPts val="0"/>
+                        </a:spcBef>
+                        <a:spcAft>
+                          <a:spcPts val="0"/>
+                        </a:spcAft>
+                        <a:buClr>
+                          <a:srgbClr val="000000"/>
+                        </a:buClr>
+                        <a:buSzTx/>
+                        <a:buFont typeface="Arial"/>
+                        <a:buNone/>
+                        <a:tabLst/>
+                        <a:defRPr/>
+                      </a:pPr>
                       <a:r>
                         <a:rPr lang="en-CA" sz="1400" b="1" i="0" u="none" strike="noStrike" cap="none" dirty="0">
                           <a:solidFill>
@@ -17659,19 +16849,28 @@
                     <a:lstStyle/>
                     <a:p>
                       <a:pPr algn="ctr"/>
-                      <a:endParaRPr lang="en-CA" sz="1400" b="1" i="0" u="none" strike="noStrike" cap="none" dirty="0">
-                        <a:solidFill>
-                          <a:schemeClr val="bg1"/>
-                        </a:solidFill>
-                        <a:effectLst/>
-                        <a:latin typeface="+mn-lt"/>
-                        <a:ea typeface="+mn-ea"/>
-                        <a:cs typeface="+mn-cs"/>
-                        <a:sym typeface="Arial"/>
-                      </a:endParaRPr>
+                      <a:endParaRPr lang="en-CA" dirty="0"/>
                     </a:p>
                     <a:p>
-                      <a:pPr algn="ctr"/>
+                      <a:pPr marL="0" marR="0" lvl="0" indent="0" algn="ctr" defTabSz="914400" rtl="0" eaLnBrk="1" fontAlgn="auto" latinLnBrk="0" hangingPunct="1">
+                        <a:lnSpc>
+                          <a:spcPct val="100000"/>
+                        </a:lnSpc>
+                        <a:spcBef>
+                          <a:spcPts val="0"/>
+                        </a:spcBef>
+                        <a:spcAft>
+                          <a:spcPts val="0"/>
+                        </a:spcAft>
+                        <a:buClr>
+                          <a:srgbClr val="000000"/>
+                        </a:buClr>
+                        <a:buSzTx/>
+                        <a:buFont typeface="Arial"/>
+                        <a:buNone/>
+                        <a:tabLst/>
+                        <a:defRPr/>
+                      </a:pPr>
                       <a:r>
                         <a:rPr lang="en-CA" sz="1400" b="1" i="0" u="none" strike="noStrike" cap="none" dirty="0">
                           <a:solidFill>
@@ -17731,7 +16930,938 @@
                           <a:cs typeface="+mn-cs"/>
                           <a:sym typeface="Arial"/>
                         </a:rPr>
-                        <a:t>Recall (Sensitivity) Score</a:t>
+                        <a:t>Recall Score</a:t>
+                      </a:r>
+                    </a:p>
+                    <a:p>
+                      <a:pPr algn="ctr"/>
+                      <a:endParaRPr lang="en-CA" dirty="0">
+                        <a:solidFill>
+                          <a:schemeClr val="bg1"/>
+                        </a:solidFill>
+                      </a:endParaRPr>
+                    </a:p>
+                  </a:txBody>
+                  <a:tcPr>
+                    <a:solidFill>
+                      <a:schemeClr val="accent5">
+                        <a:lumMod val="60000"/>
+                        <a:lumOff val="40000"/>
+                      </a:schemeClr>
+                    </a:solidFill>
+                  </a:tcPr>
+                </a:tc>
+                <a:tc>
+                  <a:txBody>
+                    <a:bodyPr/>
+                    <a:lstStyle/>
+                    <a:p>
+                      <a:pPr algn="ctr"/>
+                      <a:endParaRPr lang="en-CA" dirty="0"/>
+                    </a:p>
+                    <a:p>
+                      <a:pPr marL="0" marR="0" lvl="0" indent="0" algn="ctr" defTabSz="914400" rtl="0" eaLnBrk="1" fontAlgn="auto" latinLnBrk="0" hangingPunct="1">
+                        <a:lnSpc>
+                          <a:spcPct val="100000"/>
+                        </a:lnSpc>
+                        <a:spcBef>
+                          <a:spcPts val="0"/>
+                        </a:spcBef>
+                        <a:spcAft>
+                          <a:spcPts val="0"/>
+                        </a:spcAft>
+                        <a:buClr>
+                          <a:srgbClr val="000000"/>
+                        </a:buClr>
+                        <a:buSzTx/>
+                        <a:buFont typeface="Arial"/>
+                        <a:buNone/>
+                        <a:tabLst/>
+                        <a:defRPr/>
+                      </a:pPr>
+                      <a:r>
+                        <a:rPr lang="en-CA" sz="1400" b="1" i="0" u="none" strike="noStrike" cap="none" dirty="0">
+                          <a:solidFill>
+                            <a:schemeClr val="bg1"/>
+                          </a:solidFill>
+                          <a:effectLst/>
+                          <a:latin typeface="+mn-lt"/>
+                          <a:ea typeface="+mn-ea"/>
+                          <a:cs typeface="+mn-cs"/>
+                          <a:sym typeface="Arial"/>
+                        </a:rPr>
+                        <a:t>  F1 Score</a:t>
+                      </a:r>
+                      <a:endParaRPr lang="en-CA" dirty="0">
+                        <a:solidFill>
+                          <a:schemeClr val="bg1"/>
+                        </a:solidFill>
+                      </a:endParaRPr>
+                    </a:p>
+                  </a:txBody>
+                  <a:tcPr>
+                    <a:solidFill>
+                      <a:schemeClr val="accent5">
+                        <a:lumMod val="60000"/>
+                        <a:lumOff val="40000"/>
+                      </a:schemeClr>
+                    </a:solidFill>
+                  </a:tcPr>
+                </a:tc>
+                <a:extLst>
+                  <a:ext uri="{0D108BD9-81ED-4DB2-BD59-A6C34878D82A}">
+                    <a16:rowId xmlns:a16="http://schemas.microsoft.com/office/drawing/2014/main" val="1102366787"/>
+                  </a:ext>
+                </a:extLst>
+              </a:tr>
+              <a:tr h="538208">
+                <a:tc>
+                  <a:txBody>
+                    <a:bodyPr/>
+                    <a:lstStyle/>
+                    <a:p>
+                      <a:r>
+                        <a:rPr lang="en-CA" b="1" dirty="0">
+                          <a:solidFill>
+                            <a:schemeClr val="bg1">
+                              <a:lumMod val="50000"/>
+                            </a:schemeClr>
+                          </a:solidFill>
+                        </a:rPr>
+                        <a:t>Logistic Regression </a:t>
+                      </a:r>
+                      <a:r>
+                        <a:rPr lang="en-CA" dirty="0">
+                          <a:solidFill>
+                            <a:srgbClr val="C00000"/>
+                          </a:solidFill>
+                        </a:rPr>
+                        <a:t>Undersampling </a:t>
+                      </a:r>
+                    </a:p>
+                    <a:p>
+                      <a:endParaRPr lang="en-CA" dirty="0">
+                        <a:solidFill>
+                          <a:srgbClr val="C00000"/>
+                        </a:solidFill>
+                      </a:endParaRPr>
+                    </a:p>
+                  </a:txBody>
+                  <a:tcPr/>
+                </a:tc>
+                <a:tc>
+                  <a:txBody>
+                    <a:bodyPr/>
+                    <a:lstStyle/>
+                    <a:p>
+                      <a:pPr algn="ctr"/>
+                      <a:r>
+                        <a:rPr lang="en-CA" dirty="0">
+                          <a:solidFill>
+                            <a:schemeClr val="bg1">
+                              <a:lumMod val="50000"/>
+                            </a:schemeClr>
+                          </a:solidFill>
+                        </a:rPr>
+                        <a:t>         </a:t>
+                      </a:r>
+                    </a:p>
+                    <a:p>
+                      <a:pPr algn="ctr"/>
+                      <a:r>
+                        <a:rPr lang="en-CA" dirty="0">
+                          <a:solidFill>
+                            <a:schemeClr val="bg1">
+                              <a:lumMod val="50000"/>
+                            </a:schemeClr>
+                          </a:solidFill>
+                        </a:rPr>
+                        <a:t>76%</a:t>
+                      </a:r>
+                    </a:p>
+                  </a:txBody>
+                  <a:tcPr/>
+                </a:tc>
+                <a:tc>
+                  <a:txBody>
+                    <a:bodyPr/>
+                    <a:lstStyle/>
+                    <a:p>
+                      <a:pPr algn="ctr"/>
+                      <a:endParaRPr lang="en-CA" dirty="0">
+                        <a:solidFill>
+                          <a:schemeClr val="bg1">
+                            <a:lumMod val="50000"/>
+                          </a:schemeClr>
+                        </a:solidFill>
+                      </a:endParaRPr>
+                    </a:p>
+                    <a:p>
+                      <a:pPr algn="ctr"/>
+                      <a:r>
+                        <a:rPr lang="en-CA" dirty="0">
+                          <a:solidFill>
+                            <a:schemeClr val="bg1">
+                              <a:lumMod val="50000"/>
+                            </a:schemeClr>
+                          </a:solidFill>
+                        </a:rPr>
+                        <a:t>76%</a:t>
+                      </a:r>
+                    </a:p>
+                  </a:txBody>
+                  <a:tcPr/>
+                </a:tc>
+                <a:tc>
+                  <a:txBody>
+                    <a:bodyPr/>
+                    <a:lstStyle/>
+                    <a:p>
+                      <a:pPr algn="ctr"/>
+                      <a:endParaRPr lang="en-CA" dirty="0">
+                        <a:solidFill>
+                          <a:schemeClr val="bg1">
+                            <a:lumMod val="50000"/>
+                          </a:schemeClr>
+                        </a:solidFill>
+                      </a:endParaRPr>
+                    </a:p>
+                    <a:p>
+                      <a:pPr algn="ctr"/>
+                      <a:r>
+                        <a:rPr lang="en-CA" dirty="0">
+                          <a:solidFill>
+                            <a:schemeClr val="bg1">
+                              <a:lumMod val="50000"/>
+                            </a:schemeClr>
+                          </a:solidFill>
+                        </a:rPr>
+                        <a:t>76%</a:t>
+                      </a:r>
+                    </a:p>
+                  </a:txBody>
+                  <a:tcPr/>
+                </a:tc>
+                <a:tc>
+                  <a:txBody>
+                    <a:bodyPr/>
+                    <a:lstStyle/>
+                    <a:p>
+                      <a:pPr algn="ctr"/>
+                      <a:endParaRPr lang="en-CA" dirty="0">
+                        <a:solidFill>
+                          <a:schemeClr val="bg1">
+                            <a:lumMod val="50000"/>
+                          </a:schemeClr>
+                        </a:solidFill>
+                      </a:endParaRPr>
+                    </a:p>
+                    <a:p>
+                      <a:pPr algn="ctr"/>
+                      <a:r>
+                        <a:rPr lang="en-CA" dirty="0">
+                          <a:solidFill>
+                            <a:schemeClr val="bg1">
+                              <a:lumMod val="50000"/>
+                            </a:schemeClr>
+                          </a:solidFill>
+                        </a:rPr>
+                        <a:t>76%</a:t>
+                      </a:r>
+                    </a:p>
+                  </a:txBody>
+                  <a:tcPr/>
+                </a:tc>
+                <a:extLst>
+                  <a:ext uri="{0D108BD9-81ED-4DB2-BD59-A6C34878D82A}">
+                    <a16:rowId xmlns:a16="http://schemas.microsoft.com/office/drawing/2014/main" val="1376988887"/>
+                  </a:ext>
+                </a:extLst>
+              </a:tr>
+              <a:tr h="695187">
+                <a:tc>
+                  <a:txBody>
+                    <a:bodyPr/>
+                    <a:lstStyle/>
+                    <a:p>
+                      <a:r>
+                        <a:rPr lang="en-CA" b="1" dirty="0">
+                          <a:solidFill>
+                            <a:schemeClr val="bg1">
+                              <a:lumMod val="50000"/>
+                            </a:schemeClr>
+                          </a:solidFill>
+                        </a:rPr>
+                        <a:t>Logistic  Regression</a:t>
+                      </a:r>
+                      <a:r>
+                        <a:rPr lang="en-CA" dirty="0">
+                          <a:solidFill>
+                            <a:schemeClr val="bg1">
+                              <a:lumMod val="50000"/>
+                            </a:schemeClr>
+                          </a:solidFill>
+                        </a:rPr>
+                        <a:t> </a:t>
+                      </a:r>
+                      <a:r>
+                        <a:rPr lang="en-CA" dirty="0">
+                          <a:solidFill>
+                            <a:srgbClr val="C00000"/>
+                          </a:solidFill>
+                        </a:rPr>
+                        <a:t>Oversampling Score</a:t>
+                      </a:r>
+                    </a:p>
+                  </a:txBody>
+                  <a:tcPr/>
+                </a:tc>
+                <a:tc>
+                  <a:txBody>
+                    <a:bodyPr/>
+                    <a:lstStyle/>
+                    <a:p>
+                      <a:pPr algn="ctr"/>
+                      <a:endParaRPr lang="en-CA" dirty="0">
+                        <a:solidFill>
+                          <a:schemeClr val="bg1">
+                            <a:lumMod val="50000"/>
+                          </a:schemeClr>
+                        </a:solidFill>
+                      </a:endParaRPr>
+                    </a:p>
+                    <a:p>
+                      <a:pPr algn="ctr"/>
+                      <a:r>
+                        <a:rPr lang="en-CA" dirty="0">
+                          <a:solidFill>
+                            <a:schemeClr val="bg1">
+                              <a:lumMod val="50000"/>
+                            </a:schemeClr>
+                          </a:solidFill>
+                        </a:rPr>
+                        <a:t>76%</a:t>
+                      </a:r>
+                    </a:p>
+                  </a:txBody>
+                  <a:tcPr/>
+                </a:tc>
+                <a:tc>
+                  <a:txBody>
+                    <a:bodyPr/>
+                    <a:lstStyle/>
+                    <a:p>
+                      <a:pPr algn="ctr"/>
+                      <a:endParaRPr lang="en-CA" dirty="0">
+                        <a:solidFill>
+                          <a:schemeClr val="bg1">
+                            <a:lumMod val="50000"/>
+                          </a:schemeClr>
+                        </a:solidFill>
+                      </a:endParaRPr>
+                    </a:p>
+                    <a:p>
+                      <a:pPr algn="ctr"/>
+                      <a:r>
+                        <a:rPr lang="en-CA" dirty="0">
+                          <a:solidFill>
+                            <a:schemeClr val="bg1">
+                              <a:lumMod val="50000"/>
+                            </a:schemeClr>
+                          </a:solidFill>
+                        </a:rPr>
+                        <a:t>77%</a:t>
+                      </a:r>
+                    </a:p>
+                  </a:txBody>
+                  <a:tcPr/>
+                </a:tc>
+                <a:tc>
+                  <a:txBody>
+                    <a:bodyPr/>
+                    <a:lstStyle/>
+                    <a:p>
+                      <a:pPr algn="ctr"/>
+                      <a:endParaRPr lang="en-CA" dirty="0">
+                        <a:solidFill>
+                          <a:schemeClr val="bg1">
+                            <a:lumMod val="50000"/>
+                          </a:schemeClr>
+                        </a:solidFill>
+                      </a:endParaRPr>
+                    </a:p>
+                    <a:p>
+                      <a:pPr algn="ctr"/>
+                      <a:r>
+                        <a:rPr lang="en-CA" dirty="0">
+                          <a:solidFill>
+                            <a:schemeClr val="bg1">
+                              <a:lumMod val="50000"/>
+                            </a:schemeClr>
+                          </a:solidFill>
+                        </a:rPr>
+                        <a:t>77%</a:t>
+                      </a:r>
+                    </a:p>
+                  </a:txBody>
+                  <a:tcPr/>
+                </a:tc>
+                <a:tc>
+                  <a:txBody>
+                    <a:bodyPr/>
+                    <a:lstStyle/>
+                    <a:p>
+                      <a:pPr algn="ctr"/>
+                      <a:endParaRPr lang="en-CA" dirty="0">
+                        <a:solidFill>
+                          <a:schemeClr val="bg1">
+                            <a:lumMod val="50000"/>
+                          </a:schemeClr>
+                        </a:solidFill>
+                      </a:endParaRPr>
+                    </a:p>
+                    <a:p>
+                      <a:pPr algn="ctr"/>
+                      <a:r>
+                        <a:rPr lang="en-CA" dirty="0">
+                          <a:solidFill>
+                            <a:schemeClr val="bg1">
+                              <a:lumMod val="50000"/>
+                            </a:schemeClr>
+                          </a:solidFill>
+                        </a:rPr>
+                        <a:t>77%</a:t>
+                      </a:r>
+                    </a:p>
+                  </a:txBody>
+                  <a:tcPr/>
+                </a:tc>
+                <a:extLst>
+                  <a:ext uri="{0D108BD9-81ED-4DB2-BD59-A6C34878D82A}">
+                    <a16:rowId xmlns:a16="http://schemas.microsoft.com/office/drawing/2014/main" val="2518122905"/>
+                  </a:ext>
+                </a:extLst>
+              </a:tr>
+              <a:tr h="706469">
+                <a:tc>
+                  <a:txBody>
+                    <a:bodyPr/>
+                    <a:lstStyle/>
+                    <a:p>
+                      <a:r>
+                        <a:rPr lang="en-CA" b="1" dirty="0">
+                          <a:solidFill>
+                            <a:schemeClr val="bg1">
+                              <a:lumMod val="50000"/>
+                            </a:schemeClr>
+                          </a:solidFill>
+                        </a:rPr>
+                        <a:t>Random Forest Classifier </a:t>
+                      </a:r>
+                      <a:r>
+                        <a:rPr lang="en-CA" dirty="0">
+                          <a:solidFill>
+                            <a:srgbClr val="C00000"/>
+                          </a:solidFill>
+                        </a:rPr>
+                        <a:t>Undersampling </a:t>
+                      </a:r>
+                    </a:p>
+                  </a:txBody>
+                  <a:tcPr/>
+                </a:tc>
+                <a:tc>
+                  <a:txBody>
+                    <a:bodyPr/>
+                    <a:lstStyle/>
+                    <a:p>
+                      <a:pPr algn="ctr"/>
+                      <a:endParaRPr lang="en-CA" dirty="0">
+                        <a:solidFill>
+                          <a:schemeClr val="bg1">
+                            <a:lumMod val="50000"/>
+                          </a:schemeClr>
+                        </a:solidFill>
+                      </a:endParaRPr>
+                    </a:p>
+                    <a:p>
+                      <a:pPr algn="ctr"/>
+                      <a:r>
+                        <a:rPr lang="en-CA" dirty="0">
+                          <a:solidFill>
+                            <a:schemeClr val="bg1">
+                              <a:lumMod val="50000"/>
+                            </a:schemeClr>
+                          </a:solidFill>
+                        </a:rPr>
+                        <a:t>64%</a:t>
+                      </a:r>
+                    </a:p>
+                  </a:txBody>
+                  <a:tcPr/>
+                </a:tc>
+                <a:tc>
+                  <a:txBody>
+                    <a:bodyPr/>
+                    <a:lstStyle/>
+                    <a:p>
+                      <a:pPr algn="ctr"/>
+                      <a:endParaRPr lang="en-CA" dirty="0">
+                        <a:solidFill>
+                          <a:schemeClr val="bg1">
+                            <a:lumMod val="50000"/>
+                          </a:schemeClr>
+                        </a:solidFill>
+                      </a:endParaRPr>
+                    </a:p>
+                    <a:p>
+                      <a:pPr algn="ctr"/>
+                      <a:r>
+                        <a:rPr lang="en-CA" dirty="0">
+                          <a:solidFill>
+                            <a:schemeClr val="bg1">
+                              <a:lumMod val="50000"/>
+                            </a:schemeClr>
+                          </a:solidFill>
+                        </a:rPr>
+                        <a:t>67%</a:t>
+                      </a:r>
+                    </a:p>
+                  </a:txBody>
+                  <a:tcPr/>
+                </a:tc>
+                <a:tc>
+                  <a:txBody>
+                    <a:bodyPr/>
+                    <a:lstStyle/>
+                    <a:p>
+                      <a:pPr algn="ctr"/>
+                      <a:endParaRPr lang="en-CA" dirty="0">
+                        <a:solidFill>
+                          <a:schemeClr val="bg1">
+                            <a:lumMod val="50000"/>
+                          </a:schemeClr>
+                        </a:solidFill>
+                      </a:endParaRPr>
+                    </a:p>
+                    <a:p>
+                      <a:pPr algn="ctr"/>
+                      <a:r>
+                        <a:rPr lang="en-CA" dirty="0">
+                          <a:solidFill>
+                            <a:schemeClr val="bg1">
+                              <a:lumMod val="50000"/>
+                            </a:schemeClr>
+                          </a:solidFill>
+                        </a:rPr>
+                        <a:t>65%</a:t>
+                      </a:r>
+                    </a:p>
+                  </a:txBody>
+                  <a:tcPr/>
+                </a:tc>
+                <a:tc>
+                  <a:txBody>
+                    <a:bodyPr/>
+                    <a:lstStyle/>
+                    <a:p>
+                      <a:pPr algn="ctr"/>
+                      <a:endParaRPr lang="en-CA" dirty="0">
+                        <a:solidFill>
+                          <a:schemeClr val="bg1">
+                            <a:lumMod val="50000"/>
+                          </a:schemeClr>
+                        </a:solidFill>
+                      </a:endParaRPr>
+                    </a:p>
+                    <a:p>
+                      <a:pPr algn="ctr"/>
+                      <a:r>
+                        <a:rPr lang="en-CA" dirty="0">
+                          <a:solidFill>
+                            <a:schemeClr val="bg1">
+                              <a:lumMod val="50000"/>
+                            </a:schemeClr>
+                          </a:solidFill>
+                        </a:rPr>
+                        <a:t>64%</a:t>
+                      </a:r>
+                    </a:p>
+                  </a:txBody>
+                  <a:tcPr/>
+                </a:tc>
+                <a:extLst>
+                  <a:ext uri="{0D108BD9-81ED-4DB2-BD59-A6C34878D82A}">
+                    <a16:rowId xmlns:a16="http://schemas.microsoft.com/office/drawing/2014/main" val="2464247350"/>
+                  </a:ext>
+                </a:extLst>
+              </a:tr>
+              <a:tr h="706469">
+                <a:tc>
+                  <a:txBody>
+                    <a:bodyPr/>
+                    <a:lstStyle/>
+                    <a:p>
+                      <a:r>
+                        <a:rPr lang="en-CA" b="1" dirty="0">
+                          <a:solidFill>
+                            <a:schemeClr val="bg1">
+                              <a:lumMod val="50000"/>
+                            </a:schemeClr>
+                          </a:solidFill>
+                        </a:rPr>
+                        <a:t>Xgboosting</a:t>
+                      </a:r>
+                    </a:p>
+                    <a:p>
+                      <a:endParaRPr lang="en-CA" dirty="0">
+                        <a:solidFill>
+                          <a:schemeClr val="bg1">
+                            <a:lumMod val="50000"/>
+                          </a:schemeClr>
+                        </a:solidFill>
+                      </a:endParaRPr>
+                    </a:p>
+                    <a:p>
+                      <a:endParaRPr lang="en-CA" dirty="0">
+                        <a:solidFill>
+                          <a:schemeClr val="bg1">
+                            <a:lumMod val="50000"/>
+                          </a:schemeClr>
+                        </a:solidFill>
+                      </a:endParaRPr>
+                    </a:p>
+                  </a:txBody>
+                  <a:tcPr/>
+                </a:tc>
+                <a:tc>
+                  <a:txBody>
+                    <a:bodyPr/>
+                    <a:lstStyle/>
+                    <a:p>
+                      <a:endParaRPr lang="en-CA" dirty="0"/>
+                    </a:p>
+                  </a:txBody>
+                  <a:tcPr/>
+                </a:tc>
+                <a:tc>
+                  <a:txBody>
+                    <a:bodyPr/>
+                    <a:lstStyle/>
+                    <a:p>
+                      <a:endParaRPr lang="en-CA"/>
+                    </a:p>
+                  </a:txBody>
+                  <a:tcPr/>
+                </a:tc>
+                <a:tc>
+                  <a:txBody>
+                    <a:bodyPr/>
+                    <a:lstStyle/>
+                    <a:p>
+                      <a:endParaRPr lang="en-CA"/>
+                    </a:p>
+                  </a:txBody>
+                  <a:tcPr/>
+                </a:tc>
+                <a:tc>
+                  <a:txBody>
+                    <a:bodyPr/>
+                    <a:lstStyle/>
+                    <a:p>
+                      <a:endParaRPr lang="en-CA" dirty="0"/>
+                    </a:p>
+                  </a:txBody>
+                  <a:tcPr/>
+                </a:tc>
+                <a:extLst>
+                  <a:ext uri="{0D108BD9-81ED-4DB2-BD59-A6C34878D82A}">
+                    <a16:rowId xmlns:a16="http://schemas.microsoft.com/office/drawing/2014/main" val="2440399944"/>
+                  </a:ext>
+                </a:extLst>
+              </a:tr>
+            </a:tbl>
+          </a:graphicData>
+        </a:graphic>
+      </p:graphicFrame>
+    </p:spTree>
+    <p:extLst>
+      <p:ext uri="{BB962C8B-B14F-4D97-AF65-F5344CB8AC3E}">
+        <p14:creationId xmlns:p14="http://schemas.microsoft.com/office/powerpoint/2010/main" val="3072548680"/>
+      </p:ext>
+    </p:extLst>
+  </p:cSld>
+  <p:clrMapOvr>
+    <a:masterClrMapping/>
+  </p:clrMapOvr>
+</p:sld>
+</file>
+
+<file path=ppt/slides/slide19.xml><?xml version="1.0" encoding="utf-8"?>
+<p:sld xmlns:a="http://schemas.openxmlformats.org/drawingml/2006/main" xmlns:r="http://schemas.openxmlformats.org/officeDocument/2006/relationships" xmlns:p="http://schemas.openxmlformats.org/presentationml/2006/main">
+  <p:cSld>
+    <p:spTree>
+      <p:nvGrpSpPr>
+        <p:cNvPr id="1" name=""/>
+        <p:cNvGrpSpPr/>
+        <p:nvPr/>
+      </p:nvGrpSpPr>
+      <p:grpSpPr>
+        <a:xfrm>
+          <a:off x="0" y="0"/>
+          <a:ext cx="0" cy="0"/>
+          <a:chOff x="0" y="0"/>
+          <a:chExt cx="0" cy="0"/>
+        </a:xfrm>
+      </p:grpSpPr>
+      <p:sp>
+        <p:nvSpPr>
+          <p:cNvPr id="2" name="Title 1">
+            <a:extLst>
+              <a:ext uri="{FF2B5EF4-FFF2-40B4-BE49-F238E27FC236}">
+                <a16:creationId xmlns:a16="http://schemas.microsoft.com/office/drawing/2014/main" id="{E7D523FB-22CE-451F-9360-CB3F04D3EEC1}"/>
+              </a:ext>
+            </a:extLst>
+          </p:cNvPr>
+          <p:cNvSpPr>
+            <a:spLocks noGrp="1"/>
+          </p:cNvSpPr>
+          <p:nvPr>
+            <p:ph type="title"/>
+          </p:nvPr>
+        </p:nvSpPr>
+        <p:spPr/>
+        <p:txBody>
+          <a:bodyPr/>
+          <a:lstStyle/>
+          <a:p>
+            <a:r>
+              <a:rPr lang="en-CA" dirty="0"/>
+              <a:t>   After Optimization </a:t>
+            </a:r>
+          </a:p>
+        </p:txBody>
+      </p:sp>
+      <p:sp>
+        <p:nvSpPr>
+          <p:cNvPr id="3" name="Text Placeholder 2">
+            <a:extLst>
+              <a:ext uri="{FF2B5EF4-FFF2-40B4-BE49-F238E27FC236}">
+                <a16:creationId xmlns:a16="http://schemas.microsoft.com/office/drawing/2014/main" id="{D27C74FF-37EE-48BA-8916-C07CB236A78B}"/>
+              </a:ext>
+            </a:extLst>
+          </p:cNvPr>
+          <p:cNvSpPr>
+            <a:spLocks noGrp="1"/>
+          </p:cNvSpPr>
+          <p:nvPr>
+            <p:ph type="body" idx="1"/>
+          </p:nvPr>
+        </p:nvSpPr>
+        <p:spPr>
+          <a:xfrm>
+            <a:off x="1767840" y="1882139"/>
+            <a:ext cx="4328160" cy="1074421"/>
+          </a:xfrm>
+        </p:spPr>
+        <p:txBody>
+          <a:bodyPr/>
+          <a:lstStyle/>
+          <a:p>
+            <a:endParaRPr lang="en-CA" dirty="0"/>
+          </a:p>
+        </p:txBody>
+      </p:sp>
+      <p:graphicFrame>
+        <p:nvGraphicFramePr>
+          <p:cNvPr id="8" name="Table 8">
+            <a:extLst>
+              <a:ext uri="{FF2B5EF4-FFF2-40B4-BE49-F238E27FC236}">
+                <a16:creationId xmlns:a16="http://schemas.microsoft.com/office/drawing/2014/main" id="{116BDB4E-DCAD-41B2-BD6E-DDE2682BA189}"/>
+              </a:ext>
+            </a:extLst>
+          </p:cNvPr>
+          <p:cNvGraphicFramePr>
+            <a:graphicFrameLocks noGrp="1"/>
+          </p:cNvGraphicFramePr>
+          <p:nvPr>
+            <p:extLst>
+              <p:ext uri="{D42A27DB-BD31-4B8C-83A1-F6EECF244321}">
+                <p14:modId xmlns:p14="http://schemas.microsoft.com/office/powerpoint/2010/main" val="37234174"/>
+              </p:ext>
+            </p:extLst>
+          </p:nvPr>
+        </p:nvGraphicFramePr>
+        <p:xfrm>
+          <a:off x="678180" y="1211579"/>
+          <a:ext cx="7711440" cy="3621267"/>
+        </p:xfrm>
+        <a:graphic>
+          <a:graphicData uri="http://schemas.openxmlformats.org/drawingml/2006/table">
+            <a:tbl>
+              <a:tblPr firstRow="1" bandRow="1">
+                <a:tableStyleId>{5C22544A-7EE6-4342-B048-85BDC9FD1C3A}</a:tableStyleId>
+              </a:tblPr>
+              <a:tblGrid>
+                <a:gridCol w="2122032">
+                  <a:extLst>
+                    <a:ext uri="{9D8B030D-6E8A-4147-A177-3AD203B41FA5}">
+                      <a16:colId xmlns:a16="http://schemas.microsoft.com/office/drawing/2014/main" val="2144737725"/>
+                    </a:ext>
+                  </a:extLst>
+                </a:gridCol>
+                <a:gridCol w="1489848">
+                  <a:extLst>
+                    <a:ext uri="{9D8B030D-6E8A-4147-A177-3AD203B41FA5}">
+                      <a16:colId xmlns:a16="http://schemas.microsoft.com/office/drawing/2014/main" val="3781033582"/>
+                    </a:ext>
+                  </a:extLst>
+                </a:gridCol>
+                <a:gridCol w="1379220">
+                  <a:extLst>
+                    <a:ext uri="{9D8B030D-6E8A-4147-A177-3AD203B41FA5}">
+                      <a16:colId xmlns:a16="http://schemas.microsoft.com/office/drawing/2014/main" val="2934286621"/>
+                    </a:ext>
+                  </a:extLst>
+                </a:gridCol>
+                <a:gridCol w="1386840">
+                  <a:extLst>
+                    <a:ext uri="{9D8B030D-6E8A-4147-A177-3AD203B41FA5}">
+                      <a16:colId xmlns:a16="http://schemas.microsoft.com/office/drawing/2014/main" val="921855511"/>
+                    </a:ext>
+                  </a:extLst>
+                </a:gridCol>
+                <a:gridCol w="1333500">
+                  <a:extLst>
+                    <a:ext uri="{9D8B030D-6E8A-4147-A177-3AD203B41FA5}">
+                      <a16:colId xmlns:a16="http://schemas.microsoft.com/office/drawing/2014/main" val="1318279021"/>
+                    </a:ext>
+                  </a:extLst>
+                </a:gridCol>
+              </a:tblGrid>
+              <a:tr h="706469">
+                <a:tc>
+                  <a:txBody>
+                    <a:bodyPr/>
+                    <a:lstStyle/>
+                    <a:p>
+                      <a:pPr algn="ctr"/>
+                      <a:endParaRPr lang="en-CA" dirty="0"/>
+                    </a:p>
+                    <a:p>
+                      <a:pPr algn="ctr"/>
+                      <a:r>
+                        <a:rPr lang="en-CA" dirty="0"/>
+                        <a:t>Model</a:t>
+                      </a:r>
+                    </a:p>
+                  </a:txBody>
+                  <a:tcPr>
+                    <a:solidFill>
+                      <a:schemeClr val="accent5">
+                        <a:lumMod val="60000"/>
+                        <a:lumOff val="40000"/>
+                      </a:schemeClr>
+                    </a:solidFill>
+                  </a:tcPr>
+                </a:tc>
+                <a:tc>
+                  <a:txBody>
+                    <a:bodyPr/>
+                    <a:lstStyle/>
+                    <a:p>
+                      <a:pPr algn="ctr"/>
+                      <a:endParaRPr lang="en-CA" dirty="0"/>
+                    </a:p>
+                    <a:p>
+                      <a:pPr marL="0" marR="0" lvl="0" indent="0" algn="ctr" defTabSz="914400" rtl="0" eaLnBrk="1" fontAlgn="auto" latinLnBrk="0" hangingPunct="1">
+                        <a:lnSpc>
+                          <a:spcPct val="100000"/>
+                        </a:lnSpc>
+                        <a:spcBef>
+                          <a:spcPts val="0"/>
+                        </a:spcBef>
+                        <a:spcAft>
+                          <a:spcPts val="0"/>
+                        </a:spcAft>
+                        <a:buClr>
+                          <a:srgbClr val="000000"/>
+                        </a:buClr>
+                        <a:buSzTx/>
+                        <a:buFont typeface="Arial"/>
+                        <a:buNone/>
+                        <a:tabLst/>
+                        <a:defRPr/>
+                      </a:pPr>
+                      <a:r>
+                        <a:rPr lang="en-CA" sz="1400" b="1" i="0" u="none" strike="noStrike" cap="none" dirty="0">
+                          <a:solidFill>
+                            <a:schemeClr val="bg1"/>
+                          </a:solidFill>
+                          <a:effectLst/>
+                          <a:latin typeface="+mn-lt"/>
+                          <a:ea typeface="+mn-ea"/>
+                          <a:cs typeface="+mn-cs"/>
+                          <a:sym typeface="Arial"/>
+                        </a:rPr>
+                        <a:t>Accuracy Score</a:t>
+                      </a:r>
+                      <a:endParaRPr lang="en-CA" dirty="0">
+                        <a:solidFill>
+                          <a:schemeClr val="bg1"/>
+                        </a:solidFill>
+                      </a:endParaRPr>
+                    </a:p>
+                  </a:txBody>
+                  <a:tcPr>
+                    <a:solidFill>
+                      <a:schemeClr val="accent5">
+                        <a:lumMod val="60000"/>
+                        <a:lumOff val="40000"/>
+                      </a:schemeClr>
+                    </a:solidFill>
+                  </a:tcPr>
+                </a:tc>
+                <a:tc>
+                  <a:txBody>
+                    <a:bodyPr/>
+                    <a:lstStyle/>
+                    <a:p>
+                      <a:pPr algn="ctr"/>
+                      <a:endParaRPr lang="en-CA" dirty="0"/>
+                    </a:p>
+                    <a:p>
+                      <a:pPr marL="0" marR="0" lvl="0" indent="0" algn="ctr" defTabSz="914400" rtl="0" eaLnBrk="1" fontAlgn="auto" latinLnBrk="0" hangingPunct="1">
+                        <a:lnSpc>
+                          <a:spcPct val="100000"/>
+                        </a:lnSpc>
+                        <a:spcBef>
+                          <a:spcPts val="0"/>
+                        </a:spcBef>
+                        <a:spcAft>
+                          <a:spcPts val="0"/>
+                        </a:spcAft>
+                        <a:buClr>
+                          <a:srgbClr val="000000"/>
+                        </a:buClr>
+                        <a:buSzTx/>
+                        <a:buFont typeface="Arial"/>
+                        <a:buNone/>
+                        <a:tabLst/>
+                        <a:defRPr/>
+                      </a:pPr>
+                      <a:r>
+                        <a:rPr lang="en-CA" sz="1400" b="1" i="0" u="none" strike="noStrike" cap="none" dirty="0">
+                          <a:solidFill>
+                            <a:schemeClr val="bg1"/>
+                          </a:solidFill>
+                          <a:effectLst/>
+                          <a:latin typeface="+mn-lt"/>
+                          <a:ea typeface="+mn-ea"/>
+                          <a:cs typeface="+mn-cs"/>
+                          <a:sym typeface="Arial"/>
+                        </a:rPr>
+                        <a:t>Precision Score</a:t>
                       </a:r>
                       <a:endParaRPr lang="en-CA" dirty="0">
                         <a:solidFill>
@@ -17779,7 +17909,67 @@
                           <a:cs typeface="+mn-cs"/>
                           <a:sym typeface="Arial"/>
                         </a:rPr>
-                        <a:t>F1 Score</a:t>
+                        <a:t>Recall Score</a:t>
+                      </a:r>
+                    </a:p>
+                    <a:p>
+                      <a:pPr algn="ctr"/>
+                      <a:endParaRPr lang="en-CA" dirty="0">
+                        <a:solidFill>
+                          <a:schemeClr val="bg1"/>
+                        </a:solidFill>
+                      </a:endParaRPr>
+                    </a:p>
+                  </a:txBody>
+                  <a:tcPr>
+                    <a:solidFill>
+                      <a:schemeClr val="accent5">
+                        <a:lumMod val="60000"/>
+                        <a:lumOff val="40000"/>
+                      </a:schemeClr>
+                    </a:solidFill>
+                  </a:tcPr>
+                </a:tc>
+                <a:tc>
+                  <a:txBody>
+                    <a:bodyPr/>
+                    <a:lstStyle/>
+                    <a:p>
+                      <a:pPr algn="ctr"/>
+                      <a:endParaRPr lang="en-CA" dirty="0"/>
+                    </a:p>
+                    <a:p>
+                      <a:pPr marL="0" marR="0" lvl="0" indent="0" algn="ctr" defTabSz="914400" rtl="0" eaLnBrk="1" fontAlgn="auto" latinLnBrk="0" hangingPunct="1">
+                        <a:lnSpc>
+                          <a:spcPct val="100000"/>
+                        </a:lnSpc>
+                        <a:spcBef>
+                          <a:spcPts val="0"/>
+                        </a:spcBef>
+                        <a:spcAft>
+                          <a:spcPts val="0"/>
+                        </a:spcAft>
+                        <a:buClr>
+                          <a:srgbClr val="000000"/>
+                        </a:buClr>
+                        <a:buSzTx/>
+                        <a:buFont typeface="Arial"/>
+                        <a:buNone/>
+                        <a:tabLst/>
+                        <a:defRPr/>
+                      </a:pPr>
+                      <a:r>
+                        <a:rPr lang="en-CA" sz="1400" b="1" i="0" u="none" strike="noStrike" cap="none" dirty="0">
+                          <a:solidFill>
+                            <a:schemeClr val="bg1"/>
+                          </a:solidFill>
+                          <a:effectLst/>
+                          <a:latin typeface="+mn-lt"/>
+                          <a:ea typeface="+mn-ea"/>
+                          <a:cs typeface="+mn-cs"/>
+                          <a:sym typeface="Arial"/>
+                        </a:rPr>
+                        <a:t>  F1 Score</a:t>
                       </a:r>
                       <a:endParaRPr lang="en-CA" dirty="0">
                         <a:solidFill>
@@ -17799,246 +17989,39 @@
                 </a:tc>
                 <a:extLst>
                   <a:ext uri="{0D108BD9-81ED-4DB2-BD59-A6C34878D82A}">
-                    <a16:rowId xmlns:a16="http://schemas.microsoft.com/office/drawing/2014/main" val="2540804082"/>
+                    <a16:rowId xmlns:a16="http://schemas.microsoft.com/office/drawing/2014/main" val="1102366787"/>
                   </a:ext>
                 </a:extLst>
               </a:tr>
-              <a:tr h="3411435">
+              <a:tr h="538208">
                 <a:tc>
                   <a:txBody>
                     <a:bodyPr/>
                     <a:lstStyle/>
                     <a:p>
-                      <a:pPr marL="285750" indent="-285750">
-                        <a:buFont typeface="Wingdings" panose="05000000000000000000" pitchFamily="2" charset="2"/>
-                        <a:buChar char="ü"/>
-                      </a:pPr>
                       <a:r>
                         <a:rPr lang="en-CA" b="1" dirty="0">
                           <a:solidFill>
-                            <a:schemeClr val="bg1"/>
+                            <a:schemeClr val="bg1">
+                              <a:lumMod val="50000"/>
+                            </a:schemeClr>
                           </a:solidFill>
                         </a:rPr>
-                        <a:t>Linear Regression </a:t>
+                        <a:t>Logistic Regression </a:t>
                       </a:r>
                       <a:r>
                         <a:rPr lang="en-CA" dirty="0">
                           <a:solidFill>
-                            <a:schemeClr val="bg1"/>
+                            <a:srgbClr val="C00000"/>
                           </a:solidFill>
                         </a:rPr>
-                        <a:t>Undersampling Score: 76%</a:t>
+                        <a:t>Undersampling </a:t>
                       </a:r>
                     </a:p>
                     <a:p>
-                      <a:pPr marL="285750" indent="-285750">
-                        <a:buFont typeface="Wingdings" panose="05000000000000000000" pitchFamily="2" charset="2"/>
-                        <a:buChar char="ü"/>
-                      </a:pPr>
                       <a:endParaRPr lang="en-CA" dirty="0">
                         <a:solidFill>
-                          <a:schemeClr val="bg1"/>
-                        </a:solidFill>
-                      </a:endParaRPr>
-                    </a:p>
-                    <a:p>
-                      <a:pPr marL="285750" indent="-285750">
-                        <a:buFont typeface="Wingdings" panose="05000000000000000000" pitchFamily="2" charset="2"/>
-                        <a:buChar char="ü"/>
-                      </a:pPr>
-                      <a:r>
-                        <a:rPr lang="en-CA" b="1" dirty="0">
-                          <a:solidFill>
-                            <a:schemeClr val="bg1"/>
-                          </a:solidFill>
-                        </a:rPr>
-                        <a:t>Linear Regression </a:t>
-                      </a:r>
-                      <a:r>
-                        <a:rPr lang="en-CA" dirty="0">
-                          <a:solidFill>
-                            <a:schemeClr val="bg1"/>
-                          </a:solidFill>
-                        </a:rPr>
-                        <a:t>Oversampling Score: 76%</a:t>
-                      </a:r>
-                    </a:p>
-                    <a:p>
-                      <a:pPr marL="285750" indent="-285750">
-                        <a:buFont typeface="Wingdings" panose="05000000000000000000" pitchFamily="2" charset="2"/>
-                        <a:buChar char="ü"/>
-                      </a:pPr>
-                      <a:endParaRPr lang="en-CA" dirty="0">
-                        <a:solidFill>
-                          <a:schemeClr val="bg1"/>
-                        </a:solidFill>
-                      </a:endParaRPr>
-                    </a:p>
-                    <a:p>
-                      <a:pPr marL="285750" indent="-285750">
-                        <a:buFont typeface="Wingdings" panose="05000000000000000000" pitchFamily="2" charset="2"/>
-                        <a:buChar char="ü"/>
-                      </a:pPr>
-                      <a:r>
-                        <a:rPr lang="en-CA" b="1" dirty="0">
-                          <a:solidFill>
-                            <a:schemeClr val="bg1"/>
-                          </a:solidFill>
-                        </a:rPr>
-                        <a:t>Random Forest Classifier </a:t>
-                      </a:r>
-                      <a:r>
-                        <a:rPr lang="en-CA" dirty="0">
-                          <a:solidFill>
-                            <a:schemeClr val="bg1"/>
-                          </a:solidFill>
-                        </a:rPr>
-                        <a:t>Undersampling Score: 64%</a:t>
-                      </a:r>
-                    </a:p>
-                  </a:txBody>
-                  <a:tcPr/>
-                </a:tc>
-                <a:tc>
-                  <a:txBody>
-                    <a:bodyPr/>
-                    <a:lstStyle/>
-                    <a:p>
-                      <a:pPr marL="285750" indent="-285750">
-                        <a:buFont typeface="Wingdings" panose="05000000000000000000" pitchFamily="2" charset="2"/>
-                        <a:buChar char="ü"/>
-                      </a:pPr>
-                      <a:r>
-                        <a:rPr lang="en-CA" sz="1400" b="1" i="0" u="none" strike="noStrike" cap="none" dirty="0">
-                          <a:solidFill>
-                            <a:schemeClr val="bg1"/>
-                          </a:solidFill>
-                          <a:effectLst/>
-                          <a:latin typeface="+mn-lt"/>
-                          <a:ea typeface="+mn-ea"/>
-                          <a:cs typeface="+mn-cs"/>
-                          <a:sym typeface="Arial"/>
-                        </a:rPr>
-                        <a:t>Linear Regression </a:t>
-                      </a:r>
-                      <a:r>
-                        <a:rPr lang="en-CA" sz="1400" b="0" i="0" u="none" strike="noStrike" cap="none" dirty="0">
-                          <a:solidFill>
-                            <a:schemeClr val="bg1"/>
-                          </a:solidFill>
-                          <a:effectLst/>
-                          <a:latin typeface="+mn-lt"/>
-                          <a:ea typeface="+mn-ea"/>
-                          <a:cs typeface="+mn-cs"/>
-                          <a:sym typeface="Arial"/>
-                        </a:rPr>
-                        <a:t>Undersampling Score: 76%</a:t>
-                      </a:r>
-                    </a:p>
-                    <a:p>
-                      <a:pPr marL="285750" indent="-285750">
-                        <a:buFont typeface="Wingdings" panose="05000000000000000000" pitchFamily="2" charset="2"/>
-                        <a:buChar char="ü"/>
-                      </a:pPr>
-                      <a:endParaRPr lang="en-CA" sz="1400" b="0" i="0" u="none" strike="noStrike" cap="none" dirty="0">
-                        <a:solidFill>
-                          <a:schemeClr val="bg1"/>
-                        </a:solidFill>
-                        <a:effectLst/>
-                        <a:latin typeface="+mn-lt"/>
-                        <a:ea typeface="+mn-ea"/>
-                        <a:cs typeface="+mn-cs"/>
-                        <a:sym typeface="Arial"/>
-                      </a:endParaRPr>
-                    </a:p>
-                    <a:p>
-                      <a:pPr marL="285750" indent="-285750">
-                        <a:buFont typeface="Wingdings" panose="05000000000000000000" pitchFamily="2" charset="2"/>
-                        <a:buChar char="ü"/>
-                      </a:pPr>
-                      <a:r>
-                        <a:rPr lang="en-CA" sz="1400" b="1" i="0" u="none" strike="noStrike" cap="none" dirty="0">
-                          <a:solidFill>
-                            <a:schemeClr val="bg1"/>
-                          </a:solidFill>
-                          <a:effectLst/>
-                          <a:latin typeface="+mn-lt"/>
-                          <a:ea typeface="+mn-ea"/>
-                          <a:cs typeface="+mn-cs"/>
-                          <a:sym typeface="Arial"/>
-                        </a:rPr>
-                        <a:t>Linear Regression </a:t>
-                      </a:r>
-                      <a:r>
-                        <a:rPr lang="en-CA" sz="1400" b="0" i="0" u="none" strike="noStrike" cap="none" dirty="0">
-                          <a:solidFill>
-                            <a:schemeClr val="bg1"/>
-                          </a:solidFill>
-                          <a:effectLst/>
-                          <a:latin typeface="+mn-lt"/>
-                          <a:ea typeface="+mn-ea"/>
-                          <a:cs typeface="+mn-cs"/>
-                          <a:sym typeface="Arial"/>
-                        </a:rPr>
-                        <a:t>Oversampling Score: 77%</a:t>
-                      </a:r>
-                    </a:p>
-                    <a:p>
-                      <a:pPr marL="0" indent="0">
-                        <a:buFont typeface="Wingdings" panose="05000000000000000000" pitchFamily="2" charset="2"/>
-                        <a:buNone/>
-                      </a:pPr>
-                      <a:endParaRPr lang="en-CA" sz="1400" b="0" i="0" u="none" strike="noStrike" cap="none" dirty="0">
-                        <a:solidFill>
-                          <a:schemeClr val="bg1"/>
-                        </a:solidFill>
-                        <a:effectLst/>
-                        <a:latin typeface="+mn-lt"/>
-                        <a:ea typeface="+mn-ea"/>
-                        <a:cs typeface="+mn-cs"/>
-                        <a:sym typeface="Arial"/>
-                      </a:endParaRPr>
-                    </a:p>
-                    <a:p>
-                      <a:pPr marL="285750" indent="-285750">
-                        <a:buFont typeface="Wingdings" panose="05000000000000000000" pitchFamily="2" charset="2"/>
-                        <a:buChar char="ü"/>
-                      </a:pPr>
-                      <a:r>
-                        <a:rPr lang="en-CA" sz="1400" b="1" i="0" u="none" strike="noStrike" cap="none" dirty="0">
-                          <a:solidFill>
-                            <a:schemeClr val="bg1"/>
-                          </a:solidFill>
-                          <a:effectLst/>
-                          <a:latin typeface="+mn-lt"/>
-                          <a:ea typeface="+mn-ea"/>
-                          <a:cs typeface="+mn-cs"/>
-                          <a:sym typeface="Arial"/>
-                        </a:rPr>
-                        <a:t>Random Forest Classifier </a:t>
-                      </a:r>
-                      <a:r>
-                        <a:rPr lang="en-CA" sz="1400" b="0" i="0" u="none" strike="noStrike" cap="none" dirty="0">
-                          <a:solidFill>
-                            <a:schemeClr val="bg1"/>
-                          </a:solidFill>
-                          <a:effectLst/>
-                          <a:latin typeface="+mn-lt"/>
-                          <a:ea typeface="+mn-ea"/>
-                          <a:cs typeface="+mn-cs"/>
-                          <a:sym typeface="Arial"/>
-                        </a:rPr>
-                        <a:t>Undersampling Score: 67%</a:t>
-                      </a:r>
-                    </a:p>
-                    <a:p>
-                      <a:pPr marL="285750" indent="-285750">
-                        <a:buFont typeface="Wingdings" panose="05000000000000000000" pitchFamily="2" charset="2"/>
-                        <a:buChar char="ü"/>
-                      </a:pPr>
-                      <a:endParaRPr lang="en-CA" dirty="0">
-                        <a:solidFill>
-                          <a:schemeClr val="bg1"/>
+                          <a:srgbClr val="C00000"/>
                         </a:solidFill>
                       </a:endParaRPr>
                     </a:p>
@@ -18050,141 +18033,480 @@
                     <a:bodyPr/>
                     <a:lstStyle/>
                     <a:p>
-                      <a:pPr marL="285750" indent="-285750">
-                        <a:buFont typeface="Wingdings" panose="05000000000000000000" pitchFamily="2" charset="2"/>
-                        <a:buChar char="ü"/>
-                      </a:pPr>
+                      <a:pPr algn="ctr"/>
                       <a:r>
-                        <a:rPr lang="en-CA" sz="1400" b="1" i="0" u="none" strike="noStrike" cap="none" dirty="0">
+                        <a:rPr lang="en-CA" dirty="0">
                           <a:solidFill>
-                            <a:schemeClr val="bg1"/>
+                            <a:schemeClr val="bg1">
+                              <a:lumMod val="50000"/>
+                            </a:schemeClr>
                           </a:solidFill>
-                          <a:effectLst/>
-                          <a:latin typeface="+mn-lt"/>
-                          <a:ea typeface="+mn-ea"/>
-                          <a:cs typeface="+mn-cs"/>
-                          <a:sym typeface="Arial"/>
                         </a:rPr>
-                        <a:t>Linear Regression </a:t>
-                      </a:r>
-                      <a:r>
-                        <a:rPr lang="en-CA" sz="1400" b="0" i="0" u="none" strike="noStrike" cap="none" dirty="0">
-                          <a:solidFill>
-                            <a:schemeClr val="bg1"/>
-                          </a:solidFill>
-                          <a:effectLst/>
-                          <a:latin typeface="+mn-lt"/>
-                          <a:ea typeface="+mn-ea"/>
-                          <a:cs typeface="+mn-cs"/>
-                          <a:sym typeface="Arial"/>
-                        </a:rPr>
-                        <a:t>Undersampling Score: 76%</a:t>
+                        <a:t>         </a:t>
                       </a:r>
                     </a:p>
                     <a:p>
-                      <a:pPr marL="285750" indent="-285750">
-                        <a:buFont typeface="Wingdings" panose="05000000000000000000" pitchFamily="2" charset="2"/>
-                        <a:buChar char="ü"/>
-                      </a:pPr>
-                      <a:endParaRPr lang="en-CA" sz="1400" b="0" i="0" u="none" strike="noStrike" cap="none" dirty="0">
+                      <a:pPr algn="ctr"/>
+                      <a:r>
+                        <a:rPr lang="en-CA" dirty="0">
+                          <a:solidFill>
+                            <a:schemeClr val="bg1">
+                              <a:lumMod val="50000"/>
+                            </a:schemeClr>
+                          </a:solidFill>
+                        </a:rPr>
+                        <a:t>%</a:t>
+                      </a:r>
+                    </a:p>
+                  </a:txBody>
+                  <a:tcPr/>
+                </a:tc>
+                <a:tc>
+                  <a:txBody>
+                    <a:bodyPr/>
+                    <a:lstStyle/>
+                    <a:p>
+                      <a:pPr algn="ctr"/>
+                      <a:endParaRPr lang="en-CA" dirty="0">
                         <a:solidFill>
-                          <a:schemeClr val="bg1"/>
+                          <a:schemeClr val="bg1">
+                            <a:lumMod val="50000"/>
+                          </a:schemeClr>
                         </a:solidFill>
-                        <a:effectLst/>
-                        <a:latin typeface="+mn-lt"/>
-                        <a:ea typeface="+mn-ea"/>
-                        <a:cs typeface="+mn-cs"/>
-                        <a:sym typeface="Arial"/>
                       </a:endParaRPr>
                     </a:p>
                     <a:p>
-                      <a:pPr marL="285750" indent="-285750">
-                        <a:buFont typeface="Wingdings" panose="05000000000000000000" pitchFamily="2" charset="2"/>
-                        <a:buChar char="ü"/>
-                      </a:pPr>
+                      <a:pPr algn="ctr"/>
                       <a:r>
-                        <a:rPr lang="en-CA" sz="1400" b="1" i="0" u="none" strike="noStrike" cap="none" dirty="0">
+                        <a:rPr lang="en-CA" dirty="0">
                           <a:solidFill>
-                            <a:schemeClr val="bg1"/>
+                            <a:schemeClr val="bg1">
+                              <a:lumMod val="50000"/>
+                            </a:schemeClr>
                           </a:solidFill>
-                          <a:effectLst/>
-                          <a:latin typeface="+mn-lt"/>
-                          <a:ea typeface="+mn-ea"/>
-                          <a:cs typeface="+mn-cs"/>
-                          <a:sym typeface="Arial"/>
                         </a:rPr>
-                        <a:t>Linear Regression </a:t>
-                      </a:r>
-                      <a:r>
-                        <a:rPr lang="en-CA" sz="1400" b="0" i="0" u="none" strike="noStrike" cap="none" dirty="0">
-                          <a:solidFill>
-                            <a:schemeClr val="bg1"/>
-                          </a:solidFill>
-                          <a:effectLst/>
-                          <a:latin typeface="+mn-lt"/>
-                          <a:ea typeface="+mn-ea"/>
-                          <a:cs typeface="+mn-cs"/>
-                          <a:sym typeface="Arial"/>
-                        </a:rPr>
-                        <a:t>Oversampling Score: 77%</a:t>
+                        <a:t>%</a:t>
                       </a:r>
                     </a:p>
+                  </a:txBody>
+                  <a:tcPr/>
+                </a:tc>
+                <a:tc>
+                  <a:txBody>
+                    <a:bodyPr/>
+                    <a:lstStyle/>
                     <a:p>
-                      <a:pPr marL="0" indent="0">
-                        <a:buFont typeface="Wingdings" panose="05000000000000000000" pitchFamily="2" charset="2"/>
-                        <a:buNone/>
-                      </a:pPr>
-                      <a:endParaRPr lang="en-CA" sz="1400" b="0" i="0" u="none" strike="noStrike" cap="none" dirty="0">
+                      <a:pPr algn="ctr"/>
+                      <a:endParaRPr lang="en-CA" dirty="0">
                         <a:solidFill>
-                          <a:schemeClr val="bg1"/>
+                          <a:schemeClr val="bg1">
+                            <a:lumMod val="50000"/>
+                          </a:schemeClr>
                         </a:solidFill>
-                        <a:effectLst/>
-                        <a:latin typeface="+mn-lt"/>
-                        <a:ea typeface="+mn-ea"/>
-                        <a:cs typeface="+mn-cs"/>
-                        <a:sym typeface="Arial"/>
                       </a:endParaRPr>
                     </a:p>
                     <a:p>
-                      <a:pPr marL="285750" indent="-285750">
-                        <a:buFont typeface="Wingdings" panose="05000000000000000000" pitchFamily="2" charset="2"/>
-                        <a:buChar char="ü"/>
-                      </a:pPr>
+                      <a:pPr algn="ctr"/>
                       <a:r>
-                        <a:rPr lang="en-CA" sz="1400" b="1" i="0" u="none" strike="noStrike" cap="none" dirty="0">
+                        <a:rPr lang="en-CA" dirty="0">
                           <a:solidFill>
-                            <a:schemeClr val="bg1"/>
+                            <a:schemeClr val="bg1">
+                              <a:lumMod val="50000"/>
+                            </a:schemeClr>
                           </a:solidFill>
-                          <a:effectLst/>
-                          <a:latin typeface="+mn-lt"/>
-                          <a:ea typeface="+mn-ea"/>
-                          <a:cs typeface="+mn-cs"/>
-                          <a:sym typeface="Arial"/>
+                        </a:rPr>
+                        <a:t>%</a:t>
+                      </a:r>
+                    </a:p>
+                  </a:txBody>
+                  <a:tcPr/>
+                </a:tc>
+                <a:tc>
+                  <a:txBody>
+                    <a:bodyPr/>
+                    <a:lstStyle/>
+                    <a:p>
+                      <a:pPr algn="ctr"/>
+                      <a:endParaRPr lang="en-CA" dirty="0">
+                        <a:solidFill>
+                          <a:schemeClr val="bg1">
+                            <a:lumMod val="50000"/>
+                          </a:schemeClr>
+                        </a:solidFill>
+                      </a:endParaRPr>
+                    </a:p>
+                    <a:p>
+                      <a:pPr algn="ctr"/>
+                      <a:r>
+                        <a:rPr lang="en-CA" dirty="0">
+                          <a:solidFill>
+                            <a:schemeClr val="bg1">
+                              <a:lumMod val="50000"/>
+                            </a:schemeClr>
+                          </a:solidFill>
+                        </a:rPr>
+                        <a:t>%</a:t>
+                      </a:r>
+                    </a:p>
+                  </a:txBody>
+                  <a:tcPr/>
+                </a:tc>
+                <a:extLst>
+                  <a:ext uri="{0D108BD9-81ED-4DB2-BD59-A6C34878D82A}">
+                    <a16:rowId xmlns:a16="http://schemas.microsoft.com/office/drawing/2014/main" val="1376988887"/>
+                  </a:ext>
+                </a:extLst>
+              </a:tr>
+              <a:tr h="695187">
+                <a:tc>
+                  <a:txBody>
+                    <a:bodyPr/>
+                    <a:lstStyle/>
+                    <a:p>
+                      <a:r>
+                        <a:rPr lang="en-CA" b="1" dirty="0">
+                          <a:solidFill>
+                            <a:schemeClr val="bg1">
+                              <a:lumMod val="50000"/>
+                            </a:schemeClr>
+                          </a:solidFill>
+                        </a:rPr>
+                        <a:t>Logistic  Regression</a:t>
+                      </a:r>
+                      <a:r>
+                        <a:rPr lang="en-CA" dirty="0">
+                          <a:solidFill>
+                            <a:schemeClr val="bg1">
+                              <a:lumMod val="50000"/>
+                            </a:schemeClr>
+                          </a:solidFill>
+                        </a:rPr>
+                        <a:t> </a:t>
+                      </a:r>
+                      <a:r>
+                        <a:rPr lang="en-CA" dirty="0">
+                          <a:solidFill>
+                            <a:srgbClr val="C00000"/>
+                          </a:solidFill>
+                        </a:rPr>
+                        <a:t>Oversampling Score</a:t>
+                      </a:r>
+                    </a:p>
+                  </a:txBody>
+                  <a:tcPr/>
+                </a:tc>
+                <a:tc>
+                  <a:txBody>
+                    <a:bodyPr/>
+                    <a:lstStyle/>
+                    <a:p>
+                      <a:pPr algn="ctr"/>
+                      <a:endParaRPr lang="en-CA" dirty="0">
+                        <a:solidFill>
+                          <a:schemeClr val="bg1">
+                            <a:lumMod val="50000"/>
+                          </a:schemeClr>
+                        </a:solidFill>
+                      </a:endParaRPr>
+                    </a:p>
+                    <a:p>
+                      <a:pPr algn="ctr"/>
+                      <a:r>
+                        <a:rPr lang="en-CA" dirty="0">
+                          <a:solidFill>
+                            <a:schemeClr val="bg1">
+                              <a:lumMod val="50000"/>
+                            </a:schemeClr>
+                          </a:solidFill>
+                        </a:rPr>
+                        <a:t>%</a:t>
+                      </a:r>
+                    </a:p>
+                  </a:txBody>
+                  <a:tcPr/>
+                </a:tc>
+                <a:tc>
+                  <a:txBody>
+                    <a:bodyPr/>
+                    <a:lstStyle/>
+                    <a:p>
+                      <a:pPr algn="ctr"/>
+                      <a:endParaRPr lang="en-CA" dirty="0">
+                        <a:solidFill>
+                          <a:schemeClr val="bg1">
+                            <a:lumMod val="50000"/>
+                          </a:schemeClr>
+                        </a:solidFill>
+                      </a:endParaRPr>
+                    </a:p>
+                    <a:p>
+                      <a:pPr algn="ctr"/>
+                      <a:r>
+                        <a:rPr lang="en-CA" dirty="0">
+                          <a:solidFill>
+                            <a:schemeClr val="bg1">
+                              <a:lumMod val="50000"/>
+                            </a:schemeClr>
+                          </a:solidFill>
+                        </a:rPr>
+                        <a:t>%</a:t>
+                      </a:r>
+                    </a:p>
+                  </a:txBody>
+                  <a:tcPr/>
+                </a:tc>
+                <a:tc>
+                  <a:txBody>
+                    <a:bodyPr/>
+                    <a:lstStyle/>
+                    <a:p>
+                      <a:pPr algn="ctr"/>
+                      <a:endParaRPr lang="en-CA" dirty="0">
+                        <a:solidFill>
+                          <a:schemeClr val="bg1">
+                            <a:lumMod val="50000"/>
+                          </a:schemeClr>
+                        </a:solidFill>
+                      </a:endParaRPr>
+                    </a:p>
+                    <a:p>
+                      <a:pPr algn="ctr"/>
+                      <a:r>
+                        <a:rPr lang="en-CA" dirty="0">
+                          <a:solidFill>
+                            <a:schemeClr val="bg1">
+                              <a:lumMod val="50000"/>
+                            </a:schemeClr>
+                          </a:solidFill>
+                        </a:rPr>
+                        <a:t>%</a:t>
+                      </a:r>
+                    </a:p>
+                  </a:txBody>
+                  <a:tcPr/>
+                </a:tc>
+                <a:tc>
+                  <a:txBody>
+                    <a:bodyPr/>
+                    <a:lstStyle/>
+                    <a:p>
+                      <a:pPr algn="ctr"/>
+                      <a:endParaRPr lang="en-CA" dirty="0">
+                        <a:solidFill>
+                          <a:schemeClr val="bg1">
+                            <a:lumMod val="50000"/>
+                          </a:schemeClr>
+                        </a:solidFill>
+                      </a:endParaRPr>
+                    </a:p>
+                    <a:p>
+                      <a:pPr algn="ctr"/>
+                      <a:r>
+                        <a:rPr lang="en-CA" dirty="0">
+                          <a:solidFill>
+                            <a:schemeClr val="bg1">
+                              <a:lumMod val="50000"/>
+                            </a:schemeClr>
+                          </a:solidFill>
+                        </a:rPr>
+                        <a:t>%</a:t>
+                      </a:r>
+                    </a:p>
+                  </a:txBody>
+                  <a:tcPr/>
+                </a:tc>
+                <a:extLst>
+                  <a:ext uri="{0D108BD9-81ED-4DB2-BD59-A6C34878D82A}">
+                    <a16:rowId xmlns:a16="http://schemas.microsoft.com/office/drawing/2014/main" val="2518122905"/>
+                  </a:ext>
+                </a:extLst>
+              </a:tr>
+              <a:tr h="706469">
+                <a:tc>
+                  <a:txBody>
+                    <a:bodyPr/>
+                    <a:lstStyle/>
+                    <a:p>
+                      <a:r>
+                        <a:rPr lang="en-CA" b="1" dirty="0">
+                          <a:solidFill>
+                            <a:schemeClr val="bg1">
+                              <a:lumMod val="50000"/>
+                            </a:schemeClr>
+                          </a:solidFill>
                         </a:rPr>
                         <a:t>Random Forest Classifier </a:t>
                       </a:r>
                       <a:r>
-                        <a:rPr lang="en-CA" sz="1400" b="0" i="0" u="none" strike="noStrike" cap="none" dirty="0">
+                        <a:rPr lang="en-CA" dirty="0">
                           <a:solidFill>
-                            <a:schemeClr val="bg1"/>
+                            <a:srgbClr val="C00000"/>
                           </a:solidFill>
-                          <a:effectLst/>
-                          <a:latin typeface="+mn-lt"/>
-                          <a:ea typeface="+mn-ea"/>
-                          <a:cs typeface="+mn-cs"/>
-                          <a:sym typeface="Arial"/>
                         </a:rPr>
-                        <a:t>Undersampling Score: 65</a:t>
+                        <a:t>Undersampling </a:t>
+                      </a:r>
+                    </a:p>
+                  </a:txBody>
+                  <a:tcPr/>
+                </a:tc>
+                <a:tc>
+                  <a:txBody>
+                    <a:bodyPr/>
+                    <a:lstStyle/>
+                    <a:p>
+                      <a:pPr algn="ctr"/>
+                      <a:endParaRPr lang="en-CA" dirty="0">
+                        <a:solidFill>
+                          <a:schemeClr val="bg1">
+                            <a:lumMod val="50000"/>
+                          </a:schemeClr>
+                        </a:solidFill>
+                      </a:endParaRPr>
+                    </a:p>
+                    <a:p>
+                      <a:pPr algn="ctr"/>
+                      <a:r>
+                        <a:rPr lang="en-CA" dirty="0">
+                          <a:solidFill>
+                            <a:schemeClr val="bg1">
+                              <a:lumMod val="50000"/>
+                            </a:schemeClr>
+                          </a:solidFill>
+                        </a:rPr>
+                        <a:t>%</a:t>
+                      </a:r>
+                    </a:p>
+                  </a:txBody>
+                  <a:tcPr/>
+                </a:tc>
+                <a:tc>
+                  <a:txBody>
+                    <a:bodyPr/>
+                    <a:lstStyle/>
+                    <a:p>
+                      <a:pPr algn="ctr"/>
+                      <a:endParaRPr lang="en-CA" dirty="0">
+                        <a:solidFill>
+                          <a:schemeClr val="bg1">
+                            <a:lumMod val="50000"/>
+                          </a:schemeClr>
+                        </a:solidFill>
+                      </a:endParaRPr>
+                    </a:p>
+                    <a:p>
+                      <a:pPr algn="ctr"/>
+                      <a:r>
+                        <a:rPr lang="en-CA" dirty="0">
+                          <a:solidFill>
+                            <a:schemeClr val="bg1">
+                              <a:lumMod val="50000"/>
+                            </a:schemeClr>
+                          </a:solidFill>
+                        </a:rPr>
+                        <a:t>%</a:t>
+                      </a:r>
+                    </a:p>
+                  </a:txBody>
+                  <a:tcPr/>
+                </a:tc>
+                <a:tc>
+                  <a:txBody>
+                    <a:bodyPr/>
+                    <a:lstStyle/>
+                    <a:p>
+                      <a:pPr algn="ctr"/>
+                      <a:endParaRPr lang="en-CA" dirty="0">
+                        <a:solidFill>
+                          <a:schemeClr val="bg1">
+                            <a:lumMod val="50000"/>
+                          </a:schemeClr>
+                        </a:solidFill>
+                      </a:endParaRPr>
+                    </a:p>
+                    <a:p>
+                      <a:pPr algn="ctr"/>
+                      <a:r>
+                        <a:rPr lang="en-CA" dirty="0">
+                          <a:solidFill>
+                            <a:schemeClr val="bg1">
+                              <a:lumMod val="50000"/>
+                            </a:schemeClr>
+                          </a:solidFill>
+                        </a:rPr>
+                        <a:t>%</a:t>
+                      </a:r>
+                    </a:p>
+                  </a:txBody>
+                  <a:tcPr/>
+                </a:tc>
+                <a:tc>
+                  <a:txBody>
+                    <a:bodyPr/>
+                    <a:lstStyle/>
+                    <a:p>
+                      <a:pPr algn="ctr"/>
+                      <a:endParaRPr lang="en-CA" dirty="0">
+                        <a:solidFill>
+                          <a:schemeClr val="bg1">
+                            <a:lumMod val="50000"/>
+                          </a:schemeClr>
+                        </a:solidFill>
+                      </a:endParaRPr>
+                    </a:p>
+                    <a:p>
+                      <a:pPr algn="ctr"/>
+                      <a:r>
+                        <a:rPr lang="en-CA" dirty="0">
+                          <a:solidFill>
+                            <a:schemeClr val="bg1">
+                              <a:lumMod val="50000"/>
+                            </a:schemeClr>
+                          </a:solidFill>
+                        </a:rPr>
+                        <a:t>%</a:t>
+                      </a:r>
+                    </a:p>
+                  </a:txBody>
+                  <a:tcPr/>
+                </a:tc>
+                <a:extLst>
+                  <a:ext uri="{0D108BD9-81ED-4DB2-BD59-A6C34878D82A}">
+                    <a16:rowId xmlns:a16="http://schemas.microsoft.com/office/drawing/2014/main" val="2464247350"/>
+                  </a:ext>
+                </a:extLst>
+              </a:tr>
+              <a:tr h="706469">
+                <a:tc>
+                  <a:txBody>
+                    <a:bodyPr/>
+                    <a:lstStyle/>
+                    <a:p>
+                      <a:r>
+                        <a:rPr lang="en-CA" b="1" dirty="0">
+                          <a:solidFill>
+                            <a:schemeClr val="bg1">
+                              <a:lumMod val="50000"/>
+                            </a:schemeClr>
+                          </a:solidFill>
+                        </a:rPr>
+                        <a:t>Xgboosting</a:t>
                       </a:r>
                     </a:p>
                     <a:p>
-                      <a:pPr marL="285750" indent="-285750">
-                        <a:buFont typeface="Wingdings" panose="05000000000000000000" pitchFamily="2" charset="2"/>
-                        <a:buChar char="ü"/>
-                      </a:pPr>
                       <a:endParaRPr lang="en-CA" dirty="0">
                         <a:solidFill>
-                          <a:schemeClr val="bg1"/>
+                          <a:schemeClr val="bg1">
+                            <a:lumMod val="50000"/>
+                          </a:schemeClr>
+                        </a:solidFill>
+                      </a:endParaRPr>
+                    </a:p>
+                    <a:p>
+                      <a:endParaRPr lang="en-CA" dirty="0">
+                        <a:solidFill>
+                          <a:schemeClr val="bg1">
+                            <a:lumMod val="50000"/>
+                          </a:schemeClr>
                         </a:solidFill>
                       </a:endParaRPr>
                     </a:p>
@@ -18196,150 +18518,44 @@
                     <a:bodyPr/>
                     <a:lstStyle/>
                     <a:p>
-                      <a:pPr marL="285750" indent="-285750">
-                        <a:buFont typeface="Wingdings" panose="05000000000000000000" pitchFamily="2" charset="2"/>
-                        <a:buChar char="ü"/>
-                      </a:pPr>
-                      <a:r>
-                        <a:rPr lang="en-CA" sz="1400" b="1" i="0" u="none" strike="noStrike" cap="none" dirty="0">
-                          <a:solidFill>
-                            <a:schemeClr val="bg1"/>
-                          </a:solidFill>
-                          <a:effectLst/>
-                          <a:latin typeface="+mn-lt"/>
-                          <a:ea typeface="+mn-ea"/>
-                          <a:cs typeface="+mn-cs"/>
-                          <a:sym typeface="Arial"/>
-                        </a:rPr>
-                        <a:t>Linear Regression </a:t>
-                      </a:r>
-                      <a:r>
-                        <a:rPr lang="en-CA" sz="1400" b="0" i="0" u="none" strike="noStrike" cap="none" dirty="0">
-                          <a:solidFill>
-                            <a:schemeClr val="bg1"/>
-                          </a:solidFill>
-                          <a:effectLst/>
-                          <a:latin typeface="+mn-lt"/>
-                          <a:ea typeface="+mn-ea"/>
-                          <a:cs typeface="+mn-cs"/>
-                          <a:sym typeface="Arial"/>
-                        </a:rPr>
-                        <a:t>Undersampling Score: 76%</a:t>
-                      </a:r>
+                      <a:endParaRPr lang="en-CA" dirty="0"/>
                     </a:p>
+                  </a:txBody>
+                  <a:tcPr/>
+                </a:tc>
+                <a:tc>
+                  <a:txBody>
+                    <a:bodyPr/>
+                    <a:lstStyle/>
                     <a:p>
-                      <a:pPr marL="0" indent="0">
-                        <a:buFont typeface="Wingdings" panose="05000000000000000000" pitchFamily="2" charset="2"/>
-                        <a:buNone/>
-                      </a:pPr>
-                      <a:endParaRPr lang="en-CA" sz="1400" b="0" i="0" u="none" strike="noStrike" cap="none" dirty="0">
-                        <a:solidFill>
-                          <a:schemeClr val="bg1"/>
-                        </a:solidFill>
-                        <a:effectLst/>
-                        <a:latin typeface="+mn-lt"/>
-                        <a:ea typeface="+mn-ea"/>
-                        <a:cs typeface="+mn-cs"/>
-                        <a:sym typeface="Arial"/>
-                      </a:endParaRPr>
+                      <a:endParaRPr lang="en-CA"/>
                     </a:p>
+                  </a:txBody>
+                  <a:tcPr/>
+                </a:tc>
+                <a:tc>
+                  <a:txBody>
+                    <a:bodyPr/>
+                    <a:lstStyle/>
                     <a:p>
-                      <a:pPr marL="285750" indent="-285750">
-                        <a:buFont typeface="Wingdings" panose="05000000000000000000" pitchFamily="2" charset="2"/>
-                        <a:buChar char="ü"/>
-                      </a:pPr>
-                      <a:r>
-                        <a:rPr lang="en-CA" sz="1400" b="1" i="0" u="none" strike="noStrike" cap="none" dirty="0">
-                          <a:solidFill>
-                            <a:schemeClr val="bg1"/>
-                          </a:solidFill>
-                          <a:effectLst/>
-                          <a:latin typeface="+mn-lt"/>
-                          <a:ea typeface="+mn-ea"/>
-                          <a:cs typeface="+mn-cs"/>
-                          <a:sym typeface="Arial"/>
-                        </a:rPr>
-                        <a:t>Linear Regression </a:t>
-                      </a:r>
-                      <a:r>
-                        <a:rPr lang="en-CA" sz="1400" b="0" i="0" u="none" strike="noStrike" cap="none" dirty="0">
-                          <a:solidFill>
-                            <a:schemeClr val="bg1"/>
-                          </a:solidFill>
-                          <a:effectLst/>
-                          <a:latin typeface="+mn-lt"/>
-                          <a:ea typeface="+mn-ea"/>
-                          <a:cs typeface="+mn-cs"/>
-                          <a:sym typeface="Arial"/>
-                        </a:rPr>
-                        <a:t>Oversampling Score: 77%</a:t>
-                      </a:r>
+                      <a:endParaRPr lang="en-CA"/>
                     </a:p>
+                  </a:txBody>
+                  <a:tcPr/>
+                </a:tc>
+                <a:tc>
+                  <a:txBody>
+                    <a:bodyPr/>
+                    <a:lstStyle/>
                     <a:p>
-                      <a:pPr marL="0" indent="0">
-                        <a:buFont typeface="Wingdings" panose="05000000000000000000" pitchFamily="2" charset="2"/>
-                        <a:buNone/>
-                      </a:pPr>
-                      <a:endParaRPr lang="en-CA" sz="1400" b="0" i="0" u="none" strike="noStrike" cap="none" dirty="0">
-                        <a:solidFill>
-                          <a:schemeClr val="bg1"/>
-                        </a:solidFill>
-                        <a:effectLst/>
-                        <a:latin typeface="+mn-lt"/>
-                        <a:ea typeface="+mn-ea"/>
-                        <a:cs typeface="+mn-cs"/>
-                        <a:sym typeface="Arial"/>
-                      </a:endParaRPr>
-                    </a:p>
-                    <a:p>
-                      <a:pPr marL="285750" indent="-285750">
-                        <a:buFont typeface="Wingdings" panose="05000000000000000000" pitchFamily="2" charset="2"/>
-                        <a:buChar char="ü"/>
-                      </a:pPr>
-                      <a:r>
-                        <a:rPr lang="en-CA" sz="1400" b="1" i="0" u="none" strike="noStrike" cap="none" dirty="0">
-                          <a:solidFill>
-                            <a:schemeClr val="bg1"/>
-                          </a:solidFill>
-                          <a:effectLst/>
-                          <a:latin typeface="+mn-lt"/>
-                          <a:ea typeface="+mn-ea"/>
-                          <a:cs typeface="+mn-cs"/>
-                          <a:sym typeface="Arial"/>
-                        </a:rPr>
-                        <a:t>Random Forest Classifier </a:t>
-                      </a:r>
-                      <a:r>
-                        <a:rPr lang="en-CA" sz="1400" b="0" i="0" u="none" strike="noStrike" cap="none" dirty="0">
-                          <a:solidFill>
-                            <a:schemeClr val="bg1"/>
-                          </a:solidFill>
-                          <a:effectLst/>
-                          <a:latin typeface="+mn-lt"/>
-                          <a:ea typeface="+mn-ea"/>
-                          <a:cs typeface="+mn-cs"/>
-                          <a:sym typeface="Arial"/>
-                        </a:rPr>
-                        <a:t>Undersampling Score: 64%</a:t>
-                      </a:r>
-                    </a:p>
-                    <a:p>
-                      <a:pPr marL="285750" indent="-285750">
-                        <a:buFont typeface="Wingdings" panose="05000000000000000000" pitchFamily="2" charset="2"/>
-                        <a:buChar char="ü"/>
-                      </a:pPr>
-                      <a:endParaRPr lang="en-CA" dirty="0">
-                        <a:solidFill>
-                          <a:schemeClr val="bg1"/>
-                        </a:solidFill>
-                      </a:endParaRPr>
+                      <a:endParaRPr lang="en-CA" dirty="0"/>
                     </a:p>
                   </a:txBody>
                   <a:tcPr/>
                 </a:tc>
                 <a:extLst>
                   <a:ext uri="{0D108BD9-81ED-4DB2-BD59-A6C34878D82A}">
-                    <a16:rowId xmlns:a16="http://schemas.microsoft.com/office/drawing/2014/main" val="2834406086"/>
+                    <a16:rowId xmlns:a16="http://schemas.microsoft.com/office/drawing/2014/main" val="2440399944"/>
                   </a:ext>
                 </a:extLst>
               </a:tr>
@@ -18350,7 +18566,7 @@
     </p:spTree>
     <p:extLst>
       <p:ext uri="{BB962C8B-B14F-4D97-AF65-F5344CB8AC3E}">
-        <p14:creationId xmlns:p14="http://schemas.microsoft.com/office/powerpoint/2010/main" val="1577757493"/>
+        <p14:creationId xmlns:p14="http://schemas.microsoft.com/office/powerpoint/2010/main" val="807587587"/>
       </p:ext>
     </p:extLst>
   </p:cSld>
@@ -20643,14 +20859,6 @@
 <file path=ppt/slides/slide6.xml><?xml version="1.0" encoding="utf-8"?>
 <p:sld xmlns:a="http://schemas.openxmlformats.org/drawingml/2006/main" xmlns:r="http://schemas.openxmlformats.org/officeDocument/2006/relationships" xmlns:p="http://schemas.openxmlformats.org/presentationml/2006/main">
   <p:cSld>
-    <p:bg>
-      <p:bgPr>
-        <a:solidFill>
-          <a:schemeClr val="lt2"/>
-        </a:solidFill>
-        <a:effectLst/>
-      </p:bgPr>
-    </p:bg>
     <p:spTree>
       <p:nvGrpSpPr>
         <p:cNvPr id="1" name=""/>
@@ -20667,10 +20875,10 @@
       </p:grpSpPr>
       <p:graphicFrame>
         <p:nvGraphicFramePr>
-          <p:cNvPr id="15" name="Table 15">
+          <p:cNvPr id="7" name="Table 6">
             <a:extLst>
               <a:ext uri="{FF2B5EF4-FFF2-40B4-BE49-F238E27FC236}">
-                <a16:creationId xmlns:a16="http://schemas.microsoft.com/office/drawing/2014/main" id="{B5197564-1C30-462F-AE4C-2EEDDAD66384}"/>
+                <a16:creationId xmlns:a16="http://schemas.microsoft.com/office/drawing/2014/main" id="{C506ECA0-52F9-4D54-8927-C36BD6CB33CD}"/>
               </a:ext>
             </a:extLst>
           </p:cNvPr>
@@ -20680,392 +20888,55 @@
           <p:nvPr>
             <p:extLst>
               <p:ext uri="{D42A27DB-BD31-4B8C-83A1-F6EECF244321}">
-                <p14:modId xmlns:p14="http://schemas.microsoft.com/office/powerpoint/2010/main" val="2416910092"/>
+                <p14:modId xmlns:p14="http://schemas.microsoft.com/office/powerpoint/2010/main" val="1387655944"/>
               </p:ext>
             </p:extLst>
           </p:nvPr>
         </p:nvGraphicFramePr>
         <p:xfrm>
-          <a:off x="215154" y="539748"/>
-          <a:ext cx="8752115" cy="4262773"/>
+          <a:off x="381000" y="251460"/>
+          <a:ext cx="2529840" cy="2651760"/>
         </p:xfrm>
         <a:graphic>
           <a:graphicData uri="http://schemas.openxmlformats.org/drawingml/2006/table">
             <a:tbl>
-              <a:tblPr firstRow="1" bandRow="1">
-                <a:tableStyleId>{5C22544A-7EE6-4342-B048-85BDC9FD1C3A}</a:tableStyleId>
+              <a:tblPr>
+                <a:effectLst>
+                  <a:innerShdw blurRad="114300">
+                    <a:prstClr val="black"/>
+                  </a:innerShdw>
+                  <a:reflection stA="45000" endPos="7000" dist="50800" dir="5400000" sy="-100000" algn="bl" rotWithShape="0"/>
+                </a:effectLst>
               </a:tblPr>
               <a:tblGrid>
-                <a:gridCol w="1750423">
+                <a:gridCol w="2529840">
                   <a:extLst>
                     <a:ext uri="{9D8B030D-6E8A-4147-A177-3AD203B41FA5}">
-                      <a16:colId xmlns:a16="http://schemas.microsoft.com/office/drawing/2014/main" val="3501623057"/>
-                    </a:ext>
-                  </a:extLst>
-                </a:gridCol>
-                <a:gridCol w="1750423">
-                  <a:extLst>
-                    <a:ext uri="{9D8B030D-6E8A-4147-A177-3AD203B41FA5}">
-                      <a16:colId xmlns:a16="http://schemas.microsoft.com/office/drawing/2014/main" val="220544523"/>
-                    </a:ext>
-                  </a:extLst>
-                </a:gridCol>
-                <a:gridCol w="1750423">
-                  <a:extLst>
-                    <a:ext uri="{9D8B030D-6E8A-4147-A177-3AD203B41FA5}">
-                      <a16:colId xmlns:a16="http://schemas.microsoft.com/office/drawing/2014/main" val="1793257954"/>
-                    </a:ext>
-                  </a:extLst>
-                </a:gridCol>
-                <a:gridCol w="1750423">
-                  <a:extLst>
-                    <a:ext uri="{9D8B030D-6E8A-4147-A177-3AD203B41FA5}">
-                      <a16:colId xmlns:a16="http://schemas.microsoft.com/office/drawing/2014/main" val="1589494423"/>
-                    </a:ext>
-                  </a:extLst>
-                </a:gridCol>
-                <a:gridCol w="1750423">
-                  <a:extLst>
-                    <a:ext uri="{9D8B030D-6E8A-4147-A177-3AD203B41FA5}">
-                      <a16:colId xmlns:a16="http://schemas.microsoft.com/office/drawing/2014/main" val="608407756"/>
+                      <a16:colId xmlns:a16="http://schemas.microsoft.com/office/drawing/2014/main" val="4160427210"/>
                     </a:ext>
                   </a:extLst>
                 </a:gridCol>
               </a:tblGrid>
-              <a:tr h="1165224">
+              <a:tr h="2438400">
                 <a:tc>
                   <a:txBody>
                     <a:bodyPr/>
                     <a:lstStyle/>
                     <a:p>
-                      <a:pPr marL="0" marR="0" lvl="0" indent="0" algn="ctr" defTabSz="914400" rtl="0" eaLnBrk="1" fontAlgn="auto" latinLnBrk="0" hangingPunct="1">
-                        <a:lnSpc>
-                          <a:spcPct val="100000"/>
-                        </a:lnSpc>
-                        <a:spcBef>
-                          <a:spcPts val="0"/>
-                        </a:spcBef>
-                        <a:spcAft>
-                          <a:spcPts val="0"/>
-                        </a:spcAft>
-                        <a:buClr>
-                          <a:srgbClr val="000000"/>
-                        </a:buClr>
-                        <a:buSzTx/>
-                        <a:buFont typeface="Arial"/>
-                        <a:buNone/>
-                        <a:tabLst/>
-                        <a:defRPr/>
-                      </a:pPr>
-                      <a:endParaRPr lang="en-CA" sz="1600" dirty="0"/>
-                    </a:p>
-                    <a:p>
-                      <a:pPr marL="0" marR="0" lvl="0" indent="0" algn="ctr" defTabSz="914400" rtl="0" eaLnBrk="1" fontAlgn="auto" latinLnBrk="0" hangingPunct="1">
-                        <a:lnSpc>
-                          <a:spcPct val="100000"/>
-                        </a:lnSpc>
-                        <a:spcBef>
-                          <a:spcPts val="0"/>
-                        </a:spcBef>
-                        <a:spcAft>
-                          <a:spcPts val="0"/>
-                        </a:spcAft>
-                        <a:buClr>
-                          <a:srgbClr val="000000"/>
-                        </a:buClr>
-                        <a:buSzTx/>
-                        <a:buFont typeface="Arial"/>
-                        <a:buNone/>
-                        <a:tabLst/>
-                        <a:defRPr/>
-                      </a:pPr>
+                      <a:pPr algn="ctr"/>
                       <a:r>
-                        <a:rPr lang="en-CA" sz="1600" dirty="0"/>
+                        <a:rPr lang="en-CA" b="1" dirty="0">
+                          <a:solidFill>
+                            <a:schemeClr val="bg1">
+                              <a:lumMod val="50000"/>
+                            </a:schemeClr>
+                          </a:solidFill>
+                        </a:rPr>
                         <a:t>Data Source and Resources</a:t>
                       </a:r>
                     </a:p>
                     <a:p>
-                      <a:endParaRPr lang="en-CA" sz="1600" dirty="0"/>
-                    </a:p>
-                  </a:txBody>
-                  <a:tcPr>
-                    <a:solidFill>
-                      <a:schemeClr val="accent5">
-                        <a:lumMod val="60000"/>
-                        <a:lumOff val="40000"/>
-                      </a:schemeClr>
-                    </a:solidFill>
-                  </a:tcPr>
-                </a:tc>
-                <a:tc>
-                  <a:txBody>
-                    <a:bodyPr/>
-                    <a:lstStyle/>
-                    <a:p>
-                      <a:pPr marL="0" marR="0" lvl="0" indent="0" algn="ctr" defTabSz="914400" rtl="0" eaLnBrk="1" fontAlgn="auto" latinLnBrk="0" hangingPunct="1">
-                        <a:lnSpc>
-                          <a:spcPct val="100000"/>
-                        </a:lnSpc>
-                        <a:spcBef>
-                          <a:spcPts val="0"/>
-                        </a:spcBef>
-                        <a:spcAft>
-                          <a:spcPts val="0"/>
-                        </a:spcAft>
-                        <a:buClr>
-                          <a:srgbClr val="000000"/>
-                        </a:buClr>
-                        <a:buSzTx/>
-                        <a:buFont typeface="Arial"/>
-                        <a:buNone/>
-                        <a:tabLst/>
-                        <a:defRPr/>
-                      </a:pPr>
-                      <a:endParaRPr lang="en-CA" sz="1600" dirty="0"/>
-                    </a:p>
-                    <a:p>
-                      <a:pPr marL="0" marR="0" lvl="0" indent="0" algn="ctr" defTabSz="914400" rtl="0" eaLnBrk="1" fontAlgn="auto" latinLnBrk="0" hangingPunct="1">
-                        <a:lnSpc>
-                          <a:spcPct val="100000"/>
-                        </a:lnSpc>
-                        <a:spcBef>
-                          <a:spcPts val="0"/>
-                        </a:spcBef>
-                        <a:spcAft>
-                          <a:spcPts val="0"/>
-                        </a:spcAft>
-                        <a:buClr>
-                          <a:srgbClr val="000000"/>
-                        </a:buClr>
-                        <a:buSzTx/>
-                        <a:buFont typeface="Arial"/>
-                        <a:buNone/>
-                        <a:tabLst/>
-                        <a:defRPr/>
-                      </a:pPr>
-                      <a:r>
-                        <a:rPr lang="en-CA" sz="1600" dirty="0"/>
-                        <a:t>Technologies</a:t>
-                      </a:r>
-                    </a:p>
-                    <a:p>
-                      <a:endParaRPr lang="en-CA" sz="1600" dirty="0"/>
-                    </a:p>
-                  </a:txBody>
-                  <a:tcPr>
-                    <a:solidFill>
-                      <a:schemeClr val="accent5">
-                        <a:lumMod val="60000"/>
-                        <a:lumOff val="40000"/>
-                      </a:schemeClr>
-                    </a:solidFill>
-                  </a:tcPr>
-                </a:tc>
-                <a:tc>
-                  <a:txBody>
-                    <a:bodyPr/>
-                    <a:lstStyle/>
-                    <a:p>
-                      <a:pPr marL="0" marR="0" lvl="0" indent="0" algn="ctr" defTabSz="914400" rtl="0" eaLnBrk="1" fontAlgn="auto" latinLnBrk="0" hangingPunct="1">
-                        <a:lnSpc>
-                          <a:spcPct val="100000"/>
-                        </a:lnSpc>
-                        <a:spcBef>
-                          <a:spcPts val="0"/>
-                        </a:spcBef>
-                        <a:spcAft>
-                          <a:spcPts val="0"/>
-                        </a:spcAft>
-                        <a:buClr>
-                          <a:srgbClr val="000000"/>
-                        </a:buClr>
-                        <a:buSzTx/>
-                        <a:buFont typeface="Arial"/>
-                        <a:buNone/>
-                        <a:tabLst/>
-                        <a:defRPr/>
-                      </a:pPr>
-                      <a:endParaRPr lang="en-CA" sz="1600" dirty="0"/>
-                    </a:p>
-                    <a:p>
-                      <a:pPr marL="0" marR="0" lvl="0" indent="0" algn="ctr" defTabSz="914400" rtl="0" eaLnBrk="1" fontAlgn="auto" latinLnBrk="0" hangingPunct="1">
-                        <a:lnSpc>
-                          <a:spcPct val="100000"/>
-                        </a:lnSpc>
-                        <a:spcBef>
-                          <a:spcPts val="0"/>
-                        </a:spcBef>
-                        <a:spcAft>
-                          <a:spcPts val="0"/>
-                        </a:spcAft>
-                        <a:buClr>
-                          <a:srgbClr val="000000"/>
-                        </a:buClr>
-                        <a:buSzTx/>
-                        <a:buFont typeface="Arial"/>
-                        <a:buNone/>
-                        <a:tabLst/>
-                        <a:defRPr/>
-                      </a:pPr>
-                      <a:r>
-                        <a:rPr lang="en-CA" sz="1600" dirty="0"/>
-                        <a:t>Languages</a:t>
-                      </a:r>
-                    </a:p>
-                    <a:p>
-                      <a:endParaRPr lang="en-CA" sz="1600" dirty="0"/>
-                    </a:p>
-                  </a:txBody>
-                  <a:tcPr>
-                    <a:solidFill>
-                      <a:schemeClr val="accent5">
-                        <a:lumMod val="60000"/>
-                        <a:lumOff val="40000"/>
-                      </a:schemeClr>
-                    </a:solidFill>
-                  </a:tcPr>
-                </a:tc>
-                <a:tc>
-                  <a:txBody>
-                    <a:bodyPr/>
-                    <a:lstStyle/>
-                    <a:p>
-                      <a:pPr marL="0" marR="0" lvl="0" indent="0" algn="ctr" defTabSz="914400" rtl="0" eaLnBrk="1" fontAlgn="auto" latinLnBrk="0" hangingPunct="1">
-                        <a:lnSpc>
-                          <a:spcPct val="100000"/>
-                        </a:lnSpc>
-                        <a:spcBef>
-                          <a:spcPts val="0"/>
-                        </a:spcBef>
-                        <a:spcAft>
-                          <a:spcPts val="0"/>
-                        </a:spcAft>
-                        <a:buClr>
-                          <a:srgbClr val="000000"/>
-                        </a:buClr>
-                        <a:buSzTx/>
-                        <a:buFont typeface="Arial"/>
-                        <a:buNone/>
-                        <a:tabLst/>
-                        <a:defRPr/>
-                      </a:pPr>
-                      <a:endParaRPr lang="en-CA" sz="1600" dirty="0"/>
-                    </a:p>
-                    <a:p>
-                      <a:pPr marL="0" marR="0" lvl="0" indent="0" algn="ctr" defTabSz="914400" rtl="0" eaLnBrk="1" fontAlgn="auto" latinLnBrk="0" hangingPunct="1">
-                        <a:lnSpc>
-                          <a:spcPct val="100000"/>
-                        </a:lnSpc>
-                        <a:spcBef>
-                          <a:spcPts val="0"/>
-                        </a:spcBef>
-                        <a:spcAft>
-                          <a:spcPts val="0"/>
-                        </a:spcAft>
-                        <a:buClr>
-                          <a:srgbClr val="000000"/>
-                        </a:buClr>
-                        <a:buSzTx/>
-                        <a:buFont typeface="Arial"/>
-                        <a:buNone/>
-                        <a:tabLst/>
-                        <a:defRPr/>
-                      </a:pPr>
-                      <a:r>
-                        <a:rPr lang="en-CA" sz="1600" dirty="0"/>
-                        <a:t>Tools/Libraries</a:t>
-                      </a:r>
-                    </a:p>
-                    <a:p>
-                      <a:endParaRPr lang="en-CA" sz="1600" dirty="0"/>
-                    </a:p>
-                  </a:txBody>
-                  <a:tcPr>
-                    <a:solidFill>
-                      <a:schemeClr val="accent5">
-                        <a:lumMod val="60000"/>
-                        <a:lumOff val="40000"/>
-                      </a:schemeClr>
-                    </a:solidFill>
-                  </a:tcPr>
-                </a:tc>
-                <a:tc>
-                  <a:txBody>
-                    <a:bodyPr/>
-                    <a:lstStyle/>
-                    <a:p>
-                      <a:pPr marL="0" marR="0" lvl="0" indent="0" algn="ctr" defTabSz="914400" rtl="0" eaLnBrk="1" fontAlgn="auto" latinLnBrk="0" hangingPunct="1">
-                        <a:lnSpc>
-                          <a:spcPct val="100000"/>
-                        </a:lnSpc>
-                        <a:spcBef>
-                          <a:spcPts val="0"/>
-                        </a:spcBef>
-                        <a:spcAft>
-                          <a:spcPts val="0"/>
-                        </a:spcAft>
-                        <a:buClr>
-                          <a:srgbClr val="000000"/>
-                        </a:buClr>
-                        <a:buSzTx/>
-                        <a:buFont typeface="Arial"/>
-                        <a:buNone/>
-                        <a:tabLst/>
-                        <a:defRPr/>
-                      </a:pPr>
-                      <a:endParaRPr lang="en-CA" sz="1600" dirty="0"/>
-                    </a:p>
-                    <a:p>
-                      <a:pPr marL="0" marR="0" lvl="0" indent="0" algn="ctr" defTabSz="914400" rtl="0" eaLnBrk="1" fontAlgn="auto" latinLnBrk="0" hangingPunct="1">
-                        <a:lnSpc>
-                          <a:spcPct val="100000"/>
-                        </a:lnSpc>
-                        <a:spcBef>
-                          <a:spcPts val="0"/>
-                        </a:spcBef>
-                        <a:spcAft>
-                          <a:spcPts val="0"/>
-                        </a:spcAft>
-                        <a:buClr>
-                          <a:srgbClr val="000000"/>
-                        </a:buClr>
-                        <a:buSzTx/>
-                        <a:buFont typeface="Arial"/>
-                        <a:buNone/>
-                        <a:tabLst/>
-                        <a:defRPr/>
-                      </a:pPr>
-                      <a:r>
-                        <a:rPr lang="en-CA" sz="1600" dirty="0"/>
-                        <a:t>Algorithms</a:t>
-                      </a:r>
-                    </a:p>
-                    <a:p>
-                      <a:endParaRPr lang="en-CA" sz="1600" dirty="0"/>
-                    </a:p>
-                  </a:txBody>
-                  <a:tcPr>
-                    <a:solidFill>
-                      <a:schemeClr val="accent5">
-                        <a:lumMod val="60000"/>
-                        <a:lumOff val="40000"/>
-                      </a:schemeClr>
-                    </a:solidFill>
-                  </a:tcPr>
-                </a:tc>
-                <a:extLst>
-                  <a:ext uri="{0D108BD9-81ED-4DB2-BD59-A6C34878D82A}">
-                    <a16:rowId xmlns:a16="http://schemas.microsoft.com/office/drawing/2014/main" val="39069078"/>
-                  </a:ext>
-                </a:extLst>
-              </a:tr>
-              <a:tr h="3097549">
-                <a:tc>
-                  <a:txBody>
-                    <a:bodyPr/>
-                    <a:lstStyle/>
-                    <a:p>
-                      <a:endParaRPr lang="en-CA" dirty="0">
+                      <a:endParaRPr lang="en-CA" b="1" dirty="0">
                         <a:solidFill>
                           <a:schemeClr val="bg1">
                             <a:lumMod val="50000"/>
@@ -21149,59 +21020,882 @@
                       <a:endParaRPr lang="en-CA" dirty="0"/>
                     </a:p>
                   </a:txBody>
-                  <a:tcPr/>
+                  <a:tcPr>
+                    <a:lnL w="12700" cmpd="sng">
+                      <a:solidFill>
+                        <a:schemeClr val="tx1"/>
+                      </a:solidFill>
+                      <a:prstDash val="solid"/>
+                    </a:lnL>
+                    <a:lnR w="12700" cmpd="sng">
+                      <a:solidFill>
+                        <a:schemeClr val="tx1"/>
+                      </a:solidFill>
+                      <a:prstDash val="solid"/>
+                    </a:lnR>
+                    <a:lnT w="12700" cmpd="sng">
+                      <a:solidFill>
+                        <a:schemeClr val="tx1"/>
+                      </a:solidFill>
+                      <a:prstDash val="solid"/>
+                    </a:lnT>
+                    <a:lnB w="12700" cmpd="sng">
+                      <a:solidFill>
+                        <a:schemeClr val="tx1"/>
+                      </a:solidFill>
+                      <a:prstDash val="solid"/>
+                    </a:lnB>
+                    <a:solidFill>
+                      <a:schemeClr val="accent5">
+                        <a:lumMod val="40000"/>
+                        <a:lumOff val="60000"/>
+                      </a:schemeClr>
+                    </a:solidFill>
+                  </a:tcPr>
                 </a:tc>
+                <a:extLst>
+                  <a:ext uri="{0D108BD9-81ED-4DB2-BD59-A6C34878D82A}">
+                    <a16:rowId xmlns:a16="http://schemas.microsoft.com/office/drawing/2014/main" val="460070582"/>
+                  </a:ext>
+                </a:extLst>
+              </a:tr>
+            </a:tbl>
+          </a:graphicData>
+        </a:graphic>
+      </p:graphicFrame>
+      <p:graphicFrame>
+        <p:nvGraphicFramePr>
+          <p:cNvPr id="8" name="Table 7">
+            <a:extLst>
+              <a:ext uri="{FF2B5EF4-FFF2-40B4-BE49-F238E27FC236}">
+                <a16:creationId xmlns:a16="http://schemas.microsoft.com/office/drawing/2014/main" id="{C4A35A3E-AF58-4072-8471-8F551C8D97AB}"/>
+              </a:ext>
+            </a:extLst>
+          </p:cNvPr>
+          <p:cNvGraphicFramePr>
+            <a:graphicFrameLocks noGrp="1"/>
+          </p:cNvGraphicFramePr>
+          <p:nvPr>
+            <p:extLst>
+              <p:ext uri="{D42A27DB-BD31-4B8C-83A1-F6EECF244321}">
+                <p14:modId xmlns:p14="http://schemas.microsoft.com/office/powerpoint/2010/main" val="2600751596"/>
+              </p:ext>
+            </p:extLst>
+          </p:nvPr>
+        </p:nvGraphicFramePr>
+        <p:xfrm>
+          <a:off x="3276600" y="1257300"/>
+          <a:ext cx="2499360" cy="2529840"/>
+        </p:xfrm>
+        <a:graphic>
+          <a:graphicData uri="http://schemas.openxmlformats.org/drawingml/2006/table">
+            <a:tbl>
+              <a:tblPr>
+                <a:effectLst>
+                  <a:innerShdw blurRad="114300">
+                    <a:prstClr val="black"/>
+                  </a:innerShdw>
+                  <a:reflection stA="45000" endPos="9000" dist="50800" dir="5400000" sy="-100000" algn="bl" rotWithShape="0"/>
+                </a:effectLst>
+              </a:tblPr>
+              <a:tblGrid>
+                <a:gridCol w="2499360">
+                  <a:extLst>
+                    <a:ext uri="{9D8B030D-6E8A-4147-A177-3AD203B41FA5}">
+                      <a16:colId xmlns:a16="http://schemas.microsoft.com/office/drawing/2014/main" val="4265530689"/>
+                    </a:ext>
+                  </a:extLst>
+                </a:gridCol>
+              </a:tblGrid>
+              <a:tr h="2529840">
+                <a:tc>
+                  <a:txBody>
+                    <a:bodyPr/>
+                    <a:lstStyle/>
+                    <a:p>
+                      <a:pPr marL="0" marR="0" lvl="0" indent="0" algn="l" defTabSz="914400" rtl="0" eaLnBrk="1" fontAlgn="auto" latinLnBrk="0" hangingPunct="1">
+                        <a:lnSpc>
+                          <a:spcPct val="100000"/>
+                        </a:lnSpc>
+                        <a:spcBef>
+                          <a:spcPts val="0"/>
+                        </a:spcBef>
+                        <a:spcAft>
+                          <a:spcPts val="0"/>
+                        </a:spcAft>
+                        <a:buClr>
+                          <a:srgbClr val="000000"/>
+                        </a:buClr>
+                        <a:buSzTx/>
+                        <a:buFont typeface="Arial"/>
+                        <a:buNone/>
+                        <a:tabLst/>
+                        <a:defRPr/>
+                      </a:pPr>
+                      <a:r>
+                        <a:rPr lang="en-CA" sz="1400" b="1" dirty="0">
+                          <a:solidFill>
+                            <a:schemeClr val="bg1">
+                              <a:lumMod val="50000"/>
+                            </a:schemeClr>
+                          </a:solidFill>
+                        </a:rPr>
+                        <a:t>           Technologies</a:t>
+                      </a:r>
+                    </a:p>
+                    <a:p>
+                      <a:endParaRPr lang="en-CA" dirty="0"/>
+                    </a:p>
+                  </a:txBody>
+                  <a:tcPr>
+                    <a:lnL w="12700" cmpd="sng">
+                      <a:solidFill>
+                        <a:schemeClr val="tx1"/>
+                      </a:solidFill>
+                      <a:prstDash val="solid"/>
+                    </a:lnL>
+                    <a:lnR w="12700" cmpd="sng">
+                      <a:solidFill>
+                        <a:schemeClr val="tx1"/>
+                      </a:solidFill>
+                      <a:prstDash val="solid"/>
+                    </a:lnR>
+                    <a:lnT w="12700" cmpd="sng">
+                      <a:solidFill>
+                        <a:schemeClr val="tx1"/>
+                      </a:solidFill>
+                      <a:prstDash val="solid"/>
+                    </a:lnT>
+                    <a:lnB w="12700" cmpd="sng">
+                      <a:solidFill>
+                        <a:schemeClr val="tx1"/>
+                      </a:solidFill>
+                      <a:prstDash val="solid"/>
+                    </a:lnB>
+                    <a:solidFill>
+                      <a:schemeClr val="tx1"/>
+                    </a:solidFill>
+                  </a:tcPr>
+                </a:tc>
+                <a:extLst>
+                  <a:ext uri="{0D108BD9-81ED-4DB2-BD59-A6C34878D82A}">
+                    <a16:rowId xmlns:a16="http://schemas.microsoft.com/office/drawing/2014/main" val="2981424261"/>
+                  </a:ext>
+                </a:extLst>
+              </a:tr>
+            </a:tbl>
+          </a:graphicData>
+        </a:graphic>
+      </p:graphicFrame>
+      <p:graphicFrame>
+        <p:nvGraphicFramePr>
+          <p:cNvPr id="9" name="Table 8">
+            <a:extLst>
+              <a:ext uri="{FF2B5EF4-FFF2-40B4-BE49-F238E27FC236}">
+                <a16:creationId xmlns:a16="http://schemas.microsoft.com/office/drawing/2014/main" id="{1EA60063-7E51-49CC-AE04-78B081DB3A00}"/>
+              </a:ext>
+            </a:extLst>
+          </p:cNvPr>
+          <p:cNvGraphicFramePr>
+            <a:graphicFrameLocks noGrp="1"/>
+          </p:cNvGraphicFramePr>
+          <p:nvPr>
+            <p:extLst>
+              <p:ext uri="{D42A27DB-BD31-4B8C-83A1-F6EECF244321}">
+                <p14:modId xmlns:p14="http://schemas.microsoft.com/office/powerpoint/2010/main" val="3753892207"/>
+              </p:ext>
+            </p:extLst>
+          </p:nvPr>
+        </p:nvGraphicFramePr>
+        <p:xfrm>
+          <a:off x="6118860" y="228600"/>
+          <a:ext cx="2758440" cy="2080260"/>
+        </p:xfrm>
+        <a:graphic>
+          <a:graphicData uri="http://schemas.openxmlformats.org/drawingml/2006/table">
+            <a:tbl>
+              <a:tblPr>
+                <a:effectLst>
+                  <a:innerShdw blurRad="114300">
+                    <a:prstClr val="black"/>
+                  </a:innerShdw>
+                  <a:reflection stA="45000" endPos="8000" dist="50800" dir="5400000" sy="-100000" algn="bl" rotWithShape="0"/>
+                </a:effectLst>
+              </a:tblPr>
+              <a:tblGrid>
+                <a:gridCol w="2758440">
+                  <a:extLst>
+                    <a:ext uri="{9D8B030D-6E8A-4147-A177-3AD203B41FA5}">
+                      <a16:colId xmlns:a16="http://schemas.microsoft.com/office/drawing/2014/main" val="2327487189"/>
+                    </a:ext>
+                  </a:extLst>
+                </a:gridCol>
+              </a:tblGrid>
+              <a:tr h="2080260">
                 <a:tc>
                   <a:txBody>
                     <a:bodyPr/>
                     <a:lstStyle/>
                     <a:p>
                       <a:r>
-                        <a:rPr lang="sv-SE" dirty="0"/>
-                        <a:t> </a:t>
+                        <a:rPr lang="en-CA" dirty="0">
+                          <a:solidFill>
+                            <a:schemeClr val="bg1">
+                              <a:lumMod val="50000"/>
+                            </a:schemeClr>
+                          </a:solidFill>
+                        </a:rPr>
+                        <a:t>          </a:t>
+                      </a:r>
+                      <a:r>
+                        <a:rPr lang="en-CA" b="1" dirty="0">
+                          <a:solidFill>
+                            <a:schemeClr val="bg1">
+                              <a:lumMod val="50000"/>
+                            </a:schemeClr>
+                          </a:solidFill>
+                        </a:rPr>
+                        <a:t>Tools/Libraries</a:t>
                       </a:r>
                     </a:p>
                     <a:p>
                       <a:endParaRPr lang="en-CA" dirty="0"/>
                     </a:p>
-                    <a:p>
-                      <a:endParaRPr lang="en-CA" dirty="0"/>
-                    </a:p>
                   </a:txBody>
-                  <a:tcPr/>
+                  <a:tcPr>
+                    <a:lnL w="12700" cmpd="sng">
+                      <a:solidFill>
+                        <a:schemeClr val="tx1"/>
+                      </a:solidFill>
+                      <a:prstDash val="solid"/>
+                    </a:lnL>
+                    <a:lnR w="12700" cmpd="sng">
+                      <a:solidFill>
+                        <a:schemeClr val="tx1"/>
+                      </a:solidFill>
+                      <a:prstDash val="solid"/>
+                    </a:lnR>
+                    <a:lnT w="12700" cmpd="sng">
+                      <a:solidFill>
+                        <a:schemeClr val="tx1"/>
+                      </a:solidFill>
+                      <a:prstDash val="solid"/>
+                    </a:lnT>
+                    <a:lnB w="12700" cmpd="sng">
+                      <a:solidFill>
+                        <a:schemeClr val="tx1"/>
+                      </a:solidFill>
+                      <a:prstDash val="solid"/>
+                    </a:lnB>
+                    <a:solidFill>
+                      <a:schemeClr val="tx2">
+                        <a:lumMod val="50000"/>
+                      </a:schemeClr>
+                    </a:solidFill>
+                  </a:tcPr>
                 </a:tc>
+                <a:extLst>
+                  <a:ext uri="{0D108BD9-81ED-4DB2-BD59-A6C34878D82A}">
+                    <a16:rowId xmlns:a16="http://schemas.microsoft.com/office/drawing/2014/main" val="2714309183"/>
+                  </a:ext>
+                </a:extLst>
+              </a:tr>
+            </a:tbl>
+          </a:graphicData>
+        </a:graphic>
+      </p:graphicFrame>
+      <p:graphicFrame>
+        <p:nvGraphicFramePr>
+          <p:cNvPr id="11" name="Table 10">
+            <a:extLst>
+              <a:ext uri="{FF2B5EF4-FFF2-40B4-BE49-F238E27FC236}">
+                <a16:creationId xmlns:a16="http://schemas.microsoft.com/office/drawing/2014/main" id="{8E953F9D-AEA8-426B-AD9F-D02D139BFD4D}"/>
+              </a:ext>
+            </a:extLst>
+          </p:cNvPr>
+          <p:cNvGraphicFramePr>
+            <a:graphicFrameLocks noGrp="1"/>
+          </p:cNvGraphicFramePr>
+          <p:nvPr>
+            <p:extLst>
+              <p:ext uri="{D42A27DB-BD31-4B8C-83A1-F6EECF244321}">
+                <p14:modId xmlns:p14="http://schemas.microsoft.com/office/powerpoint/2010/main" val="4111800953"/>
+              </p:ext>
+            </p:extLst>
+          </p:nvPr>
+        </p:nvGraphicFramePr>
+        <p:xfrm>
+          <a:off x="510540" y="3253740"/>
+          <a:ext cx="2446020" cy="1645920"/>
+        </p:xfrm>
+        <a:graphic>
+          <a:graphicData uri="http://schemas.openxmlformats.org/drawingml/2006/table">
+            <a:tbl>
+              <a:tblPr>
+                <a:effectLst>
+                  <a:innerShdw blurRad="114300">
+                    <a:prstClr val="black"/>
+                  </a:innerShdw>
+                  <a:reflection stA="45000" endPos="9000" dist="50800" dir="5400000" sy="-100000" algn="bl" rotWithShape="0"/>
+                </a:effectLst>
+              </a:tblPr>
+              <a:tblGrid>
+                <a:gridCol w="2446020">
+                  <a:extLst>
+                    <a:ext uri="{9D8B030D-6E8A-4147-A177-3AD203B41FA5}">
+                      <a16:colId xmlns:a16="http://schemas.microsoft.com/office/drawing/2014/main" val="3328816316"/>
+                    </a:ext>
+                  </a:extLst>
+                </a:gridCol>
+              </a:tblGrid>
+              <a:tr h="1645920">
                 <a:tc>
                   <a:txBody>
                     <a:bodyPr/>
                     <a:lstStyle/>
                     <a:p>
+                      <a:r>
+                        <a:rPr lang="en-CA" dirty="0">
+                          <a:solidFill>
+                            <a:schemeClr val="bg1">
+                              <a:lumMod val="50000"/>
+                            </a:schemeClr>
+                          </a:solidFill>
+                        </a:rPr>
+                        <a:t>            </a:t>
+                      </a:r>
+                      <a:r>
+                        <a:rPr lang="en-CA" b="1" dirty="0">
+                          <a:solidFill>
+                            <a:schemeClr val="bg1">
+                              <a:lumMod val="50000"/>
+                            </a:schemeClr>
+                          </a:solidFill>
+                        </a:rPr>
+                        <a:t>Languages</a:t>
+                      </a:r>
+                    </a:p>
+                    <a:p>
                       <a:endParaRPr lang="en-CA" dirty="0"/>
                     </a:p>
                   </a:txBody>
-                  <a:tcPr/>
+                  <a:tcPr>
+                    <a:lnL w="12700" cmpd="sng">
+                      <a:solidFill>
+                        <a:schemeClr val="tx1"/>
+                      </a:solidFill>
+                      <a:prstDash val="solid"/>
+                    </a:lnL>
+                    <a:lnR w="12700" cmpd="sng">
+                      <a:solidFill>
+                        <a:schemeClr val="tx1"/>
+                      </a:solidFill>
+                      <a:prstDash val="solid"/>
+                    </a:lnR>
+                    <a:lnT w="12700" cmpd="sng">
+                      <a:solidFill>
+                        <a:schemeClr val="tx1"/>
+                      </a:solidFill>
+                      <a:prstDash val="solid"/>
+                    </a:lnT>
+                    <a:lnB w="12700" cmpd="sng">
+                      <a:solidFill>
+                        <a:schemeClr val="tx1"/>
+                      </a:solidFill>
+                      <a:prstDash val="solid"/>
+                    </a:lnB>
+                    <a:solidFill>
+                      <a:schemeClr val="tx2">
+                        <a:lumMod val="75000"/>
+                      </a:schemeClr>
+                    </a:solidFill>
+                  </a:tcPr>
                 </a:tc>
+                <a:extLst>
+                  <a:ext uri="{0D108BD9-81ED-4DB2-BD59-A6C34878D82A}">
+                    <a16:rowId xmlns:a16="http://schemas.microsoft.com/office/drawing/2014/main" val="2831013587"/>
+                  </a:ext>
+                </a:extLst>
+              </a:tr>
+            </a:tbl>
+          </a:graphicData>
+        </a:graphic>
+      </p:graphicFrame>
+      <p:pic>
+        <p:nvPicPr>
+          <p:cNvPr id="14" name="Picture 13">
+            <a:extLst>
+              <a:ext uri="{FF2B5EF4-FFF2-40B4-BE49-F238E27FC236}">
+                <a16:creationId xmlns:a16="http://schemas.microsoft.com/office/drawing/2014/main" id="{F3CE2A4E-D557-4159-A3E9-15538DECFB71}"/>
+              </a:ext>
+            </a:extLst>
+          </p:cNvPr>
+          <p:cNvPicPr>
+            <a:picLocks noChangeAspect="1"/>
+          </p:cNvPicPr>
+          <p:nvPr/>
+        </p:nvPicPr>
+        <p:blipFill>
+          <a:blip r:embed="rId3"/>
+          <a:stretch>
+            <a:fillRect/>
+          </a:stretch>
+        </p:blipFill>
+        <p:spPr>
+          <a:xfrm>
+            <a:off x="4354026" y="2062709"/>
+            <a:ext cx="969348" cy="560881"/>
+          </a:xfrm>
+          <a:prstGeom prst="rect">
+            <a:avLst/>
+          </a:prstGeom>
+        </p:spPr>
+      </p:pic>
+      <p:cxnSp>
+        <p:nvCxnSpPr>
+          <p:cNvPr id="16" name="Straight Connector 15">
+            <a:extLst>
+              <a:ext uri="{FF2B5EF4-FFF2-40B4-BE49-F238E27FC236}">
+                <a16:creationId xmlns:a16="http://schemas.microsoft.com/office/drawing/2014/main" id="{17684F0B-99E1-4DBA-83FE-D4B6F77CF071}"/>
+              </a:ext>
+            </a:extLst>
+          </p:cNvPr>
+          <p:cNvCxnSpPr>
+            <a:cxnSpLocks/>
+          </p:cNvCxnSpPr>
+          <p:nvPr/>
+        </p:nvCxnSpPr>
+        <p:spPr>
+          <a:xfrm>
+            <a:off x="3360420" y="1760220"/>
+            <a:ext cx="2415540" cy="0"/>
+          </a:xfrm>
+          <a:prstGeom prst="line">
+            <a:avLst/>
+          </a:prstGeom>
+        </p:spPr>
+        <p:style>
+          <a:lnRef idx="1">
+            <a:schemeClr val="accent1"/>
+          </a:lnRef>
+          <a:fillRef idx="0">
+            <a:schemeClr val="accent1"/>
+          </a:fillRef>
+          <a:effectRef idx="0">
+            <a:schemeClr val="accent1"/>
+          </a:effectRef>
+          <a:fontRef idx="minor">
+            <a:schemeClr val="tx1"/>
+          </a:fontRef>
+        </p:style>
+      </p:cxnSp>
+      <p:pic>
+        <p:nvPicPr>
+          <p:cNvPr id="17" name="Picture 16">
+            <a:extLst>
+              <a:ext uri="{FF2B5EF4-FFF2-40B4-BE49-F238E27FC236}">
+                <a16:creationId xmlns:a16="http://schemas.microsoft.com/office/drawing/2014/main" id="{95A2E88C-BBBB-4669-B5A1-E86CF62D195F}"/>
+              </a:ext>
+            </a:extLst>
+          </p:cNvPr>
+          <p:cNvPicPr>
+            <a:picLocks noChangeAspect="1"/>
+          </p:cNvPicPr>
+          <p:nvPr/>
+        </p:nvPicPr>
+        <p:blipFill>
+          <a:blip r:embed="rId4"/>
+          <a:stretch>
+            <a:fillRect/>
+          </a:stretch>
+        </p:blipFill>
+        <p:spPr>
+          <a:xfrm>
+            <a:off x="3396951" y="1791434"/>
+            <a:ext cx="1024217" cy="646232"/>
+          </a:xfrm>
+          <a:prstGeom prst="rect">
+            <a:avLst/>
+          </a:prstGeom>
+        </p:spPr>
+      </p:pic>
+      <p:pic>
+        <p:nvPicPr>
+          <p:cNvPr id="18" name="Picture 17">
+            <a:extLst>
+              <a:ext uri="{FF2B5EF4-FFF2-40B4-BE49-F238E27FC236}">
+                <a16:creationId xmlns:a16="http://schemas.microsoft.com/office/drawing/2014/main" id="{99032C74-D112-483A-950B-9C4E9E7BB4ED}"/>
+              </a:ext>
+            </a:extLst>
+          </p:cNvPr>
+          <p:cNvPicPr>
+            <a:picLocks noChangeAspect="1"/>
+          </p:cNvPicPr>
+          <p:nvPr/>
+        </p:nvPicPr>
+        <p:blipFill>
+          <a:blip r:embed="rId5"/>
+          <a:stretch>
+            <a:fillRect/>
+          </a:stretch>
+        </p:blipFill>
+        <p:spPr>
+          <a:xfrm>
+            <a:off x="3305511" y="2585440"/>
+            <a:ext cx="1024217" cy="597460"/>
+          </a:xfrm>
+          <a:prstGeom prst="rect">
+            <a:avLst/>
+          </a:prstGeom>
+        </p:spPr>
+      </p:pic>
+      <p:pic>
+        <p:nvPicPr>
+          <p:cNvPr id="19" name="Picture 18">
+            <a:extLst>
+              <a:ext uri="{FF2B5EF4-FFF2-40B4-BE49-F238E27FC236}">
+                <a16:creationId xmlns:a16="http://schemas.microsoft.com/office/drawing/2014/main" id="{740D0F86-C6F0-44CC-9B7A-80F1897D0163}"/>
+              </a:ext>
+            </a:extLst>
+          </p:cNvPr>
+          <p:cNvPicPr>
+            <a:picLocks noChangeAspect="1"/>
+          </p:cNvPicPr>
+          <p:nvPr/>
+        </p:nvPicPr>
+        <p:blipFill>
+          <a:blip r:embed="rId6"/>
+          <a:stretch>
+            <a:fillRect/>
+          </a:stretch>
+        </p:blipFill>
+        <p:spPr>
+          <a:xfrm>
+            <a:off x="4248867" y="3033494"/>
+            <a:ext cx="1042506" cy="646232"/>
+          </a:xfrm>
+          <a:prstGeom prst="rect">
+            <a:avLst/>
+          </a:prstGeom>
+        </p:spPr>
+      </p:pic>
+      <p:pic>
+        <p:nvPicPr>
+          <p:cNvPr id="21" name="Picture 20">
+            <a:extLst>
+              <a:ext uri="{FF2B5EF4-FFF2-40B4-BE49-F238E27FC236}">
+                <a16:creationId xmlns:a16="http://schemas.microsoft.com/office/drawing/2014/main" id="{7A8FC025-180C-454E-983B-8E5E22C1E106}"/>
+              </a:ext>
+            </a:extLst>
+          </p:cNvPr>
+          <p:cNvPicPr>
+            <a:picLocks noChangeAspect="1"/>
+          </p:cNvPicPr>
+          <p:nvPr/>
+        </p:nvPicPr>
+        <p:blipFill>
+          <a:blip r:embed="rId7"/>
+          <a:stretch>
+            <a:fillRect/>
+          </a:stretch>
+        </p:blipFill>
+        <p:spPr>
+          <a:xfrm>
+            <a:off x="867088" y="3902166"/>
+            <a:ext cx="1624652" cy="829128"/>
+          </a:xfrm>
+          <a:prstGeom prst="rect">
+            <a:avLst/>
+          </a:prstGeom>
+        </p:spPr>
+      </p:pic>
+      <p:cxnSp>
+        <p:nvCxnSpPr>
+          <p:cNvPr id="28" name="Straight Connector 27">
+            <a:extLst>
+              <a:ext uri="{FF2B5EF4-FFF2-40B4-BE49-F238E27FC236}">
+                <a16:creationId xmlns:a16="http://schemas.microsoft.com/office/drawing/2014/main" id="{A9C55D6F-469D-4478-9034-7A560552C260}"/>
+              </a:ext>
+            </a:extLst>
+          </p:cNvPr>
+          <p:cNvCxnSpPr>
+            <a:cxnSpLocks/>
+          </p:cNvCxnSpPr>
+          <p:nvPr/>
+        </p:nvCxnSpPr>
+        <p:spPr>
+          <a:xfrm>
+            <a:off x="6088380" y="769620"/>
+            <a:ext cx="2804160" cy="0"/>
+          </a:xfrm>
+          <a:prstGeom prst="line">
+            <a:avLst/>
+          </a:prstGeom>
+        </p:spPr>
+        <p:style>
+          <a:lnRef idx="1">
+            <a:schemeClr val="accent1"/>
+          </a:lnRef>
+          <a:fillRef idx="0">
+            <a:schemeClr val="accent1"/>
+          </a:fillRef>
+          <a:effectRef idx="0">
+            <a:schemeClr val="accent1"/>
+          </a:effectRef>
+          <a:fontRef idx="minor">
+            <a:schemeClr val="tx1"/>
+          </a:fontRef>
+        </p:style>
+      </p:cxnSp>
+      <p:pic>
+        <p:nvPicPr>
+          <p:cNvPr id="29" name="Picture 28">
+            <a:extLst>
+              <a:ext uri="{FF2B5EF4-FFF2-40B4-BE49-F238E27FC236}">
+                <a16:creationId xmlns:a16="http://schemas.microsoft.com/office/drawing/2014/main" id="{B452BD36-830C-4D4F-91F5-7B27A006D594}"/>
+              </a:ext>
+            </a:extLst>
+          </p:cNvPr>
+          <p:cNvPicPr>
+            <a:picLocks noChangeAspect="1"/>
+          </p:cNvPicPr>
+          <p:nvPr/>
+        </p:nvPicPr>
+        <p:blipFill>
+          <a:blip r:embed="rId8"/>
+          <a:stretch>
+            <a:fillRect/>
+          </a:stretch>
+        </p:blipFill>
+        <p:spPr>
+          <a:xfrm>
+            <a:off x="6298653" y="937983"/>
+            <a:ext cx="890093" cy="890093"/>
+          </a:xfrm>
+          <a:prstGeom prst="rect">
+            <a:avLst/>
+          </a:prstGeom>
+        </p:spPr>
+      </p:pic>
+      <p:pic>
+        <p:nvPicPr>
+          <p:cNvPr id="30" name="Picture 29">
+            <a:extLst>
+              <a:ext uri="{FF2B5EF4-FFF2-40B4-BE49-F238E27FC236}">
+                <a16:creationId xmlns:a16="http://schemas.microsoft.com/office/drawing/2014/main" id="{A4F12AB3-1202-46C6-B17F-C8843EA2EA89}"/>
+              </a:ext>
+            </a:extLst>
+          </p:cNvPr>
+          <p:cNvPicPr>
+            <a:picLocks noChangeAspect="1"/>
+          </p:cNvPicPr>
+          <p:nvPr/>
+        </p:nvPicPr>
+        <p:blipFill>
+          <a:blip r:embed="rId9"/>
+          <a:stretch>
+            <a:fillRect/>
+          </a:stretch>
+        </p:blipFill>
+        <p:spPr>
+          <a:xfrm>
+            <a:off x="7307516" y="727679"/>
+            <a:ext cx="1463167" cy="701101"/>
+          </a:xfrm>
+          <a:prstGeom prst="rect">
+            <a:avLst/>
+          </a:prstGeom>
+        </p:spPr>
+      </p:pic>
+      <p:pic>
+        <p:nvPicPr>
+          <p:cNvPr id="31" name="Picture 30">
+            <a:extLst>
+              <a:ext uri="{FF2B5EF4-FFF2-40B4-BE49-F238E27FC236}">
+                <a16:creationId xmlns:a16="http://schemas.microsoft.com/office/drawing/2014/main" id="{84128567-F723-4F6F-9DDB-AA05BAAA55D0}"/>
+              </a:ext>
+            </a:extLst>
+          </p:cNvPr>
+          <p:cNvPicPr>
+            <a:picLocks noChangeAspect="1"/>
+          </p:cNvPicPr>
+          <p:nvPr/>
+        </p:nvPicPr>
+        <p:blipFill>
+          <a:blip r:embed="rId10"/>
+          <a:stretch>
+            <a:fillRect/>
+          </a:stretch>
+        </p:blipFill>
+        <p:spPr>
+          <a:xfrm>
+            <a:off x="7377626" y="1489678"/>
+            <a:ext cx="1322947" cy="731583"/>
+          </a:xfrm>
+          <a:prstGeom prst="rect">
+            <a:avLst/>
+          </a:prstGeom>
+        </p:spPr>
+      </p:pic>
+      <p:cxnSp>
+        <p:nvCxnSpPr>
+          <p:cNvPr id="35" name="Straight Connector 34">
+            <a:extLst>
+              <a:ext uri="{FF2B5EF4-FFF2-40B4-BE49-F238E27FC236}">
+                <a16:creationId xmlns:a16="http://schemas.microsoft.com/office/drawing/2014/main" id="{95DD0E8E-B4C1-46D4-A2BD-D2004D7C1A3C}"/>
+              </a:ext>
+            </a:extLst>
+          </p:cNvPr>
+          <p:cNvCxnSpPr>
+            <a:cxnSpLocks/>
+          </p:cNvCxnSpPr>
+          <p:nvPr/>
+        </p:nvCxnSpPr>
+        <p:spPr>
+          <a:xfrm>
+            <a:off x="304800" y="914400"/>
+            <a:ext cx="2606040" cy="0"/>
+          </a:xfrm>
+          <a:prstGeom prst="line">
+            <a:avLst/>
+          </a:prstGeom>
+          <a:effectLst>
+            <a:innerShdw blurRad="114300">
+              <a:prstClr val="black"/>
+            </a:innerShdw>
+          </a:effectLst>
+        </p:spPr>
+        <p:style>
+          <a:lnRef idx="1">
+            <a:schemeClr val="accent1"/>
+          </a:lnRef>
+          <a:fillRef idx="0">
+            <a:schemeClr val="accent1"/>
+          </a:fillRef>
+          <a:effectRef idx="0">
+            <a:schemeClr val="accent1"/>
+          </a:effectRef>
+          <a:fontRef idx="minor">
+            <a:schemeClr val="tx1"/>
+          </a:fontRef>
+        </p:style>
+      </p:cxnSp>
+      <p:cxnSp>
+        <p:nvCxnSpPr>
+          <p:cNvPr id="44" name="Straight Connector 43">
+            <a:extLst>
+              <a:ext uri="{FF2B5EF4-FFF2-40B4-BE49-F238E27FC236}">
+                <a16:creationId xmlns:a16="http://schemas.microsoft.com/office/drawing/2014/main" id="{8C521834-D08E-4005-9B96-02ECDD5C7677}"/>
+              </a:ext>
+            </a:extLst>
+          </p:cNvPr>
+          <p:cNvCxnSpPr>
+            <a:cxnSpLocks/>
+          </p:cNvCxnSpPr>
+          <p:nvPr/>
+        </p:nvCxnSpPr>
+        <p:spPr>
+          <a:xfrm>
+            <a:off x="502920" y="3703320"/>
+            <a:ext cx="2476500" cy="0"/>
+          </a:xfrm>
+          <a:prstGeom prst="line">
+            <a:avLst/>
+          </a:prstGeom>
+        </p:spPr>
+        <p:style>
+          <a:lnRef idx="1">
+            <a:schemeClr val="accent1"/>
+          </a:lnRef>
+          <a:fillRef idx="0">
+            <a:schemeClr val="accent1"/>
+          </a:fillRef>
+          <a:effectRef idx="0">
+            <a:schemeClr val="accent1"/>
+          </a:effectRef>
+          <a:fontRef idx="minor">
+            <a:schemeClr val="tx1"/>
+          </a:fontRef>
+        </p:style>
+      </p:cxnSp>
+      <p:graphicFrame>
+        <p:nvGraphicFramePr>
+          <p:cNvPr id="45" name="Table 44">
+            <a:extLst>
+              <a:ext uri="{FF2B5EF4-FFF2-40B4-BE49-F238E27FC236}">
+                <a16:creationId xmlns:a16="http://schemas.microsoft.com/office/drawing/2014/main" id="{0DD119A2-766E-461D-9545-7BB8AD3DAE5D}"/>
+              </a:ext>
+            </a:extLst>
+          </p:cNvPr>
+          <p:cNvGraphicFramePr>
+            <a:graphicFrameLocks noGrp="1"/>
+          </p:cNvGraphicFramePr>
+          <p:nvPr>
+            <p:extLst>
+              <p:ext uri="{D42A27DB-BD31-4B8C-83A1-F6EECF244321}">
+                <p14:modId xmlns:p14="http://schemas.microsoft.com/office/powerpoint/2010/main" val="3612313353"/>
+              </p:ext>
+            </p:extLst>
+          </p:nvPr>
+        </p:nvGraphicFramePr>
+        <p:xfrm>
+          <a:off x="6195060" y="2804160"/>
+          <a:ext cx="2727960" cy="2019300"/>
+        </p:xfrm>
+        <a:graphic>
+          <a:graphicData uri="http://schemas.openxmlformats.org/drawingml/2006/table">
+            <a:tbl>
+              <a:tblPr>
+                <a:effectLst>
+                  <a:innerShdw blurRad="114300">
+                    <a:prstClr val="black"/>
+                  </a:innerShdw>
+                  <a:reflection endPos="9000" dist="63500" dir="5400000" sy="-100000" algn="bl" rotWithShape="0"/>
+                </a:effectLst>
+              </a:tblPr>
+              <a:tblGrid>
+                <a:gridCol w="2727960">
+                  <a:extLst>
+                    <a:ext uri="{9D8B030D-6E8A-4147-A177-3AD203B41FA5}">
+                      <a16:colId xmlns:a16="http://schemas.microsoft.com/office/drawing/2014/main" val="2006209723"/>
+                    </a:ext>
+                  </a:extLst>
+                </a:gridCol>
+              </a:tblGrid>
+              <a:tr h="2019300">
                 <a:tc>
                   <a:txBody>
                     <a:bodyPr/>
                     <a:lstStyle/>
                     <a:p>
-                      <a:endParaRPr lang="en-CA" dirty="0"/>
+                      <a:r>
+                        <a:rPr lang="en-CA" b="1" dirty="0">
+                          <a:solidFill>
+                            <a:schemeClr val="bg1">
+                              <a:lumMod val="50000"/>
+                            </a:schemeClr>
+                          </a:solidFill>
+                        </a:rPr>
+                        <a:t>               Algorithms</a:t>
+                      </a:r>
                     </a:p>
                     <a:p>
-                      <a:endParaRPr lang="en-CA" dirty="0"/>
+                      <a:endParaRPr lang="en-CA" dirty="0">
+                        <a:solidFill>
+                          <a:schemeClr val="bg1">
+                            <a:lumMod val="50000"/>
+                          </a:schemeClr>
+                        </a:solidFill>
+                      </a:endParaRPr>
                     </a:p>
                     <a:p>
-                      <a:endParaRPr lang="en-CA" dirty="0"/>
-                    </a:p>
-                  </a:txBody>
-                  <a:tcPr/>
-                </a:tc>
-                <a:tc>
-                  <a:txBody>
-                    <a:bodyPr/>
-                    <a:lstStyle/>
-                    <a:p>
-                      <a:endParaRPr lang="en-CA" dirty="0"/>
+                      <a:endParaRPr lang="en-CA" dirty="0">
+                        <a:solidFill>
+                          <a:schemeClr val="bg1">
+                            <a:lumMod val="50000"/>
+                          </a:schemeClr>
+                        </a:solidFill>
+                      </a:endParaRPr>
                     </a:p>
                     <a:p>
                       <a:pPr marL="285750" indent="-285750">
@@ -21220,6 +21914,10 @@
                       </a:r>
                     </a:p>
                     <a:p>
+                      <a:pPr marL="285750" indent="-285750">
+                        <a:buFont typeface="Wingdings" panose="05000000000000000000" pitchFamily="2" charset="2"/>
+                        <a:buChar char="ü"/>
+                      </a:pPr>
                       <a:endParaRPr lang="en-CA" dirty="0">
                         <a:solidFill>
                           <a:schemeClr val="bg1">
@@ -21244,12 +21942,72 @@
                         <a:t>Random Forest Classifier </a:t>
                       </a:r>
                     </a:p>
+                    <a:p>
+                      <a:pPr marL="285750" indent="-285750">
+                        <a:buFont typeface="Wingdings" panose="05000000000000000000" pitchFamily="2" charset="2"/>
+                        <a:buChar char="ü"/>
+                      </a:pPr>
+                      <a:endParaRPr lang="en-CA" dirty="0">
+                        <a:solidFill>
+                          <a:schemeClr val="bg1">
+                            <a:lumMod val="50000"/>
+                          </a:schemeClr>
+                        </a:solidFill>
+                      </a:endParaRPr>
+                    </a:p>
+                    <a:p>
+                      <a:pPr marL="285750" indent="-285750">
+                        <a:buFont typeface="Wingdings" panose="05000000000000000000" pitchFamily="2" charset="2"/>
+                        <a:buChar char="ü"/>
+                      </a:pPr>
+                      <a:r>
+                        <a:rPr lang="en-CA" dirty="0">
+                          <a:solidFill>
+                            <a:schemeClr val="bg1">
+                              <a:lumMod val="50000"/>
+                            </a:schemeClr>
+                          </a:solidFill>
+                        </a:rPr>
+                        <a:t>Xgboosting</a:t>
+                      </a:r>
+                    </a:p>
+                    <a:p>
+                      <a:endParaRPr lang="en-CA" dirty="0"/>
+                    </a:p>
                   </a:txBody>
-                  <a:tcPr/>
+                  <a:tcPr>
+                    <a:lnL w="12700" cmpd="sng">
+                      <a:solidFill>
+                        <a:schemeClr val="tx1"/>
+                      </a:solidFill>
+                      <a:prstDash val="solid"/>
+                    </a:lnL>
+                    <a:lnR w="12700" cmpd="sng">
+                      <a:solidFill>
+                        <a:schemeClr val="tx1"/>
+                      </a:solidFill>
+                      <a:prstDash val="solid"/>
+                    </a:lnR>
+                    <a:lnT w="12700" cmpd="sng">
+                      <a:solidFill>
+                        <a:schemeClr val="tx1"/>
+                      </a:solidFill>
+                      <a:prstDash val="solid"/>
+                    </a:lnT>
+                    <a:lnB w="12700" cmpd="sng">
+                      <a:solidFill>
+                        <a:schemeClr val="tx1"/>
+                      </a:solidFill>
+                      <a:prstDash val="solid"/>
+                    </a:lnB>
+                    <a:solidFill>
+                      <a:schemeClr val="accent2"/>
+                    </a:solidFill>
+                  </a:tcPr>
                 </a:tc>
                 <a:extLst>
                   <a:ext uri="{0D108BD9-81ED-4DB2-BD59-A6C34878D82A}">
-                    <a16:rowId xmlns:a16="http://schemas.microsoft.com/office/drawing/2014/main" val="3564590618"/>
+                    <a16:rowId xmlns:a16="http://schemas.microsoft.com/office/drawing/2014/main" val="209047915"/>
                   </a:ext>
                 </a:extLst>
               </a:tr>
@@ -21257,250 +22015,48 @@
           </a:graphicData>
         </a:graphic>
       </p:graphicFrame>
-      <p:pic>
-        <p:nvPicPr>
-          <p:cNvPr id="17" name="Picture 16">
+      <p:cxnSp>
+        <p:nvCxnSpPr>
+          <p:cNvPr id="48" name="Straight Connector 47">
             <a:extLst>
               <a:ext uri="{FF2B5EF4-FFF2-40B4-BE49-F238E27FC236}">
-                <a16:creationId xmlns:a16="http://schemas.microsoft.com/office/drawing/2014/main" id="{AD172B02-E9B4-4CEA-AFD7-8547CAD42351}"/>
+                <a16:creationId xmlns:a16="http://schemas.microsoft.com/office/drawing/2014/main" id="{0E7F318A-9A16-486C-97C5-92AB38F2B934}"/>
               </a:ext>
             </a:extLst>
           </p:cNvPr>
-          <p:cNvPicPr>
-            <a:picLocks noChangeAspect="1"/>
-          </p:cNvPicPr>
+          <p:cNvCxnSpPr>
+            <a:cxnSpLocks/>
+          </p:cNvCxnSpPr>
           <p:nvPr/>
-        </p:nvPicPr>
-        <p:blipFill>
-          <a:blip r:embed="rId3"/>
-          <a:stretch>
-            <a:fillRect/>
-          </a:stretch>
-        </p:blipFill>
+        </p:nvCxnSpPr>
         <p:spPr>
           <a:xfrm>
-            <a:off x="3806283" y="2013217"/>
-            <a:ext cx="1569660" cy="829875"/>
+            <a:off x="6217920" y="3261360"/>
+            <a:ext cx="2735580" cy="0"/>
           </a:xfrm>
-          <a:prstGeom prst="rect">
+          <a:prstGeom prst="line">
             <a:avLst/>
           </a:prstGeom>
         </p:spPr>
-      </p:pic>
-      <p:pic>
-        <p:nvPicPr>
-          <p:cNvPr id="21" name="Picture 20">
-            <a:extLst>
-              <a:ext uri="{FF2B5EF4-FFF2-40B4-BE49-F238E27FC236}">
-                <a16:creationId xmlns:a16="http://schemas.microsoft.com/office/drawing/2014/main" id="{C76619CB-668A-43C8-A86F-ED5710763735}"/>
-              </a:ext>
-            </a:extLst>
-          </p:cNvPr>
-          <p:cNvPicPr>
-            <a:picLocks noChangeAspect="1"/>
-          </p:cNvPicPr>
-          <p:nvPr/>
-        </p:nvPicPr>
-        <p:blipFill>
-          <a:blip r:embed="rId4"/>
-          <a:stretch>
-            <a:fillRect/>
-          </a:stretch>
-        </p:blipFill>
-        <p:spPr>
-          <a:xfrm>
-            <a:off x="2604889" y="2555905"/>
-            <a:ext cx="1021976" cy="642828"/>
-          </a:xfrm>
-          <a:prstGeom prst="rect">
-            <a:avLst/>
-          </a:prstGeom>
-        </p:spPr>
-      </p:pic>
-      <p:pic>
-        <p:nvPicPr>
-          <p:cNvPr id="23" name="Picture 22">
-            <a:extLst>
-              <a:ext uri="{FF2B5EF4-FFF2-40B4-BE49-F238E27FC236}">
-                <a16:creationId xmlns:a16="http://schemas.microsoft.com/office/drawing/2014/main" id="{23E16A6A-F96E-4A1D-8D51-80DF108BDF2A}"/>
-              </a:ext>
-            </a:extLst>
-          </p:cNvPr>
-          <p:cNvPicPr>
-            <a:picLocks noChangeAspect="1"/>
-          </p:cNvPicPr>
-          <p:nvPr/>
-        </p:nvPicPr>
-        <p:blipFill>
-          <a:blip r:embed="rId5"/>
-          <a:stretch>
-            <a:fillRect/>
-          </a:stretch>
-        </p:blipFill>
-        <p:spPr>
-          <a:xfrm>
-            <a:off x="6211100" y="1813431"/>
-            <a:ext cx="888947" cy="888947"/>
-          </a:xfrm>
-          <a:prstGeom prst="rect">
-            <a:avLst/>
-          </a:prstGeom>
-        </p:spPr>
-      </p:pic>
-      <p:pic>
-        <p:nvPicPr>
-          <p:cNvPr id="25" name="Picture 24">
-            <a:extLst>
-              <a:ext uri="{FF2B5EF4-FFF2-40B4-BE49-F238E27FC236}">
-                <a16:creationId xmlns:a16="http://schemas.microsoft.com/office/drawing/2014/main" id="{68F3FE32-5983-4D3E-8995-ED83AAAD6056}"/>
-              </a:ext>
-            </a:extLst>
-          </p:cNvPr>
-          <p:cNvPicPr>
-            <a:picLocks noChangeAspect="1"/>
-          </p:cNvPicPr>
-          <p:nvPr/>
-        </p:nvPicPr>
-        <p:blipFill>
-          <a:blip r:embed="rId6"/>
-          <a:stretch>
-            <a:fillRect/>
-          </a:stretch>
-        </p:blipFill>
-        <p:spPr>
-          <a:xfrm>
-            <a:off x="2174582" y="1834426"/>
-            <a:ext cx="968189" cy="560961"/>
-          </a:xfrm>
-          <a:prstGeom prst="rect">
-            <a:avLst/>
-          </a:prstGeom>
-        </p:spPr>
-      </p:pic>
-      <p:pic>
-        <p:nvPicPr>
-          <p:cNvPr id="27" name="Picture 26">
-            <a:extLst>
-              <a:ext uri="{FF2B5EF4-FFF2-40B4-BE49-F238E27FC236}">
-                <a16:creationId xmlns:a16="http://schemas.microsoft.com/office/drawing/2014/main" id="{FA6E8267-F9AC-41C7-B0D7-5CB68876B055}"/>
-              </a:ext>
-            </a:extLst>
-          </p:cNvPr>
-          <p:cNvPicPr>
-            <a:picLocks noChangeAspect="1"/>
-          </p:cNvPicPr>
-          <p:nvPr/>
-        </p:nvPicPr>
-        <p:blipFill>
-          <a:blip r:embed="rId7"/>
-          <a:stretch>
-            <a:fillRect/>
-          </a:stretch>
-        </p:blipFill>
-        <p:spPr>
-          <a:xfrm>
-            <a:off x="2197353" y="3319503"/>
-            <a:ext cx="1022256" cy="603151"/>
-          </a:xfrm>
-          <a:prstGeom prst="rect">
-            <a:avLst/>
-          </a:prstGeom>
-        </p:spPr>
-      </p:pic>
-      <p:pic>
-        <p:nvPicPr>
-          <p:cNvPr id="31" name="Picture 30">
-            <a:extLst>
-              <a:ext uri="{FF2B5EF4-FFF2-40B4-BE49-F238E27FC236}">
-                <a16:creationId xmlns:a16="http://schemas.microsoft.com/office/drawing/2014/main" id="{49561DCE-70AB-4CA0-8942-180C81149585}"/>
-              </a:ext>
-            </a:extLst>
-          </p:cNvPr>
-          <p:cNvPicPr>
-            <a:picLocks noChangeAspect="1"/>
-          </p:cNvPicPr>
-          <p:nvPr/>
-        </p:nvPicPr>
-        <p:blipFill>
-          <a:blip r:embed="rId8"/>
-          <a:stretch>
-            <a:fillRect/>
-          </a:stretch>
-        </p:blipFill>
-        <p:spPr>
-          <a:xfrm>
-            <a:off x="5517137" y="2927616"/>
-            <a:ext cx="1459964" cy="699247"/>
-          </a:xfrm>
-          <a:prstGeom prst="rect">
-            <a:avLst/>
-          </a:prstGeom>
-        </p:spPr>
-      </p:pic>
-      <p:pic>
-        <p:nvPicPr>
-          <p:cNvPr id="33" name="Picture 32">
-            <a:extLst>
-              <a:ext uri="{FF2B5EF4-FFF2-40B4-BE49-F238E27FC236}">
-                <a16:creationId xmlns:a16="http://schemas.microsoft.com/office/drawing/2014/main" id="{1E5F1945-F2CC-4BBE-A0AE-769E72DC9134}"/>
-              </a:ext>
-            </a:extLst>
-          </p:cNvPr>
-          <p:cNvPicPr>
-            <a:picLocks noChangeAspect="1"/>
-          </p:cNvPicPr>
-          <p:nvPr/>
-        </p:nvPicPr>
-        <p:blipFill>
-          <a:blip r:embed="rId9"/>
-          <a:stretch>
-            <a:fillRect/>
-          </a:stretch>
-        </p:blipFill>
-        <p:spPr>
-          <a:xfrm>
-            <a:off x="5870601" y="3893406"/>
-            <a:ext cx="1324432" cy="732384"/>
-          </a:xfrm>
-          <a:prstGeom prst="rect">
-            <a:avLst/>
-          </a:prstGeom>
-        </p:spPr>
-      </p:pic>
-      <p:pic>
-        <p:nvPicPr>
-          <p:cNvPr id="35" name="Picture 34">
-            <a:extLst>
-              <a:ext uri="{FF2B5EF4-FFF2-40B4-BE49-F238E27FC236}">
-                <a16:creationId xmlns:a16="http://schemas.microsoft.com/office/drawing/2014/main" id="{C6A5F6BF-FD46-40CB-8505-A049F7BE7E98}"/>
-              </a:ext>
-            </a:extLst>
-          </p:cNvPr>
-          <p:cNvPicPr>
-            <a:picLocks noChangeAspect="1"/>
-          </p:cNvPicPr>
-          <p:nvPr/>
-        </p:nvPicPr>
-        <p:blipFill>
-          <a:blip r:embed="rId10"/>
-          <a:stretch>
-            <a:fillRect/>
-          </a:stretch>
-        </p:blipFill>
-        <p:spPr>
-          <a:xfrm>
-            <a:off x="2581835" y="4070778"/>
-            <a:ext cx="1045028" cy="649941"/>
-          </a:xfrm>
-          <a:prstGeom prst="rect">
-            <a:avLst/>
-          </a:prstGeom>
-        </p:spPr>
-      </p:pic>
+        <p:style>
+          <a:lnRef idx="1">
+            <a:schemeClr val="accent1"/>
+          </a:lnRef>
+          <a:fillRef idx="0">
+            <a:schemeClr val="accent1"/>
+          </a:fillRef>
+          <a:effectRef idx="0">
+            <a:schemeClr val="accent1"/>
+          </a:effectRef>
+          <a:fontRef idx="minor">
+            <a:schemeClr val="tx1"/>
+          </a:fontRef>
+        </p:style>
+      </p:cxnSp>
     </p:spTree>
     <p:extLst>
       <p:ext uri="{BB962C8B-B14F-4D97-AF65-F5344CB8AC3E}">
-        <p14:creationId xmlns:p14="http://schemas.microsoft.com/office/powerpoint/2010/main" val="1453718997"/>
+        <p14:creationId xmlns:p14="http://schemas.microsoft.com/office/powerpoint/2010/main" val="924852835"/>
       </p:ext>
     </p:extLst>
   </p:cSld>

--- a/Final Project - Group 7.pptx
+++ b/Final Project - Group 7.pptx
@@ -15789,7 +15789,7 @@
             </a:pPr>
             <a:r>
               <a:rPr lang="en-CA" sz="1600" dirty="0"/>
-              <a:t>Sleep time and Race has </a:t>
+              <a:t>Race has </a:t>
             </a:r>
             <a:r>
               <a:rPr lang="en-CA" sz="1600" dirty="0">
@@ -17687,14 +17687,14 @@
           <p:nvPr>
             <p:extLst>
               <p:ext uri="{D42A27DB-BD31-4B8C-83A1-F6EECF244321}">
-                <p14:modId xmlns:p14="http://schemas.microsoft.com/office/powerpoint/2010/main" val="37234174"/>
+                <p14:modId xmlns:p14="http://schemas.microsoft.com/office/powerpoint/2010/main" val="84348703"/>
               </p:ext>
             </p:extLst>
           </p:nvPr>
         </p:nvGraphicFramePr>
         <p:xfrm>
           <a:off x="678180" y="1211579"/>
-          <a:ext cx="7711440" cy="3621267"/>
+          <a:ext cx="7711440" cy="3566160"/>
         </p:xfrm>
         <a:graphic>
           <a:graphicData uri="http://schemas.openxmlformats.org/drawingml/2006/table">
@@ -17739,7 +17739,7 @@
                   </a:extLst>
                 </a:gridCol>
               </a:tblGrid>
-              <a:tr h="706469">
+              <a:tr h="671709">
                 <a:tc>
                   <a:txBody>
                     <a:bodyPr/>
@@ -17993,11 +17993,20 @@
                   </a:ext>
                 </a:extLst>
               </a:tr>
-              <a:tr h="538208">
+              <a:tr h="494203">
                 <a:tc>
                   <a:txBody>
                     <a:bodyPr/>
                     <a:lstStyle/>
+                    <a:p>
+                      <a:endParaRPr lang="en-CA" b="1" dirty="0">
+                        <a:solidFill>
+                          <a:schemeClr val="bg1">
+                            <a:lumMod val="50000"/>
+                          </a:schemeClr>
+                        </a:solidFill>
+                      </a:endParaRPr>
+                    </a:p>
                     <a:p>
                       <a:r>
                         <a:rPr lang="en-CA" b="1" dirty="0">
@@ -18009,14 +18018,18 @@
                         </a:rPr>
                         <a:t>Logistic Regression </a:t>
                       </a:r>
-                      <a:r>
-                        <a:rPr lang="en-CA" dirty="0">
-                          <a:solidFill>
-                            <a:srgbClr val="C00000"/>
-                          </a:solidFill>
-                        </a:rPr>
-                        <a:t>Undersampling </a:t>
-                      </a:r>
+                      <a:endParaRPr lang="en-CA" dirty="0">
+                        <a:solidFill>
+                          <a:srgbClr val="C00000"/>
+                        </a:solidFill>
+                      </a:endParaRPr>
+                    </a:p>
+                    <a:p>
+                      <a:endParaRPr lang="en-CA" dirty="0">
+                        <a:solidFill>
+                          <a:srgbClr val="C00000"/>
+                        </a:solidFill>
+                      </a:endParaRPr>
                     </a:p>
                     <a:p>
                       <a:endParaRPr lang="en-CA" dirty="0">
@@ -18055,7 +18068,7 @@
                             </a:schemeClr>
                           </a:solidFill>
                         </a:rPr>
-                        <a:t>%</a:t>
+                        <a:t>76.4%</a:t>
                       </a:r>
                     </a:p>
                   </a:txBody>
@@ -18085,7 +18098,7 @@
                             </a:schemeClr>
                           </a:solidFill>
                         </a:rPr>
-                        <a:t>%</a:t>
+                        <a:t>76%</a:t>
                       </a:r>
                     </a:p>
                   </a:txBody>
@@ -18115,7 +18128,7 @@
                             </a:schemeClr>
                           </a:solidFill>
                         </a:rPr>
-                        <a:t>%</a:t>
+                        <a:t>76%</a:t>
                       </a:r>
                     </a:p>
                   </a:txBody>
@@ -18145,7 +18158,7 @@
                             </a:schemeClr>
                           </a:solidFill>
                         </a:rPr>
-                        <a:t>%</a:t>
+                        <a:t>76%</a:t>
                       </a:r>
                     </a:p>
                   </a:txBody>
@@ -18157,7 +18170,7 @@
                   </a:ext>
                 </a:extLst>
               </a:tr>
-              <a:tr h="695187">
+              <a:tr h="648706">
                 <a:tc>
                   <a:txBody>
                     <a:bodyPr/>
@@ -18171,8 +18184,44 @@
                             </a:schemeClr>
                           </a:solidFill>
                         </a:rPr>
-                        <a:t>Logistic  Regression</a:t>
+                        <a:t>Random Forest Classifier </a:t>
                       </a:r>
+                    </a:p>
+                    <a:p>
+                      <a:endParaRPr lang="en-CA" b="1" dirty="0">
+                        <a:solidFill>
+                          <a:schemeClr val="bg1">
+                            <a:lumMod val="50000"/>
+                          </a:schemeClr>
+                        </a:solidFill>
+                      </a:endParaRPr>
+                    </a:p>
+                    <a:p>
+                      <a:endParaRPr lang="en-CA" dirty="0">
+                        <a:solidFill>
+                          <a:srgbClr val="C00000"/>
+                        </a:solidFill>
+                      </a:endParaRPr>
+                    </a:p>
+                  </a:txBody>
+                  <a:tcPr/>
+                </a:tc>
+                <a:tc>
+                  <a:txBody>
+                    <a:bodyPr/>
+                    <a:lstStyle/>
+                    <a:p>
+                      <a:pPr algn="ctr"/>
+                      <a:endParaRPr lang="en-CA" dirty="0">
+                        <a:solidFill>
+                          <a:schemeClr val="bg1">
+                            <a:lumMod val="50000"/>
+                          </a:schemeClr>
+                        </a:solidFill>
+                      </a:endParaRPr>
+                    </a:p>
+                    <a:p>
+                      <a:pPr algn="ctr"/>
                       <a:r>
                         <a:rPr lang="en-CA" dirty="0">
                           <a:solidFill>
@@ -18181,15 +18230,7 @@
                             </a:schemeClr>
                           </a:solidFill>
                         </a:rPr>
-                        <a:t> </a:t>
-                      </a:r>
-                      <a:r>
-                        <a:rPr lang="en-CA" dirty="0">
-                          <a:solidFill>
-                            <a:srgbClr val="C00000"/>
-                          </a:solidFill>
-                        </a:rPr>
-                        <a:t>Oversampling Score</a:t>
+                        <a:t>76.5%</a:t>
                       </a:r>
                     </a:p>
                   </a:txBody>
@@ -18219,7 +18260,7 @@
                             </a:schemeClr>
                           </a:solidFill>
                         </a:rPr>
-                        <a:t>%</a:t>
+                        <a:t>77%</a:t>
                       </a:r>
                     </a:p>
                   </a:txBody>
@@ -18249,7 +18290,7 @@
                             </a:schemeClr>
                           </a:solidFill>
                         </a:rPr>
-                        <a:t>%</a:t>
+                        <a:t>76%</a:t>
                       </a:r>
                     </a:p>
                   </a:txBody>
@@ -18279,191 +18320,7 @@
                             </a:schemeClr>
                           </a:solidFill>
                         </a:rPr>
-                        <a:t>%</a:t>
-                      </a:r>
-                    </a:p>
-                  </a:txBody>
-                  <a:tcPr/>
-                </a:tc>
-                <a:tc>
-                  <a:txBody>
-                    <a:bodyPr/>
-                    <a:lstStyle/>
-                    <a:p>
-                      <a:pPr algn="ctr"/>
-                      <a:endParaRPr lang="en-CA" dirty="0">
-                        <a:solidFill>
-                          <a:schemeClr val="bg1">
-                            <a:lumMod val="50000"/>
-                          </a:schemeClr>
-                        </a:solidFill>
-                      </a:endParaRPr>
-                    </a:p>
-                    <a:p>
-                      <a:pPr algn="ctr"/>
-                      <a:r>
-                        <a:rPr lang="en-CA" dirty="0">
-                          <a:solidFill>
-                            <a:schemeClr val="bg1">
-                              <a:lumMod val="50000"/>
-                            </a:schemeClr>
-                          </a:solidFill>
-                        </a:rPr>
-                        <a:t>%</a:t>
-                      </a:r>
-                    </a:p>
-                  </a:txBody>
-                  <a:tcPr/>
-                </a:tc>
-                <a:extLst>
-                  <a:ext uri="{0D108BD9-81ED-4DB2-BD59-A6C34878D82A}">
-                    <a16:rowId xmlns:a16="http://schemas.microsoft.com/office/drawing/2014/main" val="2518122905"/>
-                  </a:ext>
-                </a:extLst>
-              </a:tr>
-              <a:tr h="706469">
-                <a:tc>
-                  <a:txBody>
-                    <a:bodyPr/>
-                    <a:lstStyle/>
-                    <a:p>
-                      <a:r>
-                        <a:rPr lang="en-CA" b="1" dirty="0">
-                          <a:solidFill>
-                            <a:schemeClr val="bg1">
-                              <a:lumMod val="50000"/>
-                            </a:schemeClr>
-                          </a:solidFill>
-                        </a:rPr>
-                        <a:t>Random Forest Classifier </a:t>
-                      </a:r>
-                      <a:r>
-                        <a:rPr lang="en-CA" dirty="0">
-                          <a:solidFill>
-                            <a:srgbClr val="C00000"/>
-                          </a:solidFill>
-                        </a:rPr>
-                        <a:t>Undersampling </a:t>
-                      </a:r>
-                    </a:p>
-                  </a:txBody>
-                  <a:tcPr/>
-                </a:tc>
-                <a:tc>
-                  <a:txBody>
-                    <a:bodyPr/>
-                    <a:lstStyle/>
-                    <a:p>
-                      <a:pPr algn="ctr"/>
-                      <a:endParaRPr lang="en-CA" dirty="0">
-                        <a:solidFill>
-                          <a:schemeClr val="bg1">
-                            <a:lumMod val="50000"/>
-                          </a:schemeClr>
-                        </a:solidFill>
-                      </a:endParaRPr>
-                    </a:p>
-                    <a:p>
-                      <a:pPr algn="ctr"/>
-                      <a:r>
-                        <a:rPr lang="en-CA" dirty="0">
-                          <a:solidFill>
-                            <a:schemeClr val="bg1">
-                              <a:lumMod val="50000"/>
-                            </a:schemeClr>
-                          </a:solidFill>
-                        </a:rPr>
-                        <a:t>%</a:t>
-                      </a:r>
-                    </a:p>
-                  </a:txBody>
-                  <a:tcPr/>
-                </a:tc>
-                <a:tc>
-                  <a:txBody>
-                    <a:bodyPr/>
-                    <a:lstStyle/>
-                    <a:p>
-                      <a:pPr algn="ctr"/>
-                      <a:endParaRPr lang="en-CA" dirty="0">
-                        <a:solidFill>
-                          <a:schemeClr val="bg1">
-                            <a:lumMod val="50000"/>
-                          </a:schemeClr>
-                        </a:solidFill>
-                      </a:endParaRPr>
-                    </a:p>
-                    <a:p>
-                      <a:pPr algn="ctr"/>
-                      <a:r>
-                        <a:rPr lang="en-CA" dirty="0">
-                          <a:solidFill>
-                            <a:schemeClr val="bg1">
-                              <a:lumMod val="50000"/>
-                            </a:schemeClr>
-                          </a:solidFill>
-                        </a:rPr>
-                        <a:t>%</a:t>
-                      </a:r>
-                    </a:p>
-                  </a:txBody>
-                  <a:tcPr/>
-                </a:tc>
-                <a:tc>
-                  <a:txBody>
-                    <a:bodyPr/>
-                    <a:lstStyle/>
-                    <a:p>
-                      <a:pPr algn="ctr"/>
-                      <a:endParaRPr lang="en-CA" dirty="0">
-                        <a:solidFill>
-                          <a:schemeClr val="bg1">
-                            <a:lumMod val="50000"/>
-                          </a:schemeClr>
-                        </a:solidFill>
-                      </a:endParaRPr>
-                    </a:p>
-                    <a:p>
-                      <a:pPr algn="ctr"/>
-                      <a:r>
-                        <a:rPr lang="en-CA" dirty="0">
-                          <a:solidFill>
-                            <a:schemeClr val="bg1">
-                              <a:lumMod val="50000"/>
-                            </a:schemeClr>
-                          </a:solidFill>
-                        </a:rPr>
-                        <a:t>%</a:t>
-                      </a:r>
-                    </a:p>
-                  </a:txBody>
-                  <a:tcPr/>
-                </a:tc>
-                <a:tc>
-                  <a:txBody>
-                    <a:bodyPr/>
-                    <a:lstStyle/>
-                    <a:p>
-                      <a:pPr algn="ctr"/>
-                      <a:endParaRPr lang="en-CA" dirty="0">
-                        <a:solidFill>
-                          <a:schemeClr val="bg1">
-                            <a:lumMod val="50000"/>
-                          </a:schemeClr>
-                        </a:solidFill>
-                      </a:endParaRPr>
-                    </a:p>
-                    <a:p>
-                      <a:pPr algn="ctr"/>
-                      <a:r>
-                        <a:rPr lang="en-CA" dirty="0">
-                          <a:solidFill>
-                            <a:schemeClr val="bg1">
-                              <a:lumMod val="50000"/>
-                            </a:schemeClr>
-                          </a:solidFill>
-                        </a:rPr>
-                        <a:t>%</a:t>
+                        <a:t>76%</a:t>
                       </a:r>
                     </a:p>
                   </a:txBody>
@@ -18475,11 +18332,20 @@
                   </a:ext>
                 </a:extLst>
               </a:tr>
-              <a:tr h="706469">
+              <a:tr h="867624">
                 <a:tc>
                   <a:txBody>
                     <a:bodyPr/>
                     <a:lstStyle/>
+                    <a:p>
+                      <a:endParaRPr lang="en-CA" b="1" dirty="0">
+                        <a:solidFill>
+                          <a:schemeClr val="bg1">
+                            <a:lumMod val="50000"/>
+                          </a:schemeClr>
+                        </a:solidFill>
+                      </a:endParaRPr>
+                    </a:p>
                     <a:p>
                       <a:r>
                         <a:rPr lang="en-CA" b="1" dirty="0">
@@ -18491,17 +18357,6 @@
                         </a:rPr>
                         <a:t>Xgboosting</a:t>
                       </a:r>
-                    </a:p>
-                    <a:p>
-                      <a:endParaRPr lang="en-CA" dirty="0">
-                        <a:solidFill>
-                          <a:schemeClr val="bg1">
-                            <a:lumMod val="50000"/>
-                          </a:schemeClr>
-                        </a:solidFill>
-                      </a:endParaRPr>
-                    </a:p>
-                    <a:p>
                       <a:endParaRPr lang="en-CA" dirty="0">
                         <a:solidFill>
                           <a:schemeClr val="bg1">
@@ -18518,7 +18373,24 @@
                     <a:bodyPr/>
                     <a:lstStyle/>
                     <a:p>
-                      <a:endParaRPr lang="en-CA" dirty="0"/>
+                      <a:r>
+                        <a:rPr lang="en-CA" dirty="0">
+                          <a:solidFill>
+                            <a:schemeClr val="bg1"/>
+                          </a:solidFill>
+                        </a:rPr>
+                        <a:t>        </a:t>
+                      </a:r>
+                    </a:p>
+                    <a:p>
+                      <a:r>
+                        <a:rPr lang="en-CA" dirty="0">
+                          <a:solidFill>
+                            <a:schemeClr val="bg1"/>
+                          </a:solidFill>
+                        </a:rPr>
+                        <a:t>         75.8%</a:t>
+                      </a:r>
                     </a:p>
                   </a:txBody>
                   <a:tcPr/>
@@ -18528,7 +18400,21 @@
                     <a:bodyPr/>
                     <a:lstStyle/>
                     <a:p>
-                      <a:endParaRPr lang="en-CA"/>
+                      <a:endParaRPr lang="en-CA" dirty="0">
+                        <a:solidFill>
+                          <a:schemeClr val="bg1"/>
+                        </a:solidFill>
+                      </a:endParaRPr>
+                    </a:p>
+                    <a:p>
+                      <a:r>
+                        <a:rPr lang="en-CA" dirty="0">
+                          <a:solidFill>
+                            <a:schemeClr val="bg1"/>
+                          </a:solidFill>
+                        </a:rPr>
+                        <a:t>         76%</a:t>
+                      </a:r>
                     </a:p>
                   </a:txBody>
                   <a:tcPr/>
@@ -18538,7 +18424,24 @@
                     <a:bodyPr/>
                     <a:lstStyle/>
                     <a:p>
-                      <a:endParaRPr lang="en-CA"/>
+                      <a:r>
+                        <a:rPr lang="en-CA" dirty="0">
+                          <a:solidFill>
+                            <a:schemeClr val="bg1"/>
+                          </a:solidFill>
+                        </a:rPr>
+                        <a:t>     </a:t>
+                      </a:r>
+                    </a:p>
+                    <a:p>
+                      <a:r>
+                        <a:rPr lang="en-CA" dirty="0">
+                          <a:solidFill>
+                            <a:schemeClr val="bg1"/>
+                          </a:solidFill>
+                        </a:rPr>
+                        <a:t>          76%</a:t>
+                      </a:r>
                     </a:p>
                   </a:txBody>
                   <a:tcPr/>
@@ -18548,7 +18451,35 @@
                     <a:bodyPr/>
                     <a:lstStyle/>
                     <a:p>
-                      <a:endParaRPr lang="en-CA" dirty="0"/>
+                      <a:endParaRPr lang="en-CA" dirty="0">
+                        <a:solidFill>
+                          <a:schemeClr val="bg1"/>
+                        </a:solidFill>
+                      </a:endParaRPr>
+                    </a:p>
+                    <a:p>
+                      <a:r>
+                        <a:rPr lang="en-CA" dirty="0">
+                          <a:solidFill>
+                            <a:schemeClr val="bg1"/>
+                          </a:solidFill>
+                        </a:rPr>
+                        <a:t>         76%</a:t>
+                      </a:r>
+                    </a:p>
+                    <a:p>
+                      <a:endParaRPr lang="en-CA" dirty="0">
+                        <a:solidFill>
+                          <a:schemeClr val="bg1"/>
+                        </a:solidFill>
+                      </a:endParaRPr>
+                    </a:p>
+                    <a:p>
+                      <a:endParaRPr lang="en-CA" dirty="0">
+                        <a:solidFill>
+                          <a:schemeClr val="bg1"/>
+                        </a:solidFill>
+                      </a:endParaRPr>
                     </a:p>
                   </a:txBody>
                   <a:tcPr/>

--- a/Final Project - Group 7.pptx
+++ b/Final Project - Group 7.pptx
@@ -50,7 +50,7 @@
       <p:boldItalic r:id="rId33"/>
     </p:embeddedFont>
     <p:embeddedFont>
-      <p:font typeface="Oswald" panose="00000500000000000000" pitchFamily="2" charset="0"/>
+      <p:font typeface="Oswald" panose="00000500000000000000" pitchFamily="2" charset="-52"/>
       <p:regular r:id="rId34"/>
       <p:bold r:id="rId35"/>
     </p:embeddedFont>
@@ -16708,7 +16708,7 @@
           <p:nvPr>
             <p:extLst>
               <p:ext uri="{D42A27DB-BD31-4B8C-83A1-F6EECF244321}">
-                <p14:modId xmlns:p14="http://schemas.microsoft.com/office/powerpoint/2010/main" val="1749229953"/>
+                <p14:modId xmlns:p14="http://schemas.microsoft.com/office/powerpoint/2010/main" val="4049643444"/>
               </p:ext>
             </p:extLst>
           </p:nvPr>
@@ -17539,7 +17539,27 @@
                     <a:bodyPr/>
                     <a:lstStyle/>
                     <a:p>
-                      <a:endParaRPr lang="en-CA" dirty="0"/>
+                      <a:pPr algn="ctr"/>
+                      <a:endParaRPr lang="en-CA" dirty="0">
+                        <a:solidFill>
+                          <a:schemeClr val="bg1">
+                            <a:lumMod val="50000"/>
+                          </a:schemeClr>
+                        </a:solidFill>
+                      </a:endParaRPr>
+                    </a:p>
+                    <a:p>
+                      <a:pPr algn="ctr"/>
+                      <a:r>
+                        <a:rPr lang="en-CA" dirty="0">
+                          <a:solidFill>
+                            <a:schemeClr val="bg1">
+                              <a:lumMod val="50000"/>
+                            </a:schemeClr>
+                          </a:solidFill>
+                        </a:rPr>
+                        <a:t>76%</a:t>
+                      </a:r>
                     </a:p>
                   </a:txBody>
                   <a:tcPr/>
@@ -17549,7 +17569,27 @@
                     <a:bodyPr/>
                     <a:lstStyle/>
                     <a:p>
-                      <a:endParaRPr lang="en-CA"/>
+                      <a:pPr algn="ctr"/>
+                      <a:endParaRPr lang="en-CA" dirty="0">
+                        <a:solidFill>
+                          <a:schemeClr val="bg1">
+                            <a:lumMod val="50000"/>
+                          </a:schemeClr>
+                        </a:solidFill>
+                      </a:endParaRPr>
+                    </a:p>
+                    <a:p>
+                      <a:pPr algn="ctr"/>
+                      <a:r>
+                        <a:rPr lang="en-CA" dirty="0">
+                          <a:solidFill>
+                            <a:schemeClr val="bg1">
+                              <a:lumMod val="50000"/>
+                            </a:schemeClr>
+                          </a:solidFill>
+                        </a:rPr>
+                        <a:t>76%</a:t>
+                      </a:r>
                     </a:p>
                   </a:txBody>
                   <a:tcPr/>
@@ -17559,7 +17599,27 @@
                     <a:bodyPr/>
                     <a:lstStyle/>
                     <a:p>
-                      <a:endParaRPr lang="en-CA"/>
+                      <a:pPr algn="ctr"/>
+                      <a:endParaRPr lang="en-CA" dirty="0">
+                        <a:solidFill>
+                          <a:schemeClr val="bg1">
+                            <a:lumMod val="50000"/>
+                          </a:schemeClr>
+                        </a:solidFill>
+                      </a:endParaRPr>
+                    </a:p>
+                    <a:p>
+                      <a:pPr algn="ctr"/>
+                      <a:r>
+                        <a:rPr lang="en-CA" dirty="0">
+                          <a:solidFill>
+                            <a:schemeClr val="bg1">
+                              <a:lumMod val="50000"/>
+                            </a:schemeClr>
+                          </a:solidFill>
+                        </a:rPr>
+                        <a:t>76%</a:t>
+                      </a:r>
                     </a:p>
                   </a:txBody>
                   <a:tcPr/>
@@ -17569,7 +17629,27 @@
                     <a:bodyPr/>
                     <a:lstStyle/>
                     <a:p>
-                      <a:endParaRPr lang="en-CA" dirty="0"/>
+                      <a:pPr algn="ctr"/>
+                      <a:endParaRPr lang="en-CA" dirty="0">
+                        <a:solidFill>
+                          <a:schemeClr val="bg1">
+                            <a:lumMod val="50000"/>
+                          </a:schemeClr>
+                        </a:solidFill>
+                      </a:endParaRPr>
+                    </a:p>
+                    <a:p>
+                      <a:pPr algn="ctr"/>
+                      <a:r>
+                        <a:rPr lang="en-CA" dirty="0">
+                          <a:solidFill>
+                            <a:schemeClr val="bg1">
+                              <a:lumMod val="50000"/>
+                            </a:schemeClr>
+                          </a:solidFill>
+                        </a:rPr>
+                        <a:t>76%</a:t>
+                      </a:r>
                     </a:p>
                   </a:txBody>
                   <a:tcPr/>

--- a/Final Project - Group 7.pptx
+++ b/Final Project - Group 7.pptx
@@ -28,8 +28,8 @@
     <p:sldId id="298" r:id="rId19"/>
     <p:sldId id="299" r:id="rId20"/>
     <p:sldId id="276" r:id="rId21"/>
-    <p:sldId id="279" r:id="rId22"/>
-    <p:sldId id="277" r:id="rId23"/>
+    <p:sldId id="277" r:id="rId22"/>
+    <p:sldId id="279" r:id="rId23"/>
     <p:sldId id="281" r:id="rId24"/>
     <p:sldId id="282" r:id="rId25"/>
     <p:sldId id="264" r:id="rId26"/>
@@ -309,8 +309,8 @@
             <p14:sldId id="298"/>
             <p14:sldId id="299"/>
             <p14:sldId id="276"/>
+            <p14:sldId id="277"/>
             <p14:sldId id="279"/>
-            <p14:sldId id="277"/>
             <p14:sldId id="281"/>
             <p14:sldId id="282"/>
             <p14:sldId id="264"/>
@@ -16708,14 +16708,14 @@
           <p:nvPr>
             <p:extLst>
               <p:ext uri="{D42A27DB-BD31-4B8C-83A1-F6EECF244321}">
-                <p14:modId xmlns:p14="http://schemas.microsoft.com/office/powerpoint/2010/main" val="1749229953"/>
+                <p14:modId xmlns:p14="http://schemas.microsoft.com/office/powerpoint/2010/main" val="474197789"/>
               </p:ext>
             </p:extLst>
           </p:nvPr>
         </p:nvGraphicFramePr>
         <p:xfrm>
           <a:off x="678180" y="1211579"/>
-          <a:ext cx="7711440" cy="3621267"/>
+          <a:ext cx="7711440" cy="3200401"/>
         </p:xfrm>
         <a:graphic>
           <a:graphicData uri="http://schemas.openxmlformats.org/drawingml/2006/table">
@@ -16760,7 +16760,7 @@
                   </a:extLst>
                 </a:gridCol>
               </a:tblGrid>
-              <a:tr h="706469">
+              <a:tr h="810160">
                 <a:tc>
                   <a:txBody>
                     <a:bodyPr/>
@@ -17014,7 +17014,7 @@
                   </a:ext>
                 </a:extLst>
               </a:tr>
-              <a:tr h="538208">
+              <a:tr h="810160">
                 <a:tc>
                   <a:txBody>
                     <a:bodyPr/>
@@ -17178,7 +17178,7 @@
                   </a:ext>
                 </a:extLst>
               </a:tr>
-              <a:tr h="695187">
+              <a:tr h="769921">
                 <a:tc>
                   <a:txBody>
                     <a:bodyPr/>
@@ -17342,7 +17342,7 @@
                   </a:ext>
                 </a:extLst>
               </a:tr>
-              <a:tr h="706469">
+              <a:tr h="810160">
                 <a:tc>
                   <a:txBody>
                     <a:bodyPr/>
@@ -17496,90 +17496,6 @@
                   </a:ext>
                 </a:extLst>
               </a:tr>
-              <a:tr h="706469">
-                <a:tc>
-                  <a:txBody>
-                    <a:bodyPr/>
-                    <a:lstStyle/>
-                    <a:p>
-                      <a:r>
-                        <a:rPr lang="en-CA" b="1" dirty="0">
-                          <a:solidFill>
-                            <a:schemeClr val="bg1">
-                              <a:lumMod val="50000"/>
-                            </a:schemeClr>
-                          </a:solidFill>
-                        </a:rPr>
-                        <a:t>Xgboosting</a:t>
-                      </a:r>
-                    </a:p>
-                    <a:p>
-                      <a:endParaRPr lang="en-CA" dirty="0">
-                        <a:solidFill>
-                          <a:schemeClr val="bg1">
-                            <a:lumMod val="50000"/>
-                          </a:schemeClr>
-                        </a:solidFill>
-                      </a:endParaRPr>
-                    </a:p>
-                    <a:p>
-                      <a:endParaRPr lang="en-CA" dirty="0">
-                        <a:solidFill>
-                          <a:schemeClr val="bg1">
-                            <a:lumMod val="50000"/>
-                          </a:schemeClr>
-                        </a:solidFill>
-                      </a:endParaRPr>
-                    </a:p>
-                  </a:txBody>
-                  <a:tcPr/>
-                </a:tc>
-                <a:tc>
-                  <a:txBody>
-                    <a:bodyPr/>
-                    <a:lstStyle/>
-                    <a:p>
-                      <a:endParaRPr lang="en-CA" dirty="0"/>
-                    </a:p>
-                  </a:txBody>
-                  <a:tcPr/>
-                </a:tc>
-                <a:tc>
-                  <a:txBody>
-                    <a:bodyPr/>
-                    <a:lstStyle/>
-                    <a:p>
-                      <a:endParaRPr lang="en-CA"/>
-                    </a:p>
-                  </a:txBody>
-                  <a:tcPr/>
-                </a:tc>
-                <a:tc>
-                  <a:txBody>
-                    <a:bodyPr/>
-                    <a:lstStyle/>
-                    <a:p>
-                      <a:endParaRPr lang="en-CA"/>
-                    </a:p>
-                  </a:txBody>
-                  <a:tcPr/>
-                </a:tc>
-                <a:tc>
-                  <a:txBody>
-                    <a:bodyPr/>
-                    <a:lstStyle/>
-                    <a:p>
-                      <a:endParaRPr lang="en-CA" dirty="0"/>
-                    </a:p>
-                  </a:txBody>
-                  <a:tcPr/>
-                </a:tc>
-                <a:extLst>
-                  <a:ext uri="{0D108BD9-81ED-4DB2-BD59-A6C34878D82A}">
-                    <a16:rowId xmlns:a16="http://schemas.microsoft.com/office/drawing/2014/main" val="2440399944"/>
-                  </a:ext>
-                </a:extLst>
-              </a:tr>
             </a:tbl>
           </a:graphicData>
         </a:graphic>
@@ -17687,7 +17603,7 @@
           <p:nvPr>
             <p:extLst>
               <p:ext uri="{D42A27DB-BD31-4B8C-83A1-F6EECF244321}">
-                <p14:modId xmlns:p14="http://schemas.microsoft.com/office/powerpoint/2010/main" val="84348703"/>
+                <p14:modId xmlns:p14="http://schemas.microsoft.com/office/powerpoint/2010/main" val="183640208"/>
               </p:ext>
             </p:extLst>
           </p:nvPr>
@@ -18176,6 +18092,15 @@
                     <a:bodyPr/>
                     <a:lstStyle/>
                     <a:p>
+                      <a:endParaRPr lang="en-CA" b="1" dirty="0">
+                        <a:solidFill>
+                          <a:schemeClr val="bg1">
+                            <a:lumMod val="50000"/>
+                          </a:schemeClr>
+                        </a:solidFill>
+                      </a:endParaRPr>
+                    </a:p>
+                    <a:p>
                       <a:r>
                         <a:rPr lang="en-CA" b="1" dirty="0">
                           <a:solidFill>
@@ -18193,13 +18118,6 @@
                           <a:schemeClr val="bg1">
                             <a:lumMod val="50000"/>
                           </a:schemeClr>
-                        </a:solidFill>
-                      </a:endParaRPr>
-                    </a:p>
-                    <a:p>
-                      <a:endParaRPr lang="en-CA" dirty="0">
-                        <a:solidFill>
-                          <a:srgbClr val="C00000"/>
                         </a:solidFill>
                       </a:endParaRPr>
                     </a:p>
@@ -18969,6 +18887,186 @@
   <p:cSld>
     <p:spTree>
       <p:nvGrpSpPr>
+        <p:cNvPr id="1" name="Shape 124"/>
+        <p:cNvGrpSpPr/>
+        <p:nvPr/>
+      </p:nvGrpSpPr>
+      <p:grpSpPr>
+        <a:xfrm>
+          <a:off x="0" y="0"/>
+          <a:ext cx="0" cy="0"/>
+          <a:chOff x="0" y="0"/>
+          <a:chExt cx="0" cy="0"/>
+        </a:xfrm>
+      </p:grpSpPr>
+      <p:sp>
+        <p:nvSpPr>
+          <p:cNvPr id="126" name="Google Shape;126;p20"/>
+          <p:cNvSpPr txBox="1">
+            <a:spLocks noGrp="1"/>
+          </p:cNvSpPr>
+          <p:nvPr>
+            <p:ph type="body" idx="1"/>
+          </p:nvPr>
+        </p:nvSpPr>
+        <p:spPr>
+          <a:xfrm>
+            <a:off x="311700" y="1219200"/>
+            <a:ext cx="8520600" cy="2590800"/>
+          </a:xfrm>
+          <a:prstGeom prst="rect">
+            <a:avLst/>
+          </a:prstGeom>
+        </p:spPr>
+        <p:txBody>
+          <a:bodyPr spcFirstLastPara="1" wrap="square" lIns="91425" tIns="91425" rIns="91425" bIns="91425" anchor="t" anchorCtr="0">
+            <a:noAutofit/>
+          </a:bodyPr>
+          <a:lstStyle/>
+          <a:p>
+            <a:pPr marL="0" lvl="0" indent="0" algn="l" rtl="0">
+              <a:spcBef>
+                <a:spcPts val="1600"/>
+              </a:spcBef>
+              <a:spcAft>
+                <a:spcPts val="0"/>
+              </a:spcAft>
+              <a:buNone/>
+            </a:pPr>
+            <a:endParaRPr sz="2100" b="1" dirty="0">
+              <a:solidFill>
+                <a:schemeClr val="dk1"/>
+              </a:solidFill>
+            </a:endParaRPr>
+          </a:p>
+          <a:p>
+            <a:pPr marL="0" lvl="0" indent="0" algn="l" rtl="0">
+              <a:lnSpc>
+                <a:spcPct val="200000"/>
+              </a:lnSpc>
+              <a:spcBef>
+                <a:spcPts val="1600"/>
+              </a:spcBef>
+              <a:spcAft>
+                <a:spcPts val="1600"/>
+              </a:spcAft>
+              <a:buNone/>
+            </a:pPr>
+            <a:endParaRPr dirty="0"/>
+          </a:p>
+        </p:txBody>
+      </p:sp>
+      <p:pic>
+        <p:nvPicPr>
+          <p:cNvPr id="7" name="Picture 6">
+            <a:extLst>
+              <a:ext uri="{FF2B5EF4-FFF2-40B4-BE49-F238E27FC236}">
+                <a16:creationId xmlns:a16="http://schemas.microsoft.com/office/drawing/2014/main" id="{D288D13A-8853-4E82-929C-C2517408654A}"/>
+              </a:ext>
+            </a:extLst>
+          </p:cNvPr>
+          <p:cNvPicPr>
+            <a:picLocks noChangeAspect="1"/>
+          </p:cNvPicPr>
+          <p:nvPr/>
+        </p:nvPicPr>
+        <p:blipFill>
+          <a:blip r:embed="rId3"/>
+          <a:stretch>
+            <a:fillRect/>
+          </a:stretch>
+        </p:blipFill>
+        <p:spPr>
+          <a:xfrm>
+            <a:off x="4335780" y="480060"/>
+            <a:ext cx="4511040" cy="4351019"/>
+          </a:xfrm>
+          <a:prstGeom prst="rect">
+            <a:avLst/>
+          </a:prstGeom>
+        </p:spPr>
+      </p:pic>
+      <p:sp>
+        <p:nvSpPr>
+          <p:cNvPr id="8" name="Arrow: Pentagon 7">
+            <a:extLst>
+              <a:ext uri="{FF2B5EF4-FFF2-40B4-BE49-F238E27FC236}">
+                <a16:creationId xmlns:a16="http://schemas.microsoft.com/office/drawing/2014/main" id="{01CA22A9-BCFC-432E-ADF5-73FBB931FB0A}"/>
+              </a:ext>
+            </a:extLst>
+          </p:cNvPr>
+          <p:cNvSpPr/>
+          <p:nvPr/>
+        </p:nvSpPr>
+        <p:spPr>
+          <a:xfrm>
+            <a:off x="266700" y="1653540"/>
+            <a:ext cx="3863340" cy="1988820"/>
+          </a:xfrm>
+          <a:prstGeom prst="homePlate">
+            <a:avLst/>
+          </a:prstGeom>
+          <a:solidFill>
+            <a:schemeClr val="accent4">
+              <a:lumMod val="40000"/>
+              <a:lumOff val="60000"/>
+            </a:schemeClr>
+          </a:solidFill>
+        </p:spPr>
+        <p:style>
+          <a:lnRef idx="2">
+            <a:schemeClr val="accent1">
+              <a:shade val="50000"/>
+            </a:schemeClr>
+          </a:lnRef>
+          <a:fillRef idx="1">
+            <a:schemeClr val="accent1"/>
+          </a:fillRef>
+          <a:effectRef idx="0">
+            <a:schemeClr val="accent1"/>
+          </a:effectRef>
+          <a:fontRef idx="minor">
+            <a:schemeClr val="lt1"/>
+          </a:fontRef>
+        </p:style>
+        <p:txBody>
+          <a:bodyPr rtlCol="0" anchor="ctr"/>
+          <a:lstStyle/>
+          <a:p>
+            <a:pPr algn="ctr"/>
+            <a:r>
+              <a:rPr lang="en-CA" sz="1600" b="1" dirty="0"/>
+              <a:t>General Overview </a:t>
+            </a:r>
+            <a:r>
+              <a:rPr lang="en-CA" sz="1600" dirty="0"/>
+              <a:t>of Total number of patients, Gender breakdown, Age category , Race category with target variable Heart disease</a:t>
+            </a:r>
+            <a:r>
+              <a:rPr lang="en-CA" dirty="0"/>
+              <a:t>. </a:t>
+            </a:r>
+          </a:p>
+        </p:txBody>
+      </p:sp>
+    </p:spTree>
+    <p:extLst>
+      <p:ext uri="{BB962C8B-B14F-4D97-AF65-F5344CB8AC3E}">
+        <p14:creationId xmlns:p14="http://schemas.microsoft.com/office/powerpoint/2010/main" val="437393567"/>
+      </p:ext>
+    </p:extLst>
+  </p:cSld>
+  <p:clrMapOvr>
+    <a:masterClrMapping/>
+  </p:clrMapOvr>
+</p:sld>
+</file>
+
+<file path=ppt/slides/slide22.xml><?xml version="1.0" encoding="utf-8"?>
+<p:sld xmlns:a="http://schemas.openxmlformats.org/drawingml/2006/main" xmlns:r="http://schemas.openxmlformats.org/officeDocument/2006/relationships" xmlns:p="http://schemas.openxmlformats.org/presentationml/2006/main">
+  <p:cSld>
+    <p:spTree>
+      <p:nvGrpSpPr>
         <p:cNvPr id="1" name=""/>
         <p:cNvGrpSpPr/>
         <p:nvPr/>
@@ -19012,6 +19110,12 @@
             <a:br>
               <a:rPr lang="en-CA" dirty="0"/>
             </a:br>
+            <a:br>
+              <a:rPr lang="en-CA" dirty="0"/>
+            </a:br>
+            <a:br>
+              <a:rPr lang="en-CA" dirty="0"/>
+            </a:br>
             <a:endParaRPr lang="en-CA" dirty="0"/>
           </a:p>
         </p:txBody>
@@ -19046,25 +19150,21 @@
               <a:buFont typeface="Wingdings" panose="05000000000000000000" pitchFamily="2" charset="2"/>
               <a:buChar char="ü"/>
             </a:pPr>
-            <a:r>
-              <a:rPr lang="en-CA" dirty="0"/>
-              <a:t>For the dashboard segment ,we have used Tableau Public and please click </a:t>
-            </a:r>
-            <a:r>
-              <a:rPr lang="en-CA" dirty="0">
-                <a:hlinkClick r:id="rId2"/>
-              </a:rPr>
-              <a:t>here</a:t>
-            </a:r>
-            <a:r>
-              <a:rPr lang="en-CA" dirty="0"/>
-              <a:t> view the interactive dashboard embed. </a:t>
-            </a:r>
+            <a:endParaRPr lang="en-CA" dirty="0"/>
           </a:p>
           <a:p>
             <a:pPr>
               <a:buFont typeface="Wingdings" panose="05000000000000000000" pitchFamily="2" charset="2"/>
               <a:buChar char="ü"/>
+            </a:pPr>
+            <a:r>
+              <a:rPr lang="en-CA" dirty="0"/>
+              <a:t>The tables and graphs reflect information from our dataset and allow the users to get a good overview of the factors leading to predict heart disease.</a:t>
+            </a:r>
+          </a:p>
+          <a:p>
+            <a:pPr marL="114300" indent="0">
+              <a:buNone/>
             </a:pPr>
             <a:endParaRPr lang="en-CA" dirty="0"/>
           </a:p>
@@ -19075,13 +19175,12 @@
             </a:pPr>
             <a:r>
               <a:rPr lang="en-CA" dirty="0"/>
-              <a:t>Prediction of number of people with heart disease will be the key element of the dashboard and how the leading factors interacts with the factors such as alcohol drinking, Diabetic, Kidney Disease and Asthma will be shown on the dashboard.</a:t>
+              <a:t>It will also show the connection with the binary and non binary features to the target variable. </a:t>
             </a:r>
           </a:p>
           <a:p>
-            <a:pPr>
-              <a:buFont typeface="Wingdings" panose="05000000000000000000" pitchFamily="2" charset="2"/>
-              <a:buChar char="ü"/>
+            <a:pPr marL="114300" indent="0">
+              <a:buNone/>
             </a:pPr>
             <a:endParaRPr lang="en-CA" dirty="0"/>
           </a:p>
@@ -19092,8 +19191,25 @@
             </a:pPr>
             <a:r>
               <a:rPr lang="en-CA" dirty="0"/>
-              <a:t>Some of the leading factors and how it relates with number of heart disease show as follows.  </a:t>
+              <a:t>Please click </a:t>
             </a:r>
+            <a:r>
+              <a:rPr lang="en-CA" dirty="0">
+                <a:hlinkClick r:id="rId2"/>
+              </a:rPr>
+              <a:t>here</a:t>
+            </a:r>
+            <a:r>
+              <a:rPr lang="en-CA" dirty="0"/>
+              <a:t> to view the interactive dashboard embed using tableau public. </a:t>
+            </a:r>
+          </a:p>
+          <a:p>
+            <a:pPr>
+              <a:buFont typeface="Wingdings" panose="05000000000000000000" pitchFamily="2" charset="2"/>
+              <a:buChar char="ü"/>
+            </a:pPr>
+            <a:endParaRPr lang="en-CA" dirty="0"/>
           </a:p>
         </p:txBody>
       </p:sp>
@@ -19101,231 +19217,6 @@
     <p:extLst>
       <p:ext uri="{BB962C8B-B14F-4D97-AF65-F5344CB8AC3E}">
         <p14:creationId xmlns:p14="http://schemas.microsoft.com/office/powerpoint/2010/main" val="819991842"/>
-      </p:ext>
-    </p:extLst>
-  </p:cSld>
-  <p:clrMapOvr>
-    <a:masterClrMapping/>
-  </p:clrMapOvr>
-</p:sld>
-</file>
-
-<file path=ppt/slides/slide22.xml><?xml version="1.0" encoding="utf-8"?>
-<p:sld xmlns:a="http://schemas.openxmlformats.org/drawingml/2006/main" xmlns:r="http://schemas.openxmlformats.org/officeDocument/2006/relationships" xmlns:p="http://schemas.openxmlformats.org/presentationml/2006/main">
-  <p:cSld>
-    <p:spTree>
-      <p:nvGrpSpPr>
-        <p:cNvPr id="1" name="Shape 124"/>
-        <p:cNvGrpSpPr/>
-        <p:nvPr/>
-      </p:nvGrpSpPr>
-      <p:grpSpPr>
-        <a:xfrm>
-          <a:off x="0" y="0"/>
-          <a:ext cx="0" cy="0"/>
-          <a:chOff x="0" y="0"/>
-          <a:chExt cx="0" cy="0"/>
-        </a:xfrm>
-      </p:grpSpPr>
-      <p:sp>
-        <p:nvSpPr>
-          <p:cNvPr id="126" name="Google Shape;126;p20"/>
-          <p:cNvSpPr txBox="1">
-            <a:spLocks noGrp="1"/>
-          </p:cNvSpPr>
-          <p:nvPr>
-            <p:ph type="body" idx="1"/>
-          </p:nvPr>
-        </p:nvSpPr>
-        <p:spPr>
-          <a:xfrm>
-            <a:off x="311700" y="1219200"/>
-            <a:ext cx="8520600" cy="2590800"/>
-          </a:xfrm>
-          <a:prstGeom prst="rect">
-            <a:avLst/>
-          </a:prstGeom>
-        </p:spPr>
-        <p:txBody>
-          <a:bodyPr spcFirstLastPara="1" wrap="square" lIns="91425" tIns="91425" rIns="91425" bIns="91425" anchor="t" anchorCtr="0">
-            <a:noAutofit/>
-          </a:bodyPr>
-          <a:lstStyle/>
-          <a:p>
-            <a:pPr marL="0" lvl="0" indent="0" algn="l" rtl="0">
-              <a:spcBef>
-                <a:spcPts val="1600"/>
-              </a:spcBef>
-              <a:spcAft>
-                <a:spcPts val="0"/>
-              </a:spcAft>
-              <a:buNone/>
-            </a:pPr>
-            <a:endParaRPr sz="2100" b="1" dirty="0">
-              <a:solidFill>
-                <a:schemeClr val="dk1"/>
-              </a:solidFill>
-            </a:endParaRPr>
-          </a:p>
-          <a:p>
-            <a:pPr marL="0" lvl="0" indent="0" algn="l" rtl="0">
-              <a:lnSpc>
-                <a:spcPct val="200000"/>
-              </a:lnSpc>
-              <a:spcBef>
-                <a:spcPts val="1600"/>
-              </a:spcBef>
-              <a:spcAft>
-                <a:spcPts val="1600"/>
-              </a:spcAft>
-              <a:buNone/>
-            </a:pPr>
-            <a:endParaRPr dirty="0"/>
-          </a:p>
-        </p:txBody>
-      </p:sp>
-      <p:pic>
-        <p:nvPicPr>
-          <p:cNvPr id="3" name="Picture 2">
-            <a:extLst>
-              <a:ext uri="{FF2B5EF4-FFF2-40B4-BE49-F238E27FC236}">
-                <a16:creationId xmlns:a16="http://schemas.microsoft.com/office/drawing/2014/main" id="{49C3BE9A-7BDA-4CBF-BDA3-11AC70C891E8}"/>
-              </a:ext>
-            </a:extLst>
-          </p:cNvPr>
-          <p:cNvPicPr>
-            <a:picLocks noChangeAspect="1"/>
-          </p:cNvPicPr>
-          <p:nvPr/>
-        </p:nvPicPr>
-        <p:blipFill>
-          <a:blip r:embed="rId3"/>
-          <a:stretch>
-            <a:fillRect/>
-          </a:stretch>
-        </p:blipFill>
-        <p:spPr>
-          <a:xfrm>
-            <a:off x="4789373" y="1910576"/>
-            <a:ext cx="4080308" cy="2943363"/>
-          </a:xfrm>
-          <a:prstGeom prst="rect">
-            <a:avLst/>
-          </a:prstGeom>
-        </p:spPr>
-      </p:pic>
-      <p:pic>
-        <p:nvPicPr>
-          <p:cNvPr id="4" name="Picture 3">
-            <a:extLst>
-              <a:ext uri="{FF2B5EF4-FFF2-40B4-BE49-F238E27FC236}">
-                <a16:creationId xmlns:a16="http://schemas.microsoft.com/office/drawing/2014/main" id="{BE07AEE8-FD82-4099-8FCF-B5D776BB1B10}"/>
-              </a:ext>
-            </a:extLst>
-          </p:cNvPr>
-          <p:cNvPicPr>
-            <a:picLocks noChangeAspect="1"/>
-          </p:cNvPicPr>
-          <p:nvPr/>
-        </p:nvPicPr>
-        <p:blipFill>
-          <a:blip r:embed="rId4"/>
-          <a:stretch>
-            <a:fillRect/>
-          </a:stretch>
-        </p:blipFill>
-        <p:spPr>
-          <a:xfrm>
-            <a:off x="327660" y="231021"/>
-            <a:ext cx="4145280" cy="3077174"/>
-          </a:xfrm>
-          <a:prstGeom prst="rect">
-            <a:avLst/>
-          </a:prstGeom>
-        </p:spPr>
-      </p:pic>
-      <p:sp>
-        <p:nvSpPr>
-          <p:cNvPr id="5" name="TextBox 4">
-            <a:extLst>
-              <a:ext uri="{FF2B5EF4-FFF2-40B4-BE49-F238E27FC236}">
-                <a16:creationId xmlns:a16="http://schemas.microsoft.com/office/drawing/2014/main" id="{00B2AAFB-3290-46E0-81A9-A014C4ED74F3}"/>
-              </a:ext>
-            </a:extLst>
-          </p:cNvPr>
-          <p:cNvSpPr txBox="1"/>
-          <p:nvPr/>
-        </p:nvSpPr>
-        <p:spPr>
-          <a:xfrm>
-            <a:off x="4869180" y="251460"/>
-            <a:ext cx="4038600" cy="1323439"/>
-          </a:xfrm>
-          <a:prstGeom prst="rect">
-            <a:avLst/>
-          </a:prstGeom>
-          <a:noFill/>
-        </p:spPr>
-        <p:txBody>
-          <a:bodyPr wrap="square" rtlCol="0">
-            <a:spAutoFit/>
-          </a:bodyPr>
-          <a:lstStyle/>
-          <a:p>
-            <a:r>
-              <a:rPr lang="en-CA" sz="1600" dirty="0">
-                <a:solidFill>
-                  <a:schemeClr val="tx1"/>
-                </a:solidFill>
-              </a:rPr>
-              <a:t>As per the general overview of factors it shows the total number of cases , gender breakdown of the number of people of the given dataset , smoking status , age category and the health status. </a:t>
-            </a:r>
-          </a:p>
-        </p:txBody>
-      </p:sp>
-      <p:sp>
-        <p:nvSpPr>
-          <p:cNvPr id="6" name="TextBox 5">
-            <a:extLst>
-              <a:ext uri="{FF2B5EF4-FFF2-40B4-BE49-F238E27FC236}">
-                <a16:creationId xmlns:a16="http://schemas.microsoft.com/office/drawing/2014/main" id="{FA330AFD-EBE9-4370-85E5-0935AD7471F1}"/>
-              </a:ext>
-            </a:extLst>
-          </p:cNvPr>
-          <p:cNvSpPr txBox="1"/>
-          <p:nvPr/>
-        </p:nvSpPr>
-        <p:spPr>
-          <a:xfrm>
-            <a:off x="342900" y="3467100"/>
-            <a:ext cx="4130040" cy="1569660"/>
-          </a:xfrm>
-          <a:prstGeom prst="rect">
-            <a:avLst/>
-          </a:prstGeom>
-          <a:noFill/>
-        </p:spPr>
-        <p:txBody>
-          <a:bodyPr wrap="square" rtlCol="0">
-            <a:spAutoFit/>
-          </a:bodyPr>
-          <a:lstStyle/>
-          <a:p>
-            <a:r>
-              <a:rPr lang="en-CA" sz="1600" dirty="0">
-                <a:solidFill>
-                  <a:schemeClr val="tx1"/>
-                </a:solidFill>
-              </a:rPr>
-              <a:t>As per the bar graphs it shows the no of persons with heart diseases who are using alcohol, who has kidney disease, who are a diabetic patient and who has Asthma. As per the graph it shows a less no of people with above conditions predict heart disease. </a:t>
-            </a:r>
-          </a:p>
-        </p:txBody>
-      </p:sp>
-    </p:spTree>
-    <p:extLst>
-      <p:ext uri="{BB962C8B-B14F-4D97-AF65-F5344CB8AC3E}">
-        <p14:creationId xmlns:p14="http://schemas.microsoft.com/office/powerpoint/2010/main" val="437393567"/>
       </p:ext>
     </p:extLst>
   </p:cSld>
@@ -21764,7 +21655,7 @@
           <p:nvPr>
             <p:extLst>
               <p:ext uri="{D42A27DB-BD31-4B8C-83A1-F6EECF244321}">
-                <p14:modId xmlns:p14="http://schemas.microsoft.com/office/powerpoint/2010/main" val="3612313353"/>
+                <p14:modId xmlns:p14="http://schemas.microsoft.com/office/powerpoint/2010/main" val="2768993373"/>
               </p:ext>
             </p:extLst>
           </p:nvPr>
@@ -21841,7 +21732,7 @@
                             </a:schemeClr>
                           </a:solidFill>
                         </a:rPr>
-                        <a:t>Linear Regression </a:t>
+                        <a:t>Logistic Regression </a:t>
                       </a:r>
                     </a:p>
                     <a:p>

--- a/Final Project - Group 7.pptx
+++ b/Final Project - Group 7.pptx
@@ -5,7 +5,7 @@
     <p:sldMasterId id="2147483659" r:id="rId1"/>
   </p:sldMasterIdLst>
   <p:notesMasterIdLst>
-    <p:notesMasterId r:id="rId28"/>
+    <p:notesMasterId r:id="rId29"/>
   </p:notesMasterIdLst>
   <p:sldIdLst>
     <p:sldId id="273" r:id="rId2"/>
@@ -27,32 +27,33 @@
     <p:sldId id="296" r:id="rId18"/>
     <p:sldId id="298" r:id="rId19"/>
     <p:sldId id="299" r:id="rId20"/>
-    <p:sldId id="276" r:id="rId21"/>
-    <p:sldId id="277" r:id="rId22"/>
-    <p:sldId id="279" r:id="rId23"/>
-    <p:sldId id="281" r:id="rId24"/>
-    <p:sldId id="282" r:id="rId25"/>
-    <p:sldId id="264" r:id="rId26"/>
-    <p:sldId id="297" r:id="rId27"/>
+    <p:sldId id="301" r:id="rId21"/>
+    <p:sldId id="276" r:id="rId22"/>
+    <p:sldId id="277" r:id="rId23"/>
+    <p:sldId id="279" r:id="rId24"/>
+    <p:sldId id="281" r:id="rId25"/>
+    <p:sldId id="282" r:id="rId26"/>
+    <p:sldId id="264" r:id="rId27"/>
+    <p:sldId id="297" r:id="rId28"/>
   </p:sldIdLst>
   <p:sldSz cx="9144000" cy="5143500" type="screen16x9"/>
   <p:notesSz cx="6858000" cy="9144000"/>
   <p:embeddedFontLst>
     <p:embeddedFont>
       <p:font typeface="Average" panose="020B0604020202020204" charset="0"/>
-      <p:regular r:id="rId29"/>
+      <p:regular r:id="rId30"/>
     </p:embeddedFont>
     <p:embeddedFont>
       <p:font typeface="Calibri" panose="020F0502020204030204" pitchFamily="34" charset="0"/>
-      <p:regular r:id="rId30"/>
-      <p:bold r:id="rId31"/>
-      <p:italic r:id="rId32"/>
-      <p:boldItalic r:id="rId33"/>
+      <p:regular r:id="rId31"/>
+      <p:bold r:id="rId32"/>
+      <p:italic r:id="rId33"/>
+      <p:boldItalic r:id="rId34"/>
     </p:embeddedFont>
     <p:embeddedFont>
       <p:font typeface="Oswald" panose="00000500000000000000" pitchFamily="2" charset="0"/>
-      <p:regular r:id="rId34"/>
-      <p:bold r:id="rId35"/>
+      <p:regular r:id="rId35"/>
+      <p:bold r:id="rId36"/>
     </p:embeddedFont>
   </p:embeddedFontLst>
   <p:defaultTextStyle>
@@ -308,6 +309,7 @@
             <p14:sldId id="296"/>
             <p14:sldId id="298"/>
             <p14:sldId id="299"/>
+            <p14:sldId id="301"/>
             <p14:sldId id="276"/>
             <p14:sldId id="277"/>
             <p14:sldId id="279"/>
@@ -2102,6 +2104,15 @@
             <a:alpha val="90000"/>
           </a:srgbClr>
         </a:solidFill>
+        <a:ln>
+          <a:solidFill>
+            <a:schemeClr val="accent5">
+              <a:lumMod val="60000"/>
+              <a:lumOff val="40000"/>
+              <a:alpha val="90000"/>
+            </a:schemeClr>
+          </a:solidFill>
+        </a:ln>
       </dgm:spPr>
       <dgm:t>
         <a:bodyPr/>
@@ -2731,7 +2742,17 @@
     </dgm:pt>
     <dgm:pt modelId="{07DEEAC8-3494-4A06-92AC-9F8CFD5E1F2C}">
       <dgm:prSet/>
-      <dgm:spPr/>
+      <dgm:spPr>
+        <a:ln>
+          <a:solidFill>
+            <a:schemeClr val="accent5">
+              <a:lumMod val="60000"/>
+              <a:lumOff val="40000"/>
+              <a:alpha val="90000"/>
+            </a:schemeClr>
+          </a:solidFill>
+        </a:ln>
+      </dgm:spPr>
       <dgm:t>
         <a:bodyPr/>
         <a:lstStyle/>
@@ -2777,7 +2798,17 @@
     </dgm:pt>
     <dgm:pt modelId="{AD79FC35-0AE3-48F1-85F2-EA1E4FCD7461}">
       <dgm:prSet/>
-      <dgm:spPr/>
+      <dgm:spPr>
+        <a:ln>
+          <a:solidFill>
+            <a:schemeClr val="accent5">
+              <a:lumMod val="60000"/>
+              <a:lumOff val="40000"/>
+              <a:alpha val="90000"/>
+            </a:schemeClr>
+          </a:solidFill>
+        </a:ln>
+      </dgm:spPr>
       <dgm:t>
         <a:bodyPr/>
         <a:lstStyle/>
@@ -2820,7 +2851,17 @@
     </dgm:pt>
     <dgm:pt modelId="{43C61D66-0343-4394-9F64-EAF2D1D7ACAE}">
       <dgm:prSet/>
-      <dgm:spPr/>
+      <dgm:spPr>
+        <a:ln>
+          <a:solidFill>
+            <a:schemeClr val="accent5">
+              <a:lumMod val="60000"/>
+              <a:lumOff val="40000"/>
+              <a:alpha val="90000"/>
+            </a:schemeClr>
+          </a:solidFill>
+        </a:ln>
+      </dgm:spPr>
       <dgm:t>
         <a:bodyPr/>
         <a:lstStyle/>
@@ -2866,14 +2907,24 @@
     </dgm:pt>
     <dgm:pt modelId="{2F566E73-1A58-4EF9-A1DB-FE164B7F28A8}">
       <dgm:prSet/>
-      <dgm:spPr/>
+      <dgm:spPr>
+        <a:ln>
+          <a:solidFill>
+            <a:schemeClr val="accent5">
+              <a:lumMod val="60000"/>
+              <a:lumOff val="40000"/>
+              <a:alpha val="90000"/>
+            </a:schemeClr>
+          </a:solidFill>
+        </a:ln>
+      </dgm:spPr>
       <dgm:t>
         <a:bodyPr/>
         <a:lstStyle/>
         <a:p>
           <a:pPr>
             <a:buFont typeface="Arial" panose="020B0604020202020204" pitchFamily="34" charset="0"/>
-            <a:buChar char="•"/>
+            <a:buNone/>
           </a:pPr>
           <a:endParaRPr lang="en-CA" dirty="0">
             <a:solidFill>
@@ -2909,7 +2960,17 @@
     </dgm:pt>
     <dgm:pt modelId="{64418CE7-2DDC-4A6B-A7D9-B2898699725C}">
       <dgm:prSet/>
-      <dgm:spPr/>
+      <dgm:spPr>
+        <a:ln>
+          <a:solidFill>
+            <a:schemeClr val="accent5">
+              <a:lumMod val="60000"/>
+              <a:lumOff val="40000"/>
+              <a:alpha val="90000"/>
+            </a:schemeClr>
+          </a:solidFill>
+        </a:ln>
+      </dgm:spPr>
       <dgm:t>
         <a:bodyPr/>
         <a:lstStyle/>
@@ -2955,7 +3016,17 @@
     </dgm:pt>
     <dgm:pt modelId="{971A21D0-3F3E-4A3B-B877-69221176587F}">
       <dgm:prSet/>
-      <dgm:spPr/>
+      <dgm:spPr>
+        <a:ln>
+          <a:solidFill>
+            <a:schemeClr val="accent5">
+              <a:lumMod val="60000"/>
+              <a:lumOff val="40000"/>
+              <a:alpha val="90000"/>
+            </a:schemeClr>
+          </a:solidFill>
+        </a:ln>
+      </dgm:spPr>
       <dgm:t>
         <a:bodyPr/>
         <a:lstStyle/>
@@ -2998,7 +3069,17 @@
     </dgm:pt>
     <dgm:pt modelId="{F1A3FF72-4B25-4300-B34C-8C2BF86E44E1}">
       <dgm:prSet/>
-      <dgm:spPr/>
+      <dgm:spPr>
+        <a:ln>
+          <a:solidFill>
+            <a:schemeClr val="accent5">
+              <a:lumMod val="60000"/>
+              <a:lumOff val="40000"/>
+              <a:alpha val="90000"/>
+            </a:schemeClr>
+          </a:solidFill>
+        </a:ln>
+      </dgm:spPr>
       <dgm:t>
         <a:bodyPr/>
         <a:lstStyle/>
@@ -3044,7 +3125,17 @@
     </dgm:pt>
     <dgm:pt modelId="{45DECF33-978A-48FE-A2BC-86DA50560E8E}">
       <dgm:prSet/>
-      <dgm:spPr/>
+      <dgm:spPr>
+        <a:ln>
+          <a:solidFill>
+            <a:schemeClr val="accent5">
+              <a:lumMod val="60000"/>
+              <a:lumOff val="40000"/>
+              <a:alpha val="90000"/>
+            </a:schemeClr>
+          </a:solidFill>
+        </a:ln>
+      </dgm:spPr>
       <dgm:t>
         <a:bodyPr/>
         <a:lstStyle/>
@@ -4833,13 +4924,10 @@
         </a:solidFill>
         <a:ln w="25400" cap="flat" cmpd="sng" algn="ctr">
           <a:solidFill>
-            <a:schemeClr val="accent1">
+            <a:schemeClr val="accent5">
+              <a:lumMod val="60000"/>
+              <a:lumOff val="40000"/>
               <a:alpha val="90000"/>
-              <a:tint val="40000"/>
-              <a:hueOff val="0"/>
-              <a:satOff val="0"/>
-              <a:lumOff val="0"/>
-              <a:alphaOff val="0"/>
             </a:schemeClr>
           </a:solidFill>
           <a:prstDash val="solid"/>
@@ -4969,7 +5057,7 @@
               <a:spcPct val="15000"/>
             </a:spcAft>
             <a:buFont typeface="Arial" panose="020B0604020202020204" pitchFamily="34" charset="0"/>
-            <a:buChar char="•"/>
+            <a:buNone/>
           </a:pPr>
           <a:endParaRPr lang="en-CA" sz="1500" kern="1200" dirty="0">
             <a:solidFill>
@@ -15570,6 +15658,7 @@
                 <a:solidFill>
                   <a:schemeClr val="tx1"/>
                 </a:solidFill>
+                <a:latin typeface="Average" panose="020B0604020202020204" charset="0"/>
               </a:rPr>
               <a:t>Being a person who has stroke , a person is smoking , a person with no physical activities , a person with kidney disease shows </a:t>
             </a:r>
@@ -15578,6 +15667,7 @@
                 <a:solidFill>
                   <a:srgbClr val="FFC000"/>
                 </a:solidFill>
+                <a:latin typeface="Average" panose="020B0604020202020204" charset="0"/>
               </a:rPr>
               <a:t>low positive correlation</a:t>
             </a:r>
@@ -15586,6 +15676,7 @@
                 <a:solidFill>
                   <a:schemeClr val="tx1"/>
                 </a:solidFill>
+                <a:latin typeface="Average" panose="020B0604020202020204" charset="0"/>
               </a:rPr>
               <a:t>.</a:t>
             </a:r>
@@ -15595,6 +15686,7 @@
               <a:solidFill>
                 <a:schemeClr val="tx1"/>
               </a:solidFill>
+              <a:latin typeface="Average" panose="020B0604020202020204" charset="0"/>
             </a:endParaRPr>
           </a:p>
           <a:p>
@@ -15603,6 +15695,7 @@
                 <a:solidFill>
                   <a:schemeClr val="tx1"/>
                 </a:solidFill>
+                <a:latin typeface="Average" panose="020B0604020202020204" charset="0"/>
               </a:rPr>
               <a:t>A person use alcohol shows </a:t>
             </a:r>
@@ -15611,6 +15704,7 @@
                 <a:solidFill>
                   <a:srgbClr val="FFC000"/>
                 </a:solidFill>
+                <a:latin typeface="Average" panose="020B0604020202020204" charset="0"/>
               </a:rPr>
               <a:t>very low negative correlation</a:t>
             </a:r>
@@ -15619,6 +15713,7 @@
                 <a:solidFill>
                   <a:schemeClr val="tx1"/>
                 </a:solidFill>
+                <a:latin typeface="Average" panose="020B0604020202020204" charset="0"/>
               </a:rPr>
               <a:t>.</a:t>
             </a:r>
@@ -15628,6 +15723,7 @@
               <a:solidFill>
                 <a:schemeClr val="tx1"/>
               </a:solidFill>
+              <a:latin typeface="Average" panose="020B0604020202020204" charset="0"/>
             </a:endParaRPr>
           </a:p>
           <a:p>
@@ -15636,6 +15732,7 @@
                 <a:solidFill>
                   <a:schemeClr val="tx1"/>
                 </a:solidFill>
+                <a:latin typeface="Average" panose="020B0604020202020204" charset="0"/>
               </a:rPr>
               <a:t>A person with skin cancer , a person with Asthma shows </a:t>
             </a:r>
@@ -15644,6 +15741,7 @@
                 <a:solidFill>
                   <a:srgbClr val="FFC000"/>
                 </a:solidFill>
+                <a:latin typeface="Average" panose="020B0604020202020204" charset="0"/>
               </a:rPr>
               <a:t>no correlation</a:t>
             </a:r>
@@ -16411,7 +16509,7 @@
                   <a:schemeClr val="tx1"/>
                 </a:solidFill>
                 <a:effectLst/>
-                <a:latin typeface="+mn-lt"/>
+                <a:latin typeface="Oswald" panose="00000500000000000000" pitchFamily="2" charset="0"/>
               </a:rPr>
               <a:t>Results</a:t>
             </a:r>
@@ -16708,7 +16806,7 @@
           <p:nvPr>
             <p:extLst>
               <p:ext uri="{D42A27DB-BD31-4B8C-83A1-F6EECF244321}">
-                <p14:modId xmlns:p14="http://schemas.microsoft.com/office/powerpoint/2010/main" val="474197789"/>
+                <p14:modId xmlns:p14="http://schemas.microsoft.com/office/powerpoint/2010/main" val="2171598403"/>
               </p:ext>
             </p:extLst>
           </p:nvPr>
@@ -16721,6 +16819,11 @@
           <a:graphicData uri="http://schemas.openxmlformats.org/drawingml/2006/table">
             <a:tbl>
               <a:tblPr firstRow="1" bandRow="1">
+                <a:effectLst>
+                  <a:innerShdw blurRad="114300">
+                    <a:prstClr val="black"/>
+                  </a:innerShdw>
+                </a:effectLst>
                 <a:tableStyleId>{5C22544A-7EE6-4342-B048-85BDC9FD1C3A}</a:tableStyleId>
               </a:tblPr>
               <a:tblGrid>
@@ -17603,7 +17706,7 @@
           <p:nvPr>
             <p:extLst>
               <p:ext uri="{D42A27DB-BD31-4B8C-83A1-F6EECF244321}">
-                <p14:modId xmlns:p14="http://schemas.microsoft.com/office/powerpoint/2010/main" val="183640208"/>
+                <p14:modId xmlns:p14="http://schemas.microsoft.com/office/powerpoint/2010/main" val="33744955"/>
               </p:ext>
             </p:extLst>
           </p:nvPr>
@@ -17616,6 +17719,11 @@
           <a:graphicData uri="http://schemas.openxmlformats.org/drawingml/2006/table">
             <a:tbl>
               <a:tblPr firstRow="1" bandRow="1">
+                <a:effectLst>
+                  <a:innerShdw blurRad="114300">
+                    <a:prstClr val="black"/>
+                  </a:innerShdw>
+                </a:effectLst>
                 <a:tableStyleId>{5C22544A-7EE6-4342-B048-85BDC9FD1C3A}</a:tableStyleId>
               </a:tblPr>
               <a:tblGrid>
@@ -18747,6 +18855,462 @@
   <p:cSld>
     <p:spTree>
       <p:nvGrpSpPr>
+        <p:cNvPr id="1" name=""/>
+        <p:cNvGrpSpPr/>
+        <p:nvPr/>
+      </p:nvGrpSpPr>
+      <p:grpSpPr>
+        <a:xfrm>
+          <a:off x="0" y="0"/>
+          <a:ext cx="0" cy="0"/>
+          <a:chOff x="0" y="0"/>
+          <a:chExt cx="0" cy="0"/>
+        </a:xfrm>
+      </p:grpSpPr>
+      <p:pic>
+        <p:nvPicPr>
+          <p:cNvPr id="2" name="Picture 1">
+            <a:extLst>
+              <a:ext uri="{FF2B5EF4-FFF2-40B4-BE49-F238E27FC236}">
+                <a16:creationId xmlns:a16="http://schemas.microsoft.com/office/drawing/2014/main" id="{3B42EEB4-7C0F-4457-BCAF-951F95805E38}"/>
+              </a:ext>
+            </a:extLst>
+          </p:cNvPr>
+          <p:cNvPicPr>
+            <a:picLocks noChangeAspect="1"/>
+          </p:cNvPicPr>
+          <p:nvPr/>
+        </p:nvPicPr>
+        <p:blipFill>
+          <a:blip r:embed="rId2"/>
+          <a:stretch>
+            <a:fillRect/>
+          </a:stretch>
+        </p:blipFill>
+        <p:spPr>
+          <a:xfrm>
+            <a:off x="944880" y="441960"/>
+            <a:ext cx="2545079" cy="2331719"/>
+          </a:xfrm>
+          <a:prstGeom prst="rect">
+            <a:avLst/>
+          </a:prstGeom>
+          <a:solidFill>
+            <a:schemeClr val="accent4">
+              <a:lumMod val="40000"/>
+              <a:lumOff val="60000"/>
+            </a:schemeClr>
+          </a:solidFill>
+          <a:ln>
+            <a:solidFill>
+              <a:srgbClr val="92D050"/>
+            </a:solidFill>
+          </a:ln>
+          <a:effectLst>
+            <a:innerShdw blurRad="114300">
+              <a:prstClr val="black"/>
+            </a:innerShdw>
+          </a:effectLst>
+        </p:spPr>
+      </p:pic>
+      <p:pic>
+        <p:nvPicPr>
+          <p:cNvPr id="4" name="Picture 3">
+            <a:extLst>
+              <a:ext uri="{FF2B5EF4-FFF2-40B4-BE49-F238E27FC236}">
+                <a16:creationId xmlns:a16="http://schemas.microsoft.com/office/drawing/2014/main" id="{A449E9C0-3B8F-47FB-91B4-F671E2CFAA7F}"/>
+              </a:ext>
+            </a:extLst>
+          </p:cNvPr>
+          <p:cNvPicPr>
+            <a:picLocks noChangeAspect="1"/>
+          </p:cNvPicPr>
+          <p:nvPr/>
+        </p:nvPicPr>
+        <p:blipFill>
+          <a:blip r:embed="rId3"/>
+          <a:stretch>
+            <a:fillRect/>
+          </a:stretch>
+        </p:blipFill>
+        <p:spPr>
+          <a:xfrm>
+            <a:off x="3978211" y="3246120"/>
+            <a:ext cx="1839953" cy="1657615"/>
+          </a:xfrm>
+          <a:prstGeom prst="rect">
+            <a:avLst/>
+          </a:prstGeom>
+          <a:ln>
+            <a:solidFill>
+              <a:srgbClr val="FF0000"/>
+            </a:solidFill>
+          </a:ln>
+          <a:effectLst>
+            <a:innerShdw blurRad="114300">
+              <a:prstClr val="black"/>
+            </a:innerShdw>
+          </a:effectLst>
+        </p:spPr>
+      </p:pic>
+      <p:sp>
+        <p:nvSpPr>
+          <p:cNvPr id="5" name="Speech Bubble: Oval 4">
+            <a:extLst>
+              <a:ext uri="{FF2B5EF4-FFF2-40B4-BE49-F238E27FC236}">
+                <a16:creationId xmlns:a16="http://schemas.microsoft.com/office/drawing/2014/main" id="{363BBEDF-1005-4A64-8725-0B3E3E3F548E}"/>
+              </a:ext>
+            </a:extLst>
+          </p:cNvPr>
+          <p:cNvSpPr/>
+          <p:nvPr/>
+        </p:nvSpPr>
+        <p:spPr>
+          <a:xfrm>
+            <a:off x="3962400" y="640080"/>
+            <a:ext cx="2042160" cy="2125980"/>
+          </a:xfrm>
+          <a:prstGeom prst="wedgeEllipseCallout">
+            <a:avLst/>
+          </a:prstGeom>
+          <a:solidFill>
+            <a:schemeClr val="accent6">
+              <a:lumMod val="90000"/>
+            </a:schemeClr>
+          </a:solidFill>
+          <a:ln>
+            <a:solidFill>
+              <a:schemeClr val="accent5">
+                <a:lumMod val="75000"/>
+              </a:schemeClr>
+            </a:solidFill>
+          </a:ln>
+          <a:effectLst>
+            <a:innerShdw blurRad="114300">
+              <a:prstClr val="black"/>
+            </a:innerShdw>
+          </a:effectLst>
+        </p:spPr>
+        <p:style>
+          <a:lnRef idx="2">
+            <a:schemeClr val="accent1">
+              <a:shade val="50000"/>
+            </a:schemeClr>
+          </a:lnRef>
+          <a:fillRef idx="1">
+            <a:schemeClr val="accent1"/>
+          </a:fillRef>
+          <a:effectRef idx="0">
+            <a:schemeClr val="accent1"/>
+          </a:effectRef>
+          <a:fontRef idx="minor">
+            <a:schemeClr val="lt1"/>
+          </a:fontRef>
+        </p:style>
+        <p:txBody>
+          <a:bodyPr rtlCol="0" anchor="ctr"/>
+          <a:lstStyle/>
+          <a:p>
+            <a:pPr algn="ctr"/>
+            <a:r>
+              <a:rPr lang="en-CA" b="1" dirty="0"/>
+              <a:t>Best fit</a:t>
+            </a:r>
+            <a:r>
+              <a:rPr lang="en-CA" dirty="0"/>
+              <a:t> </a:t>
+            </a:r>
+            <a:r>
+              <a:rPr lang="en-CA" b="1" dirty="0"/>
+              <a:t>for </a:t>
+            </a:r>
+          </a:p>
+          <a:p>
+            <a:pPr algn="ctr"/>
+            <a:r>
+              <a:rPr lang="en-CA" b="1" dirty="0"/>
+              <a:t>Our Analysis </a:t>
+            </a:r>
+          </a:p>
+          <a:p>
+            <a:pPr algn="ctr"/>
+            <a:endParaRPr lang="en-CA" dirty="0"/>
+          </a:p>
+        </p:txBody>
+      </p:sp>
+      <p:sp>
+        <p:nvSpPr>
+          <p:cNvPr id="6" name="Lightning Bolt 5">
+            <a:extLst>
+              <a:ext uri="{FF2B5EF4-FFF2-40B4-BE49-F238E27FC236}">
+                <a16:creationId xmlns:a16="http://schemas.microsoft.com/office/drawing/2014/main" id="{316B3614-1BAC-4858-AB0F-864CAADA2E98}"/>
+              </a:ext>
+            </a:extLst>
+          </p:cNvPr>
+          <p:cNvSpPr/>
+          <p:nvPr/>
+        </p:nvSpPr>
+        <p:spPr>
+          <a:xfrm rot="10597409">
+            <a:off x="2827021" y="2834640"/>
+            <a:ext cx="914400" cy="914400"/>
+          </a:xfrm>
+          <a:prstGeom prst="lightningBolt">
+            <a:avLst/>
+          </a:prstGeom>
+          <a:solidFill>
+            <a:srgbClr val="FFC000"/>
+          </a:solidFill>
+        </p:spPr>
+        <p:style>
+          <a:lnRef idx="2">
+            <a:schemeClr val="accent1">
+              <a:shade val="50000"/>
+            </a:schemeClr>
+          </a:lnRef>
+          <a:fillRef idx="1">
+            <a:schemeClr val="accent1"/>
+          </a:fillRef>
+          <a:effectRef idx="0">
+            <a:schemeClr val="accent1"/>
+          </a:effectRef>
+          <a:fontRef idx="minor">
+            <a:schemeClr val="lt1"/>
+          </a:fontRef>
+        </p:style>
+        <p:txBody>
+          <a:bodyPr rtlCol="0" anchor="ctr"/>
+          <a:lstStyle/>
+          <a:p>
+            <a:pPr algn="ctr"/>
+            <a:endParaRPr lang="en-CA"/>
+          </a:p>
+        </p:txBody>
+      </p:sp>
+      <p:sp>
+        <p:nvSpPr>
+          <p:cNvPr id="7" name="Speech Bubble: Oval 6">
+            <a:extLst>
+              <a:ext uri="{FF2B5EF4-FFF2-40B4-BE49-F238E27FC236}">
+                <a16:creationId xmlns:a16="http://schemas.microsoft.com/office/drawing/2014/main" id="{CD06ED1D-3B46-4B14-A0C8-4902C6116AB0}"/>
+              </a:ext>
+            </a:extLst>
+          </p:cNvPr>
+          <p:cNvSpPr/>
+          <p:nvPr/>
+        </p:nvSpPr>
+        <p:spPr>
+          <a:xfrm rot="1640939">
+            <a:off x="6394078" y="1020421"/>
+            <a:ext cx="1656824" cy="1582609"/>
+          </a:xfrm>
+          <a:prstGeom prst="wedgeEllipseCallout">
+            <a:avLst>
+              <a:gd name="adj1" fmla="val -25693"/>
+              <a:gd name="adj2" fmla="val 84104"/>
+            </a:avLst>
+          </a:prstGeom>
+          <a:solidFill>
+            <a:schemeClr val="accent5">
+              <a:lumMod val="40000"/>
+              <a:lumOff val="60000"/>
+            </a:schemeClr>
+          </a:solidFill>
+          <a:ln>
+            <a:solidFill>
+              <a:srgbClr val="FFC000"/>
+            </a:solidFill>
+          </a:ln>
+          <a:effectLst>
+            <a:innerShdw blurRad="114300">
+              <a:prstClr val="black"/>
+            </a:innerShdw>
+          </a:effectLst>
+        </p:spPr>
+        <p:style>
+          <a:lnRef idx="2">
+            <a:schemeClr val="accent1">
+              <a:shade val="50000"/>
+            </a:schemeClr>
+          </a:lnRef>
+          <a:fillRef idx="1">
+            <a:schemeClr val="accent1"/>
+          </a:fillRef>
+          <a:effectRef idx="0">
+            <a:schemeClr val="accent1"/>
+          </a:effectRef>
+          <a:fontRef idx="minor">
+            <a:schemeClr val="lt1"/>
+          </a:fontRef>
+        </p:style>
+        <p:txBody>
+          <a:bodyPr rtlCol="0" anchor="ctr"/>
+          <a:lstStyle/>
+          <a:p>
+            <a:pPr algn="ctr"/>
+            <a:r>
+              <a:rPr lang="en-CA" b="1" dirty="0"/>
+              <a:t>Correct Imbalance</a:t>
+            </a:r>
+          </a:p>
+        </p:txBody>
+      </p:sp>
+      <p:sp>
+        <p:nvSpPr>
+          <p:cNvPr id="8" name="Speech Bubble: Oval 7">
+            <a:extLst>
+              <a:ext uri="{FF2B5EF4-FFF2-40B4-BE49-F238E27FC236}">
+                <a16:creationId xmlns:a16="http://schemas.microsoft.com/office/drawing/2014/main" id="{F7B72C05-5ED5-4A14-90E6-29611311468F}"/>
+              </a:ext>
+            </a:extLst>
+          </p:cNvPr>
+          <p:cNvSpPr/>
+          <p:nvPr/>
+        </p:nvSpPr>
+        <p:spPr>
+          <a:xfrm rot="2804593">
+            <a:off x="6687887" y="2713387"/>
+            <a:ext cx="2245023" cy="1952275"/>
+          </a:xfrm>
+          <a:prstGeom prst="wedgeEllipseCallout">
+            <a:avLst>
+              <a:gd name="adj1" fmla="val -36078"/>
+              <a:gd name="adj2" fmla="val 76846"/>
+            </a:avLst>
+          </a:prstGeom>
+          <a:solidFill>
+            <a:schemeClr val="accent4">
+              <a:lumMod val="20000"/>
+              <a:lumOff val="80000"/>
+            </a:schemeClr>
+          </a:solidFill>
+          <a:ln>
+            <a:solidFill>
+              <a:srgbClr val="FFC000"/>
+            </a:solidFill>
+          </a:ln>
+          <a:effectLst>
+            <a:innerShdw blurRad="114300">
+              <a:prstClr val="black"/>
+            </a:innerShdw>
+          </a:effectLst>
+        </p:spPr>
+        <p:style>
+          <a:lnRef idx="2">
+            <a:schemeClr val="accent1">
+              <a:shade val="50000"/>
+            </a:schemeClr>
+          </a:lnRef>
+          <a:fillRef idx="1">
+            <a:schemeClr val="accent1"/>
+          </a:fillRef>
+          <a:effectRef idx="0">
+            <a:schemeClr val="accent1"/>
+          </a:effectRef>
+          <a:fontRef idx="minor">
+            <a:schemeClr val="lt1"/>
+          </a:fontRef>
+        </p:style>
+        <p:txBody>
+          <a:bodyPr rtlCol="0" anchor="ctr"/>
+          <a:lstStyle/>
+          <a:p>
+            <a:pPr algn="ctr"/>
+            <a:r>
+              <a:rPr lang="en-CA" b="1" dirty="0"/>
+              <a:t>Hyperparameter Optimization</a:t>
+            </a:r>
+          </a:p>
+        </p:txBody>
+      </p:sp>
+      <p:sp>
+        <p:nvSpPr>
+          <p:cNvPr id="9" name="Speech Bubble: Oval 8">
+            <a:extLst>
+              <a:ext uri="{FF2B5EF4-FFF2-40B4-BE49-F238E27FC236}">
+                <a16:creationId xmlns:a16="http://schemas.microsoft.com/office/drawing/2014/main" id="{4C132CFD-980A-41C7-8E5C-1E3C95128DB8}"/>
+              </a:ext>
+            </a:extLst>
+          </p:cNvPr>
+          <p:cNvSpPr/>
+          <p:nvPr/>
+        </p:nvSpPr>
+        <p:spPr>
+          <a:xfrm rot="19990031">
+            <a:off x="1247415" y="3034254"/>
+            <a:ext cx="1639893" cy="2085515"/>
+          </a:xfrm>
+          <a:prstGeom prst="wedgeEllipseCallout">
+            <a:avLst>
+              <a:gd name="adj1" fmla="val 78862"/>
+              <a:gd name="adj2" fmla="val 45461"/>
+            </a:avLst>
+          </a:prstGeom>
+          <a:solidFill>
+            <a:schemeClr val="bg1">
+              <a:lumMod val="40000"/>
+              <a:lumOff val="60000"/>
+            </a:schemeClr>
+          </a:solidFill>
+          <a:ln>
+            <a:solidFill>
+              <a:schemeClr val="accent5">
+                <a:lumMod val="75000"/>
+              </a:schemeClr>
+            </a:solidFill>
+          </a:ln>
+          <a:effectLst>
+            <a:innerShdw blurRad="114300">
+              <a:prstClr val="black"/>
+            </a:innerShdw>
+          </a:effectLst>
+        </p:spPr>
+        <p:style>
+          <a:lnRef idx="2">
+            <a:schemeClr val="accent1">
+              <a:shade val="50000"/>
+            </a:schemeClr>
+          </a:lnRef>
+          <a:fillRef idx="1">
+            <a:schemeClr val="accent1"/>
+          </a:fillRef>
+          <a:effectRef idx="0">
+            <a:schemeClr val="accent1"/>
+          </a:effectRef>
+          <a:fontRef idx="minor">
+            <a:schemeClr val="lt1"/>
+          </a:fontRef>
+        </p:style>
+        <p:txBody>
+          <a:bodyPr rtlCol="0" anchor="ctr"/>
+          <a:lstStyle/>
+          <a:p>
+            <a:pPr algn="ctr"/>
+            <a:r>
+              <a:rPr lang="en-CA" b="1" dirty="0"/>
+              <a:t>Feature Selection </a:t>
+            </a:r>
+          </a:p>
+        </p:txBody>
+      </p:sp>
+    </p:spTree>
+    <p:extLst>
+      <p:ext uri="{BB962C8B-B14F-4D97-AF65-F5344CB8AC3E}">
+        <p14:creationId xmlns:p14="http://schemas.microsoft.com/office/powerpoint/2010/main" val="3298130087"/>
+      </p:ext>
+    </p:extLst>
+  </p:cSld>
+  <p:clrMapOvr>
+    <a:masterClrMapping/>
+  </p:clrMapOvr>
+</p:sld>
+</file>
+
+<file path=ppt/slides/slide21.xml><?xml version="1.0" encoding="utf-8"?>
+<p:sld xmlns:a="http://schemas.openxmlformats.org/drawingml/2006/main" xmlns:r="http://schemas.openxmlformats.org/officeDocument/2006/relationships" xmlns:p="http://schemas.openxmlformats.org/presentationml/2006/main">
+  <p:cSld>
+    <p:spTree>
+      <p:nvGrpSpPr>
         <p:cNvPr id="1" name="Shape 71"/>
         <p:cNvGrpSpPr/>
         <p:nvPr/>
@@ -18882,7 +19446,7 @@
 </p:sld>
 </file>
 
-<file path=ppt/slides/slide21.xml><?xml version="1.0" encoding="utf-8"?>
+<file path=ppt/slides/slide22.xml><?xml version="1.0" encoding="utf-8"?>
 <p:sld xmlns:a="http://schemas.openxmlformats.org/drawingml/2006/main" xmlns:r="http://schemas.openxmlformats.org/officeDocument/2006/relationships" xmlns:p="http://schemas.openxmlformats.org/presentationml/2006/main">
   <p:cSld>
     <p:spTree>
@@ -18984,6 +19548,16 @@
           <a:prstGeom prst="rect">
             <a:avLst/>
           </a:prstGeom>
+          <a:ln>
+            <a:solidFill>
+              <a:srgbClr val="FF0000"/>
+            </a:solidFill>
+          </a:ln>
+          <a:effectLst>
+            <a:innerShdw blurRad="114300">
+              <a:prstClr val="black"/>
+            </a:innerShdw>
+          </a:effectLst>
         </p:spPr>
       </p:pic>
       <p:sp>
@@ -19012,6 +19586,18 @@
               <a:lumOff val="60000"/>
             </a:schemeClr>
           </a:solidFill>
+          <a:ln>
+            <a:solidFill>
+              <a:schemeClr val="accent5">
+                <a:lumMod val="75000"/>
+              </a:schemeClr>
+            </a:solidFill>
+          </a:ln>
+          <a:effectLst>
+            <a:innerShdw blurRad="114300">
+              <a:prstClr val="black"/>
+            </a:innerShdw>
+          </a:effectLst>
         </p:spPr>
         <p:style>
           <a:lnRef idx="2">
@@ -19062,7 +19648,7 @@
 </p:sld>
 </file>
 
-<file path=ppt/slides/slide22.xml><?xml version="1.0" encoding="utf-8"?>
+<file path=ppt/slides/slide23.xml><?xml version="1.0" encoding="utf-8"?>
 <p:sld xmlns:a="http://schemas.openxmlformats.org/drawingml/2006/main" xmlns:r="http://schemas.openxmlformats.org/officeDocument/2006/relationships" xmlns:p="http://schemas.openxmlformats.org/presentationml/2006/main">
   <p:cSld>
     <p:spTree>
@@ -19141,6 +19727,11 @@
             <a:off x="311700" y="1310639"/>
             <a:ext cx="8520600" cy="3258235"/>
           </a:xfrm>
+          <a:ln>
+            <a:solidFill>
+              <a:srgbClr val="FFC000"/>
+            </a:solidFill>
+          </a:ln>
         </p:spPr>
         <p:txBody>
           <a:bodyPr/>
@@ -19205,9 +19796,8 @@
             </a:r>
           </a:p>
           <a:p>
-            <a:pPr>
-              <a:buFont typeface="Wingdings" panose="05000000000000000000" pitchFamily="2" charset="2"/>
-              <a:buChar char="ü"/>
+            <a:pPr marL="114300" indent="0">
+              <a:buNone/>
             </a:pPr>
             <a:endParaRPr lang="en-CA" dirty="0"/>
           </a:p>
@@ -19226,7 +19816,7 @@
 </p:sld>
 </file>
 
-<file path=ppt/slides/slide23.xml><?xml version="1.0" encoding="utf-8"?>
+<file path=ppt/slides/slide24.xml><?xml version="1.0" encoding="utf-8"?>
 <p:sld xmlns:a="http://schemas.openxmlformats.org/drawingml/2006/main" xmlns:r="http://schemas.openxmlformats.org/officeDocument/2006/relationships" xmlns:p="http://schemas.openxmlformats.org/presentationml/2006/main">
   <p:cSld>
     <p:spTree>
@@ -19366,7 +19956,7 @@
 </p:sld>
 </file>
 
-<file path=ppt/slides/slide24.xml><?xml version="1.0" encoding="utf-8"?>
+<file path=ppt/slides/slide25.xml><?xml version="1.0" encoding="utf-8"?>
 <p:sld xmlns:a="http://schemas.openxmlformats.org/drawingml/2006/main" xmlns:r="http://schemas.openxmlformats.org/officeDocument/2006/relationships" xmlns:p="http://schemas.openxmlformats.org/presentationml/2006/main">
   <p:cSld>
     <p:spTree>
@@ -19536,7 +20126,7 @@
 </p:sld>
 </file>
 
-<file path=ppt/slides/slide25.xml><?xml version="1.0" encoding="utf-8"?>
+<file path=ppt/slides/slide26.xml><?xml version="1.0" encoding="utf-8"?>
 <p:sld xmlns:a="http://schemas.openxmlformats.org/drawingml/2006/main" xmlns:r="http://schemas.openxmlformats.org/officeDocument/2006/relationships" xmlns:p="http://schemas.openxmlformats.org/presentationml/2006/main">
   <p:cSld>
     <p:spTree>
@@ -20119,7 +20709,7 @@
 </p:sld>
 </file>
 
-<file path=ppt/slides/slide26.xml><?xml version="1.0" encoding="utf-8"?>
+<file path=ppt/slides/slide27.xml><?xml version="1.0" encoding="utf-8"?>
 <p:sld xmlns:a="http://schemas.openxmlformats.org/drawingml/2006/main" xmlns:r="http://schemas.openxmlformats.org/officeDocument/2006/relationships" xmlns:p="http://schemas.openxmlformats.org/presentationml/2006/main">
   <p:cSld>
     <p:spTree>
@@ -22096,7 +22686,7 @@
             </a:pPr>
             <a:r>
               <a:rPr lang="en" dirty="0"/>
-              <a:t>Analytical Questions </a:t>
+              <a:t>Questions To Be Answered..</a:t>
             </a:r>
             <a:endParaRPr dirty="0"/>
           </a:p>
@@ -22262,7 +22852,7 @@
           <p:nvPr>
             <p:extLst>
               <p:ext uri="{D42A27DB-BD31-4B8C-83A1-F6EECF244321}">
-                <p14:modId xmlns:p14="http://schemas.microsoft.com/office/powerpoint/2010/main" val="4044473944"/>
+                <p14:modId xmlns:p14="http://schemas.microsoft.com/office/powerpoint/2010/main" val="3085560099"/>
               </p:ext>
             </p:extLst>
           </p:nvPr>

--- a/Final Project - Group 7.pptx
+++ b/Final Project - Group 7.pptx
@@ -1917,7 +1917,7 @@
       </dgm:t>
     </dgm:pt>
     <dgm:pt modelId="{E904B6EC-5E74-4D4E-8778-6C7A518260C0}">
-      <dgm:prSet phldrT="[Text]"/>
+      <dgm:prSet phldrT="[Text]" custT="1"/>
       <dgm:spPr>
         <a:solidFill>
           <a:schemeClr val="accent6">
@@ -1931,12 +1931,13 @@
         <a:lstStyle/>
         <a:p>
           <a:r>
-            <a:rPr lang="en-CA" dirty="0">
+            <a:rPr lang="en-CA" sz="1600" dirty="0">
               <a:solidFill>
                 <a:schemeClr val="bg1">
                   <a:lumMod val="50000"/>
                 </a:schemeClr>
               </a:solidFill>
+              <a:latin typeface="Average" panose="020B0604020202020204" charset="0"/>
             </a:rPr>
             <a:t>Importing libraries and files  for exploratory data analysis</a:t>
           </a:r>
@@ -2030,6 +2031,7 @@
                 <a:lumMod val="50000"/>
               </a:schemeClr>
             </a:solidFill>
+            <a:latin typeface="Average" panose="020B0604020202020204" charset="0"/>
           </a:endParaRPr>
         </a:p>
       </dgm:t>
@@ -2155,7 +2157,7 @@
       </dgm:t>
     </dgm:pt>
     <dgm:pt modelId="{F54F40D9-2775-41C7-AB52-B326FB48DA1F}">
-      <dgm:prSet/>
+      <dgm:prSet custT="1"/>
       <dgm:spPr>
         <a:solidFill>
           <a:schemeClr val="accent6">
@@ -2168,12 +2170,13 @@
         <a:bodyPr/>
         <a:lstStyle/>
         <a:p>
-          <a:endParaRPr lang="en-CA" dirty="0">
+          <a:endParaRPr lang="en-CA" sz="1600" dirty="0">
             <a:solidFill>
               <a:schemeClr val="bg1">
                 <a:lumMod val="50000"/>
               </a:schemeClr>
             </a:solidFill>
+            <a:latin typeface="Average" panose="020B0604020202020204" charset="0"/>
           </a:endParaRPr>
         </a:p>
       </dgm:t>
@@ -2201,7 +2204,7 @@
       </dgm:t>
     </dgm:pt>
     <dgm:pt modelId="{9612191B-9A9E-43F4-AF51-A8226C0BDCE5}">
-      <dgm:prSet/>
+      <dgm:prSet custT="1"/>
       <dgm:spPr>
         <a:solidFill>
           <a:schemeClr val="accent6">
@@ -2215,12 +2218,13 @@
         <a:lstStyle/>
         <a:p>
           <a:r>
-            <a:rPr lang="en-CA" dirty="0">
+            <a:rPr lang="en-CA" sz="1600" dirty="0">
               <a:solidFill>
                 <a:schemeClr val="bg1">
                   <a:lumMod val="50000"/>
                 </a:schemeClr>
               </a:solidFill>
+              <a:latin typeface="Average" panose="020B0604020202020204" charset="0"/>
             </a:rPr>
             <a:t>Creating data frame and checking  number of columns and rows.</a:t>
           </a:r>
@@ -2267,6 +2271,7 @@
                   <a:lumMod val="50000"/>
                 </a:schemeClr>
               </a:solidFill>
+              <a:latin typeface="Average" panose="020B0604020202020204" charset="0"/>
             </a:rPr>
             <a:t>Checking the data types.</a:t>
           </a:r>
@@ -2312,6 +2317,7 @@
                 <a:lumMod val="50000"/>
               </a:schemeClr>
             </a:solidFill>
+            <a:latin typeface="Average" panose="020B0604020202020204" charset="0"/>
           </a:endParaRPr>
         </a:p>
       </dgm:t>
@@ -2356,6 +2362,7 @@
                   <a:lumMod val="50000"/>
                 </a:schemeClr>
               </a:solidFill>
+              <a:latin typeface="Average" panose="020B0604020202020204" charset="0"/>
             </a:rPr>
             <a:t>Checking the data characters mistakes.</a:t>
           </a:r>
@@ -2401,6 +2408,7 @@
                 <a:lumMod val="50000"/>
               </a:schemeClr>
             </a:solidFill>
+            <a:latin typeface="Average" panose="020B0604020202020204" charset="0"/>
           </a:endParaRPr>
         </a:p>
       </dgm:t>
@@ -2445,6 +2453,7 @@
                   <a:lumMod val="50000"/>
                 </a:schemeClr>
               </a:solidFill>
+              <a:latin typeface="Average" panose="020B0604020202020204" charset="0"/>
             </a:rPr>
             <a:t>Checking the null values.</a:t>
           </a:r>
@@ -2490,6 +2499,7 @@
                 <a:lumMod val="50000"/>
               </a:schemeClr>
             </a:solidFill>
+            <a:latin typeface="Average" panose="020B0604020202020204" charset="0"/>
           </a:endParaRPr>
         </a:p>
       </dgm:t>
@@ -2534,6 +2544,7 @@
                   <a:lumMod val="50000"/>
                 </a:schemeClr>
               </a:solidFill>
+              <a:latin typeface="Average" panose="020B0604020202020204" charset="0"/>
             </a:rPr>
             <a:t>Checking and removing the duplicates.</a:t>
           </a:r>
@@ -2579,6 +2590,7 @@
                 <a:lumMod val="50000"/>
               </a:schemeClr>
             </a:solidFill>
+            <a:latin typeface="Average" panose="020B0604020202020204" charset="0"/>
           </a:endParaRPr>
         </a:p>
       </dgm:t>
@@ -2623,6 +2635,7 @@
                   <a:lumMod val="50000"/>
                 </a:schemeClr>
               </a:solidFill>
+              <a:latin typeface="Average" panose="020B0604020202020204" charset="0"/>
             </a:rPr>
             <a:t>Transforming the target variable.</a:t>
           </a:r>
@@ -2695,7 +2708,7 @@
       </dgm:t>
     </dgm:pt>
     <dgm:pt modelId="{52979EB2-3D17-4F79-AAF5-4D3316AB81E7}">
-      <dgm:prSet phldrT="[Text]"/>
+      <dgm:prSet phldrT="[Text]" custT="1"/>
       <dgm:spPr>
         <a:solidFill>
           <a:schemeClr val="accent6">
@@ -2708,7 +2721,7 @@
         <a:bodyPr/>
         <a:lstStyle/>
         <a:p>
-          <a:endParaRPr lang="en-CA" dirty="0">
+          <a:endParaRPr lang="en-CA" sz="1600" dirty="0">
             <a:solidFill>
               <a:schemeClr val="bg1">
                 <a:lumMod val="50000"/>
@@ -2768,6 +2781,7 @@
                   <a:lumMod val="50000"/>
                 </a:schemeClr>
               </a:solidFill>
+              <a:latin typeface="Average" panose="020B0604020202020204" charset="0"/>
             </a:rPr>
             <a:t>Loading data </a:t>
           </a:r>
@@ -2823,6 +2837,7 @@
                 <a:lumMod val="50000"/>
               </a:schemeClr>
             </a:solidFill>
+            <a:latin typeface="Average" panose="020B0604020202020204" charset="0"/>
           </a:endParaRPr>
         </a:p>
       </dgm:t>
@@ -2877,6 +2892,7 @@
                   <a:lumMod val="50000"/>
                 </a:schemeClr>
               </a:solidFill>
+              <a:latin typeface="Average" panose="020B0604020202020204" charset="0"/>
             </a:rPr>
             <a:t>Target variable visualization</a:t>
           </a:r>
@@ -2932,6 +2948,7 @@
                 <a:lumMod val="50000"/>
               </a:schemeClr>
             </a:solidFill>
+            <a:latin typeface="Average" panose="020B0604020202020204" charset="0"/>
           </a:endParaRPr>
         </a:p>
       </dgm:t>
@@ -2986,6 +3003,7 @@
                   <a:lumMod val="50000"/>
                 </a:schemeClr>
               </a:solidFill>
+              <a:latin typeface="Average" panose="020B0604020202020204" charset="0"/>
             </a:rPr>
             <a:t>Other variable against target variable visualizations.</a:t>
           </a:r>
@@ -3041,6 +3059,7 @@
                 <a:lumMod val="50000"/>
               </a:schemeClr>
             </a:solidFill>
+            <a:latin typeface="Average" panose="020B0604020202020204" charset="0"/>
           </a:endParaRPr>
         </a:p>
       </dgm:t>
@@ -3095,6 +3114,7 @@
                   <a:lumMod val="50000"/>
                 </a:schemeClr>
               </a:solidFill>
+              <a:latin typeface="Average" panose="020B0604020202020204" charset="0"/>
             </a:rPr>
             <a:t>Correlation Visualization. </a:t>
           </a:r>
@@ -3487,47 +3507,7 @@
                 </a:schemeClr>
               </a:solidFill>
             </a:rPr>
-            <a:t>Smoking, </a:t>
-          </a:r>
-          <a:r>
-            <a:rPr lang="en-CA" sz="1600" dirty="0" err="1">
-              <a:solidFill>
-                <a:schemeClr val="bg1">
-                  <a:lumMod val="50000"/>
-                </a:schemeClr>
-              </a:solidFill>
-            </a:rPr>
-            <a:t>AlcoholDrinking</a:t>
-          </a:r>
-          <a:r>
-            <a:rPr lang="en-CA" sz="1600" dirty="0">
-              <a:solidFill>
-                <a:schemeClr val="bg1">
-                  <a:lumMod val="50000"/>
-                </a:schemeClr>
-              </a:solidFill>
-            </a:rPr>
-            <a:t>, Stroke, Sex, </a:t>
-          </a:r>
-          <a:r>
-            <a:rPr lang="en-CA" sz="1600" dirty="0" err="1">
-              <a:solidFill>
-                <a:schemeClr val="bg1">
-                  <a:lumMod val="50000"/>
-                </a:schemeClr>
-              </a:solidFill>
-            </a:rPr>
-            <a:t>PhysicalActivity</a:t>
-          </a:r>
-          <a:r>
-            <a:rPr lang="en-CA" sz="1600" dirty="0">
-              <a:solidFill>
-                <a:schemeClr val="bg1">
-                  <a:lumMod val="50000"/>
-                </a:schemeClr>
-              </a:solidFill>
-            </a:rPr>
-            <a:t>, </a:t>
+            <a:t>Smoking, AlcoholDrinking, Stroke, Sex, PhysicalActivity, </a:t>
           </a:r>
         </a:p>
         <a:p>
@@ -3543,65 +3523,8 @@
                 </a:schemeClr>
               </a:solidFill>
             </a:rPr>
-            <a:t>Asthma, </a:t>
+            <a:t>Asthma, KidneyDisease, SkinCancer, Diffwalking</a:t>
           </a:r>
-          <a:r>
-            <a:rPr lang="en-CA" sz="1600" dirty="0" err="1">
-              <a:solidFill>
-                <a:schemeClr val="bg1">
-                  <a:lumMod val="50000"/>
-                </a:schemeClr>
-              </a:solidFill>
-            </a:rPr>
-            <a:t>KidneyDisease</a:t>
-          </a:r>
-          <a:r>
-            <a:rPr lang="en-CA" sz="1600" dirty="0">
-              <a:solidFill>
-                <a:schemeClr val="bg1">
-                  <a:lumMod val="50000"/>
-                </a:schemeClr>
-              </a:solidFill>
-            </a:rPr>
-            <a:t>, </a:t>
-          </a:r>
-          <a:r>
-            <a:rPr lang="en-CA" sz="1600" dirty="0" err="1">
-              <a:solidFill>
-                <a:schemeClr val="bg1">
-                  <a:lumMod val="50000"/>
-                </a:schemeClr>
-              </a:solidFill>
-            </a:rPr>
-            <a:t>SkinCancer</a:t>
-          </a:r>
-          <a:r>
-            <a:rPr lang="en-CA" sz="1600" dirty="0">
-              <a:solidFill>
-                <a:schemeClr val="bg1">
-                  <a:lumMod val="50000"/>
-                </a:schemeClr>
-              </a:solidFill>
-            </a:rPr>
-            <a:t>, </a:t>
-          </a:r>
-          <a:r>
-            <a:rPr lang="en-CA" sz="1600" dirty="0" err="1">
-              <a:solidFill>
-                <a:schemeClr val="bg1">
-                  <a:lumMod val="50000"/>
-                </a:schemeClr>
-              </a:solidFill>
-            </a:rPr>
-            <a:t>Diffwalking</a:t>
-          </a:r>
-          <a:endParaRPr lang="en-CA" sz="1600" dirty="0">
-            <a:solidFill>
-              <a:schemeClr val="bg1">
-                <a:lumMod val="50000"/>
-              </a:schemeClr>
-            </a:solidFill>
-          </a:endParaRPr>
         </a:p>
       </dgm:t>
     </dgm:pt>
@@ -3658,18 +3581,10 @@
                 </a:schemeClr>
               </a:solidFill>
             </a:rPr>
-            <a:t>BMI, </a:t>
+            <a:t>BMI, PhysicalHealth,</a:t>
           </a:r>
-          <a:r>
-            <a:rPr lang="en-CA" sz="1600" b="0" dirty="0" err="1">
-              <a:solidFill>
-                <a:schemeClr val="bg1">
-                  <a:lumMod val="50000"/>
-                </a:schemeClr>
-              </a:solidFill>
-            </a:rPr>
-            <a:t>PhysicalHealth</a:t>
-          </a:r>
+        </a:p>
+        <a:p>
           <a:r>
             <a:rPr lang="en-CA" sz="1600" b="0" dirty="0">
               <a:solidFill>
@@ -3678,20 +3593,10 @@
                 </a:schemeClr>
               </a:solidFill>
             </a:rPr>
-            <a:t>,</a:t>
+            <a:t>MentalHealth,</a:t>
           </a:r>
         </a:p>
         <a:p>
-          <a:r>
-            <a:rPr lang="en-CA" sz="1600" b="0" dirty="0" err="1">
-              <a:solidFill>
-                <a:schemeClr val="bg1">
-                  <a:lumMod val="50000"/>
-                </a:schemeClr>
-              </a:solidFill>
-            </a:rPr>
-            <a:t>MentalHealth</a:t>
-          </a:r>
           <a:r>
             <a:rPr lang="en-CA" sz="1600" b="0" dirty="0">
               <a:solidFill>
@@ -3700,20 +3605,10 @@
                 </a:schemeClr>
               </a:solidFill>
             </a:rPr>
-            <a:t>,</a:t>
+            <a:t>AgeCategory,</a:t>
           </a:r>
         </a:p>
         <a:p>
-          <a:r>
-            <a:rPr lang="en-CA" sz="1600" b="0" dirty="0" err="1">
-              <a:solidFill>
-                <a:schemeClr val="bg1">
-                  <a:lumMod val="50000"/>
-                </a:schemeClr>
-              </a:solidFill>
-            </a:rPr>
-            <a:t>AgeCategory</a:t>
-          </a:r>
           <a:r>
             <a:rPr lang="en-CA" sz="1600" b="0" dirty="0">
               <a:solidFill>
@@ -3722,29 +3617,7 @@
                 </a:schemeClr>
               </a:solidFill>
             </a:rPr>
-            <a:t>,</a:t>
-          </a:r>
-        </a:p>
-        <a:p>
-          <a:r>
-            <a:rPr lang="en-CA" sz="1600" b="0" dirty="0" err="1">
-              <a:solidFill>
-                <a:schemeClr val="bg1">
-                  <a:lumMod val="50000"/>
-                </a:schemeClr>
-              </a:solidFill>
-            </a:rPr>
-            <a:t>GeneralHealth</a:t>
-          </a:r>
-          <a:r>
-            <a:rPr lang="en-CA" sz="1600" b="0" dirty="0">
-              <a:solidFill>
-                <a:schemeClr val="bg1">
-                  <a:lumMod val="50000"/>
-                </a:schemeClr>
-              </a:solidFill>
-            </a:rPr>
-            <a:t>,</a:t>
+            <a:t>GeneralHealth,</a:t>
           </a:r>
         </a:p>
         <a:p>
@@ -3761,16 +3634,6 @@
         </a:p>
         <a:p>
           <a:r>
-            <a:rPr lang="en-CA" sz="1600" b="0" dirty="0" err="1">
-              <a:solidFill>
-                <a:schemeClr val="bg1">
-                  <a:lumMod val="50000"/>
-                </a:schemeClr>
-              </a:solidFill>
-            </a:rPr>
-            <a:t>Sleeptime</a:t>
-          </a:r>
-          <a:r>
             <a:rPr lang="en-CA" sz="1600" b="0" dirty="0">
               <a:solidFill>
                 <a:schemeClr val="bg1">
@@ -3778,7 +3641,7 @@
                 </a:schemeClr>
               </a:solidFill>
             </a:rPr>
-            <a:t>, Race</a:t>
+            <a:t>Sleeptime, Race</a:t>
           </a:r>
         </a:p>
         <a:p>
@@ -4206,8 +4069,8 @@
       </dsp:nvSpPr>
       <dsp:spPr>
         <a:xfrm>
-          <a:off x="2662" y="248329"/>
-          <a:ext cx="2596422" cy="526776"/>
+          <a:off x="2662" y="48832"/>
+          <a:ext cx="2596422" cy="551076"/>
         </a:xfrm>
         <a:prstGeom prst="rect">
           <a:avLst/>
@@ -4248,12 +4111,12 @@
         </a:fontRef>
       </dsp:style>
       <dsp:txBody>
-        <a:bodyPr spcFirstLastPara="0" vert="horz" wrap="square" lIns="106680" tIns="60960" rIns="106680" bIns="60960" numCol="1" spcCol="1270" anchor="ctr" anchorCtr="0">
+        <a:bodyPr spcFirstLastPara="0" vert="horz" wrap="square" lIns="113792" tIns="65024" rIns="113792" bIns="65024" numCol="1" spcCol="1270" anchor="ctr" anchorCtr="0">
           <a:noAutofit/>
         </a:bodyPr>
         <a:lstStyle/>
         <a:p>
-          <a:pPr marL="0" lvl="0" indent="0" algn="ctr" defTabSz="666750">
+          <a:pPr marL="0" lvl="0" indent="0" algn="ctr" defTabSz="711200">
             <a:lnSpc>
               <a:spcPct val="90000"/>
             </a:lnSpc>
@@ -4266,7 +4129,7 @@
             <a:buNone/>
           </a:pPr>
           <a:r>
-            <a:rPr lang="en-CA" sz="1500" b="1" kern="1200" dirty="0">
+            <a:rPr lang="en-CA" sz="1600" b="1" kern="1200" dirty="0">
               <a:solidFill>
                 <a:schemeClr val="tx1"/>
               </a:solidFill>
@@ -4276,8 +4139,8 @@
         </a:p>
       </dsp:txBody>
       <dsp:txXfrm>
-        <a:off x="2662" y="248329"/>
-        <a:ext cx="2596422" cy="526776"/>
+        <a:off x="2662" y="48832"/>
+        <a:ext cx="2596422" cy="551076"/>
       </dsp:txXfrm>
     </dsp:sp>
     <dsp:sp modelId="{1115D212-6374-4E47-8B2E-6B883099010E}">
@@ -4287,8 +4150,8 @@
       </dsp:nvSpPr>
       <dsp:spPr>
         <a:xfrm>
-          <a:off x="2662" y="775105"/>
-          <a:ext cx="2596422" cy="3314587"/>
+          <a:off x="2662" y="599909"/>
+          <a:ext cx="2596422" cy="3689280"/>
         </a:xfrm>
         <a:prstGeom prst="rect">
           <a:avLst/>
@@ -4327,12 +4190,12 @@
         <a:fontRef idx="minor"/>
       </dsp:style>
       <dsp:txBody>
-        <a:bodyPr spcFirstLastPara="0" vert="horz" wrap="square" lIns="80010" tIns="80010" rIns="106680" bIns="120015" numCol="1" spcCol="1270" anchor="t" anchorCtr="0">
+        <a:bodyPr spcFirstLastPara="0" vert="horz" wrap="square" lIns="85344" tIns="85344" rIns="113792" bIns="128016" numCol="1" spcCol="1270" anchor="t" anchorCtr="0">
           <a:noAutofit/>
         </a:bodyPr>
         <a:lstStyle/>
         <a:p>
-          <a:pPr marL="114300" lvl="1" indent="-114300" algn="l" defTabSz="666750">
+          <a:pPr marL="171450" lvl="1" indent="-171450" algn="l" defTabSz="711200">
             <a:lnSpc>
               <a:spcPct val="90000"/>
             </a:lnSpc>
@@ -4344,7 +4207,7 @@
             </a:spcAft>
             <a:buChar char="•"/>
           </a:pPr>
-          <a:endParaRPr lang="en-CA" sz="1500" kern="1200" dirty="0">
+          <a:endParaRPr lang="en-CA" sz="1600" kern="1200" dirty="0">
             <a:solidFill>
               <a:schemeClr val="bg1">
                 <a:lumMod val="50000"/>
@@ -4353,7 +4216,7 @@
           </a:endParaRPr>
         </a:p>
         <a:p>
-          <a:pPr marL="114300" lvl="1" indent="-114300" algn="l" defTabSz="666750">
+          <a:pPr marL="171450" lvl="1" indent="-171450" algn="l" defTabSz="711200">
             <a:lnSpc>
               <a:spcPct val="90000"/>
             </a:lnSpc>
@@ -4366,18 +4229,19 @@
             <a:buChar char="•"/>
           </a:pPr>
           <a:r>
-            <a:rPr lang="en-CA" sz="1500" kern="1200" dirty="0">
+            <a:rPr lang="en-CA" sz="1600" kern="1200" dirty="0">
               <a:solidFill>
                 <a:schemeClr val="bg1">
                   <a:lumMod val="50000"/>
                 </a:schemeClr>
               </a:solidFill>
+              <a:latin typeface="Average" panose="020B0604020202020204" charset="0"/>
             </a:rPr>
             <a:t>Importing libraries and files  for exploratory data analysis</a:t>
           </a:r>
         </a:p>
         <a:p>
-          <a:pPr marL="114300" lvl="1" indent="-114300" algn="l" defTabSz="666750">
+          <a:pPr marL="171450" lvl="1" indent="-171450" algn="l" defTabSz="711200">
             <a:lnSpc>
               <a:spcPct val="90000"/>
             </a:lnSpc>
@@ -4389,16 +4253,17 @@
             </a:spcAft>
             <a:buChar char="•"/>
           </a:pPr>
-          <a:endParaRPr lang="en-CA" sz="1500" kern="1200" dirty="0">
+          <a:endParaRPr lang="en-CA" sz="1600" kern="1200" dirty="0">
             <a:solidFill>
               <a:schemeClr val="bg1">
                 <a:lumMod val="50000"/>
               </a:schemeClr>
             </a:solidFill>
+            <a:latin typeface="Average" panose="020B0604020202020204" charset="0"/>
           </a:endParaRPr>
         </a:p>
         <a:p>
-          <a:pPr marL="114300" lvl="1" indent="-114300" algn="l" defTabSz="666750">
+          <a:pPr marL="171450" lvl="1" indent="-171450" algn="l" defTabSz="711200">
             <a:lnSpc>
               <a:spcPct val="90000"/>
             </a:lnSpc>
@@ -4411,20 +4276,21 @@
             <a:buChar char="•"/>
           </a:pPr>
           <a:r>
-            <a:rPr lang="en-CA" sz="1500" kern="1200" dirty="0">
+            <a:rPr lang="en-CA" sz="1600" kern="1200" dirty="0">
               <a:solidFill>
                 <a:schemeClr val="bg1">
                   <a:lumMod val="50000"/>
                 </a:schemeClr>
               </a:solidFill>
+              <a:latin typeface="Average" panose="020B0604020202020204" charset="0"/>
             </a:rPr>
             <a:t>Creating data frame and checking  number of columns and rows.</a:t>
           </a:r>
         </a:p>
       </dsp:txBody>
       <dsp:txXfrm>
-        <a:off x="2662" y="775105"/>
-        <a:ext cx="2596422" cy="3314587"/>
+        <a:off x="2662" y="599909"/>
+        <a:ext cx="2596422" cy="3689280"/>
       </dsp:txXfrm>
     </dsp:sp>
     <dsp:sp modelId="{CE95A4BA-D168-475B-89C8-E1F9BEB2E778}">
@@ -4434,8 +4300,8 @@
       </dsp:nvSpPr>
       <dsp:spPr>
         <a:xfrm>
-          <a:off x="2962584" y="248329"/>
-          <a:ext cx="2596422" cy="526776"/>
+          <a:off x="2962584" y="48832"/>
+          <a:ext cx="2596422" cy="551076"/>
         </a:xfrm>
         <a:prstGeom prst="rect">
           <a:avLst/>
@@ -4476,12 +4342,12 @@
         </a:fontRef>
       </dsp:style>
       <dsp:txBody>
-        <a:bodyPr spcFirstLastPara="0" vert="horz" wrap="square" lIns="106680" tIns="60960" rIns="106680" bIns="60960" numCol="1" spcCol="1270" anchor="ctr" anchorCtr="0">
+        <a:bodyPr spcFirstLastPara="0" vert="horz" wrap="square" lIns="113792" tIns="65024" rIns="113792" bIns="65024" numCol="1" spcCol="1270" anchor="ctr" anchorCtr="0">
           <a:noAutofit/>
         </a:bodyPr>
         <a:lstStyle/>
         <a:p>
-          <a:pPr marL="0" lvl="0" indent="0" algn="ctr" defTabSz="666750">
+          <a:pPr marL="0" lvl="0" indent="0" algn="ctr" defTabSz="711200">
             <a:lnSpc>
               <a:spcPct val="90000"/>
             </a:lnSpc>
@@ -4494,7 +4360,7 @@
             <a:buNone/>
           </a:pPr>
           <a:r>
-            <a:rPr lang="en-CA" sz="1500" b="1" kern="1200" dirty="0">
+            <a:rPr lang="en-CA" sz="1600" b="1" kern="1200" dirty="0">
               <a:solidFill>
                 <a:schemeClr val="tx1"/>
               </a:solidFill>
@@ -4504,8 +4370,8 @@
         </a:p>
       </dsp:txBody>
       <dsp:txXfrm>
-        <a:off x="2962584" y="248329"/>
-        <a:ext cx="2596422" cy="526776"/>
+        <a:off x="2962584" y="48832"/>
+        <a:ext cx="2596422" cy="551076"/>
       </dsp:txXfrm>
     </dsp:sp>
     <dsp:sp modelId="{0D002F2B-9D25-474F-9E02-4EA1639D9204}">
@@ -4515,8 +4381,8 @@
       </dsp:nvSpPr>
       <dsp:spPr>
         <a:xfrm>
-          <a:off x="2962584" y="775105"/>
-          <a:ext cx="2596422" cy="3314587"/>
+          <a:off x="2962584" y="599909"/>
+          <a:ext cx="2596422" cy="3689280"/>
         </a:xfrm>
         <a:prstGeom prst="rect">
           <a:avLst/>
@@ -4556,12 +4422,12 @@
         <a:fontRef idx="minor"/>
       </dsp:style>
       <dsp:txBody>
-        <a:bodyPr spcFirstLastPara="0" vert="horz" wrap="square" lIns="80010" tIns="80010" rIns="106680" bIns="120015" numCol="1" spcCol="1270" anchor="t" anchorCtr="0">
+        <a:bodyPr spcFirstLastPara="0" vert="horz" wrap="square" lIns="85344" tIns="85344" rIns="113792" bIns="128016" numCol="1" spcCol="1270" anchor="t" anchorCtr="0">
           <a:noAutofit/>
         </a:bodyPr>
         <a:lstStyle/>
         <a:p>
-          <a:pPr marL="114300" lvl="1" indent="-114300" algn="l" defTabSz="666750">
+          <a:pPr marL="171450" lvl="1" indent="-171450" algn="l" defTabSz="711200">
             <a:lnSpc>
               <a:spcPct val="90000"/>
             </a:lnSpc>
@@ -4574,16 +4440,17 @@
             <a:buFont typeface="Arial" panose="020B0604020202020204" pitchFamily="34" charset="0"/>
             <a:buNone/>
           </a:pPr>
-          <a:endParaRPr lang="en-CA" sz="1500" kern="1200" dirty="0">
+          <a:endParaRPr lang="en-CA" sz="1600" kern="1200" dirty="0">
             <a:solidFill>
               <a:schemeClr val="bg1">
                 <a:lumMod val="50000"/>
               </a:schemeClr>
             </a:solidFill>
+            <a:latin typeface="Average" panose="020B0604020202020204" charset="0"/>
           </a:endParaRPr>
         </a:p>
         <a:p>
-          <a:pPr marL="114300" lvl="1" indent="-114300" algn="l" defTabSz="666750">
+          <a:pPr marL="171450" lvl="1" indent="-171450" algn="l" defTabSz="711200">
             <a:lnSpc>
               <a:spcPct val="90000"/>
             </a:lnSpc>
@@ -4597,18 +4464,19 @@
             <a:buChar char="•"/>
           </a:pPr>
           <a:r>
-            <a:rPr lang="en-CA" sz="1500" kern="1200" dirty="0">
+            <a:rPr lang="en-CA" sz="1600" kern="1200" dirty="0">
               <a:solidFill>
                 <a:schemeClr val="bg1">
                   <a:lumMod val="50000"/>
                 </a:schemeClr>
               </a:solidFill>
+              <a:latin typeface="Average" panose="020B0604020202020204" charset="0"/>
             </a:rPr>
             <a:t>Checking the data types.</a:t>
           </a:r>
         </a:p>
         <a:p>
-          <a:pPr marL="114300" lvl="1" indent="-114300" algn="l" defTabSz="666750">
+          <a:pPr marL="171450" lvl="1" indent="-171450" algn="l" defTabSz="711200">
             <a:lnSpc>
               <a:spcPct val="90000"/>
             </a:lnSpc>
@@ -4621,16 +4489,17 @@
             <a:buFont typeface="Arial" panose="020B0604020202020204" pitchFamily="34" charset="0"/>
             <a:buChar char="•"/>
           </a:pPr>
-          <a:endParaRPr lang="en-CA" sz="1500" kern="1200" dirty="0">
+          <a:endParaRPr lang="en-CA" sz="1600" kern="1200" dirty="0">
             <a:solidFill>
               <a:schemeClr val="bg1">
                 <a:lumMod val="50000"/>
               </a:schemeClr>
             </a:solidFill>
+            <a:latin typeface="Average" panose="020B0604020202020204" charset="0"/>
           </a:endParaRPr>
         </a:p>
         <a:p>
-          <a:pPr marL="114300" lvl="1" indent="-114300" algn="l" defTabSz="666750">
+          <a:pPr marL="171450" lvl="1" indent="-171450" algn="l" defTabSz="711200">
             <a:lnSpc>
               <a:spcPct val="90000"/>
             </a:lnSpc>
@@ -4644,18 +4513,19 @@
             <a:buChar char="•"/>
           </a:pPr>
           <a:r>
-            <a:rPr lang="en-CA" sz="1500" kern="1200" dirty="0">
+            <a:rPr lang="en-CA" sz="1600" kern="1200" dirty="0">
               <a:solidFill>
                 <a:schemeClr val="bg1">
                   <a:lumMod val="50000"/>
                 </a:schemeClr>
               </a:solidFill>
+              <a:latin typeface="Average" panose="020B0604020202020204" charset="0"/>
             </a:rPr>
             <a:t>Checking the data characters mistakes.</a:t>
           </a:r>
         </a:p>
         <a:p>
-          <a:pPr marL="114300" lvl="1" indent="-114300" algn="l" defTabSz="666750">
+          <a:pPr marL="171450" lvl="1" indent="-171450" algn="l" defTabSz="711200">
             <a:lnSpc>
               <a:spcPct val="90000"/>
             </a:lnSpc>
@@ -4668,16 +4538,17 @@
             <a:buFont typeface="Arial" panose="020B0604020202020204" pitchFamily="34" charset="0"/>
             <a:buChar char="•"/>
           </a:pPr>
-          <a:endParaRPr lang="en-CA" sz="1500" kern="1200" dirty="0">
+          <a:endParaRPr lang="en-CA" sz="1600" kern="1200" dirty="0">
             <a:solidFill>
               <a:schemeClr val="bg1">
                 <a:lumMod val="50000"/>
               </a:schemeClr>
             </a:solidFill>
+            <a:latin typeface="Average" panose="020B0604020202020204" charset="0"/>
           </a:endParaRPr>
         </a:p>
         <a:p>
-          <a:pPr marL="114300" lvl="1" indent="-114300" algn="l" defTabSz="666750">
+          <a:pPr marL="171450" lvl="1" indent="-171450" algn="l" defTabSz="711200">
             <a:lnSpc>
               <a:spcPct val="90000"/>
             </a:lnSpc>
@@ -4691,18 +4562,19 @@
             <a:buChar char="•"/>
           </a:pPr>
           <a:r>
-            <a:rPr lang="en-CA" sz="1500" kern="1200" dirty="0">
+            <a:rPr lang="en-CA" sz="1600" kern="1200" dirty="0">
               <a:solidFill>
                 <a:schemeClr val="bg1">
                   <a:lumMod val="50000"/>
                 </a:schemeClr>
               </a:solidFill>
+              <a:latin typeface="Average" panose="020B0604020202020204" charset="0"/>
             </a:rPr>
             <a:t>Checking the null values.</a:t>
           </a:r>
         </a:p>
         <a:p>
-          <a:pPr marL="114300" lvl="1" indent="-114300" algn="l" defTabSz="666750">
+          <a:pPr marL="171450" lvl="1" indent="-171450" algn="l" defTabSz="711200">
             <a:lnSpc>
               <a:spcPct val="90000"/>
             </a:lnSpc>
@@ -4715,16 +4587,17 @@
             <a:buFont typeface="Arial" panose="020B0604020202020204" pitchFamily="34" charset="0"/>
             <a:buChar char="•"/>
           </a:pPr>
-          <a:endParaRPr lang="en-CA" sz="1500" kern="1200" dirty="0">
+          <a:endParaRPr lang="en-CA" sz="1600" kern="1200" dirty="0">
             <a:solidFill>
               <a:schemeClr val="bg1">
                 <a:lumMod val="50000"/>
               </a:schemeClr>
             </a:solidFill>
+            <a:latin typeface="Average" panose="020B0604020202020204" charset="0"/>
           </a:endParaRPr>
         </a:p>
         <a:p>
-          <a:pPr marL="114300" lvl="1" indent="-114300" algn="l" defTabSz="666750">
+          <a:pPr marL="171450" lvl="1" indent="-171450" algn="l" defTabSz="711200">
             <a:lnSpc>
               <a:spcPct val="90000"/>
             </a:lnSpc>
@@ -4738,18 +4611,19 @@
             <a:buChar char="•"/>
           </a:pPr>
           <a:r>
-            <a:rPr lang="en-CA" sz="1500" kern="1200" dirty="0">
+            <a:rPr lang="en-CA" sz="1600" kern="1200" dirty="0">
               <a:solidFill>
                 <a:schemeClr val="bg1">
                   <a:lumMod val="50000"/>
                 </a:schemeClr>
               </a:solidFill>
+              <a:latin typeface="Average" panose="020B0604020202020204" charset="0"/>
             </a:rPr>
             <a:t>Checking and removing the duplicates.</a:t>
           </a:r>
         </a:p>
         <a:p>
-          <a:pPr marL="114300" lvl="1" indent="-114300" algn="l" defTabSz="666750">
+          <a:pPr marL="171450" lvl="1" indent="-171450" algn="l" defTabSz="711200">
             <a:lnSpc>
               <a:spcPct val="90000"/>
             </a:lnSpc>
@@ -4762,16 +4636,17 @@
             <a:buFont typeface="Arial" panose="020B0604020202020204" pitchFamily="34" charset="0"/>
             <a:buChar char="•"/>
           </a:pPr>
-          <a:endParaRPr lang="en-CA" sz="1500" kern="1200" dirty="0">
+          <a:endParaRPr lang="en-CA" sz="1600" kern="1200" dirty="0">
             <a:solidFill>
               <a:schemeClr val="bg1">
                 <a:lumMod val="50000"/>
               </a:schemeClr>
             </a:solidFill>
+            <a:latin typeface="Average" panose="020B0604020202020204" charset="0"/>
           </a:endParaRPr>
         </a:p>
         <a:p>
-          <a:pPr marL="114300" lvl="1" indent="-114300" algn="l" defTabSz="666750">
+          <a:pPr marL="171450" lvl="1" indent="-171450" algn="l" defTabSz="711200">
             <a:lnSpc>
               <a:spcPct val="90000"/>
             </a:lnSpc>
@@ -4785,18 +4660,19 @@
             <a:buChar char="•"/>
           </a:pPr>
           <a:r>
-            <a:rPr lang="en-CA" sz="1500" kern="1200" dirty="0">
+            <a:rPr lang="en-CA" sz="1600" kern="1200" dirty="0">
               <a:solidFill>
                 <a:schemeClr val="bg1">
                   <a:lumMod val="50000"/>
                 </a:schemeClr>
               </a:solidFill>
+              <a:latin typeface="Average" panose="020B0604020202020204" charset="0"/>
             </a:rPr>
             <a:t>Transforming the target variable.</a:t>
           </a:r>
         </a:p>
         <a:p>
-          <a:pPr marL="114300" lvl="1" indent="-114300" algn="l" defTabSz="666750">
+          <a:pPr marL="171450" lvl="1" indent="-171450" algn="l" defTabSz="711200">
             <a:lnSpc>
               <a:spcPct val="90000"/>
             </a:lnSpc>
@@ -4809,7 +4685,7 @@
             <a:buFont typeface="Arial" panose="020B0604020202020204" pitchFamily="34" charset="0"/>
             <a:buNone/>
           </a:pPr>
-          <a:endParaRPr lang="en-CA" sz="1500" kern="1200" dirty="0">
+          <a:endParaRPr lang="en-CA" sz="1600" kern="1200" dirty="0">
             <a:solidFill>
               <a:schemeClr val="bg1">
                 <a:lumMod val="50000"/>
@@ -4819,8 +4695,8 @@
         </a:p>
       </dsp:txBody>
       <dsp:txXfrm>
-        <a:off x="2962584" y="775105"/>
-        <a:ext cx="2596422" cy="3314587"/>
+        <a:off x="2962584" y="599909"/>
+        <a:ext cx="2596422" cy="3689280"/>
       </dsp:txXfrm>
     </dsp:sp>
     <dsp:sp modelId="{5020AC71-D03E-4121-932F-F2BE87AC3275}">
@@ -4830,8 +4706,8 @@
       </dsp:nvSpPr>
       <dsp:spPr>
         <a:xfrm>
-          <a:off x="5922506" y="248329"/>
-          <a:ext cx="2596422" cy="526776"/>
+          <a:off x="5922506" y="48832"/>
+          <a:ext cx="2596422" cy="551076"/>
         </a:xfrm>
         <a:prstGeom prst="rect">
           <a:avLst/>
@@ -4872,12 +4748,12 @@
         </a:fontRef>
       </dsp:style>
       <dsp:txBody>
-        <a:bodyPr spcFirstLastPara="0" vert="horz" wrap="square" lIns="106680" tIns="60960" rIns="106680" bIns="60960" numCol="1" spcCol="1270" anchor="ctr" anchorCtr="0">
+        <a:bodyPr spcFirstLastPara="0" vert="horz" wrap="square" lIns="113792" tIns="65024" rIns="113792" bIns="65024" numCol="1" spcCol="1270" anchor="ctr" anchorCtr="0">
           <a:noAutofit/>
         </a:bodyPr>
         <a:lstStyle/>
         <a:p>
-          <a:pPr marL="0" lvl="0" indent="0" algn="ctr" defTabSz="666750">
+          <a:pPr marL="0" lvl="0" indent="0" algn="ctr" defTabSz="711200">
             <a:lnSpc>
               <a:spcPct val="90000"/>
             </a:lnSpc>
@@ -4890,7 +4766,7 @@
             <a:buNone/>
           </a:pPr>
           <a:r>
-            <a:rPr lang="en-CA" sz="1500" b="1" kern="1200" dirty="0">
+            <a:rPr lang="en-CA" sz="1600" b="1" kern="1200" dirty="0">
               <a:solidFill>
                 <a:schemeClr val="tx1"/>
               </a:solidFill>
@@ -4900,8 +4776,8 @@
         </a:p>
       </dsp:txBody>
       <dsp:txXfrm>
-        <a:off x="5922506" y="248329"/>
-        <a:ext cx="2596422" cy="526776"/>
+        <a:off x="5922506" y="48832"/>
+        <a:ext cx="2596422" cy="551076"/>
       </dsp:txXfrm>
     </dsp:sp>
     <dsp:sp modelId="{A6AFB27F-B30D-4C28-B480-4B85E71650B8}">
@@ -4911,8 +4787,8 @@
       </dsp:nvSpPr>
       <dsp:spPr>
         <a:xfrm>
-          <a:off x="5922506" y="775105"/>
-          <a:ext cx="2596422" cy="3314587"/>
+          <a:off x="5922506" y="599909"/>
+          <a:ext cx="2596422" cy="3689280"/>
         </a:xfrm>
         <a:prstGeom prst="rect">
           <a:avLst/>
@@ -4947,12 +4823,12 @@
         <a:fontRef idx="minor"/>
       </dsp:style>
       <dsp:txBody>
-        <a:bodyPr spcFirstLastPara="0" vert="horz" wrap="square" lIns="80010" tIns="80010" rIns="106680" bIns="120015" numCol="1" spcCol="1270" anchor="t" anchorCtr="0">
+        <a:bodyPr spcFirstLastPara="0" vert="horz" wrap="square" lIns="85344" tIns="85344" rIns="113792" bIns="128016" numCol="1" spcCol="1270" anchor="t" anchorCtr="0">
           <a:noAutofit/>
         </a:bodyPr>
         <a:lstStyle/>
         <a:p>
-          <a:pPr marL="114300" lvl="1" indent="-114300" algn="l" defTabSz="666750">
+          <a:pPr marL="171450" lvl="1" indent="-171450" algn="l" defTabSz="711200">
             <a:lnSpc>
               <a:spcPct val="90000"/>
             </a:lnSpc>
@@ -4965,7 +4841,7 @@
             <a:buFont typeface="Arial" panose="020B0604020202020204" pitchFamily="34" charset="0"/>
             <a:buChar char="•"/>
           </a:pPr>
-          <a:endParaRPr lang="en-CA" sz="1500" kern="1200" dirty="0">
+          <a:endParaRPr lang="en-CA" sz="1600" kern="1200" dirty="0">
             <a:solidFill>
               <a:schemeClr val="bg1">
                 <a:lumMod val="50000"/>
@@ -4974,7 +4850,7 @@
           </a:endParaRPr>
         </a:p>
         <a:p>
-          <a:pPr marL="114300" lvl="1" indent="-114300" algn="l" defTabSz="666750">
+          <a:pPr marL="171450" lvl="1" indent="-171450" algn="l" defTabSz="711200">
             <a:lnSpc>
               <a:spcPct val="90000"/>
             </a:lnSpc>
@@ -4988,18 +4864,19 @@
             <a:buChar char="•"/>
           </a:pPr>
           <a:r>
-            <a:rPr lang="en-CA" sz="1500" kern="1200" dirty="0">
+            <a:rPr lang="en-CA" sz="1600" kern="1200" dirty="0">
               <a:solidFill>
                 <a:schemeClr val="bg1">
                   <a:lumMod val="50000"/>
                 </a:schemeClr>
               </a:solidFill>
+              <a:latin typeface="Average" panose="020B0604020202020204" charset="0"/>
             </a:rPr>
             <a:t>Loading data </a:t>
           </a:r>
         </a:p>
         <a:p>
-          <a:pPr marL="114300" lvl="1" indent="-114300" algn="l" defTabSz="666750">
+          <a:pPr marL="171450" lvl="1" indent="-171450" algn="l" defTabSz="711200">
             <a:lnSpc>
               <a:spcPct val="90000"/>
             </a:lnSpc>
@@ -5012,16 +4889,17 @@
             <a:buFont typeface="Arial" panose="020B0604020202020204" pitchFamily="34" charset="0"/>
             <a:buChar char="•"/>
           </a:pPr>
-          <a:endParaRPr lang="en-CA" sz="1500" kern="1200" dirty="0">
+          <a:endParaRPr lang="en-CA" sz="1600" kern="1200" dirty="0">
             <a:solidFill>
               <a:schemeClr val="bg1">
                 <a:lumMod val="50000"/>
               </a:schemeClr>
             </a:solidFill>
+            <a:latin typeface="Average" panose="020B0604020202020204" charset="0"/>
           </a:endParaRPr>
         </a:p>
         <a:p>
-          <a:pPr marL="114300" lvl="1" indent="-114300" algn="l" defTabSz="666750">
+          <a:pPr marL="171450" lvl="1" indent="-171450" algn="l" defTabSz="711200">
             <a:lnSpc>
               <a:spcPct val="90000"/>
             </a:lnSpc>
@@ -5035,18 +4913,19 @@
             <a:buChar char="•"/>
           </a:pPr>
           <a:r>
-            <a:rPr lang="en-CA" sz="1500" kern="1200" dirty="0">
+            <a:rPr lang="en-CA" sz="1600" kern="1200" dirty="0">
               <a:solidFill>
                 <a:schemeClr val="bg1">
                   <a:lumMod val="50000"/>
                 </a:schemeClr>
               </a:solidFill>
+              <a:latin typeface="Average" panose="020B0604020202020204" charset="0"/>
             </a:rPr>
             <a:t>Target variable visualization</a:t>
           </a:r>
         </a:p>
         <a:p>
-          <a:pPr marL="114300" lvl="1" indent="-114300" algn="l" defTabSz="666750">
+          <a:pPr marL="171450" lvl="1" indent="-171450" algn="l" defTabSz="711200">
             <a:lnSpc>
               <a:spcPct val="90000"/>
             </a:lnSpc>
@@ -5059,16 +4938,17 @@
             <a:buFont typeface="Arial" panose="020B0604020202020204" pitchFamily="34" charset="0"/>
             <a:buNone/>
           </a:pPr>
-          <a:endParaRPr lang="en-CA" sz="1500" kern="1200" dirty="0">
+          <a:endParaRPr lang="en-CA" sz="1600" kern="1200" dirty="0">
             <a:solidFill>
               <a:schemeClr val="bg1">
                 <a:lumMod val="50000"/>
               </a:schemeClr>
             </a:solidFill>
+            <a:latin typeface="Average" panose="020B0604020202020204" charset="0"/>
           </a:endParaRPr>
         </a:p>
         <a:p>
-          <a:pPr marL="114300" lvl="1" indent="-114300" algn="l" defTabSz="666750">
+          <a:pPr marL="171450" lvl="1" indent="-171450" algn="l" defTabSz="711200">
             <a:lnSpc>
               <a:spcPct val="90000"/>
             </a:lnSpc>
@@ -5082,18 +4962,19 @@
             <a:buChar char="•"/>
           </a:pPr>
           <a:r>
-            <a:rPr lang="en-CA" sz="1500" kern="1200" dirty="0">
+            <a:rPr lang="en-CA" sz="1600" kern="1200" dirty="0">
               <a:solidFill>
                 <a:schemeClr val="bg1">
                   <a:lumMod val="50000"/>
                 </a:schemeClr>
               </a:solidFill>
+              <a:latin typeface="Average" panose="020B0604020202020204" charset="0"/>
             </a:rPr>
             <a:t>Other variable against target variable visualizations.</a:t>
           </a:r>
         </a:p>
         <a:p>
-          <a:pPr marL="114300" lvl="1" indent="-114300" algn="l" defTabSz="666750">
+          <a:pPr marL="171450" lvl="1" indent="-171450" algn="l" defTabSz="711200">
             <a:lnSpc>
               <a:spcPct val="90000"/>
             </a:lnSpc>
@@ -5106,16 +4987,17 @@
             <a:buFont typeface="Arial" panose="020B0604020202020204" pitchFamily="34" charset="0"/>
             <a:buChar char="•"/>
           </a:pPr>
-          <a:endParaRPr lang="en-CA" sz="1500" kern="1200" dirty="0">
+          <a:endParaRPr lang="en-CA" sz="1600" kern="1200" dirty="0">
             <a:solidFill>
               <a:schemeClr val="bg1">
                 <a:lumMod val="50000"/>
               </a:schemeClr>
             </a:solidFill>
+            <a:latin typeface="Average" panose="020B0604020202020204" charset="0"/>
           </a:endParaRPr>
         </a:p>
         <a:p>
-          <a:pPr marL="114300" lvl="1" indent="-114300" algn="l" defTabSz="666750">
+          <a:pPr marL="171450" lvl="1" indent="-171450" algn="l" defTabSz="711200">
             <a:lnSpc>
               <a:spcPct val="90000"/>
             </a:lnSpc>
@@ -5129,18 +5011,19 @@
             <a:buChar char="•"/>
           </a:pPr>
           <a:r>
-            <a:rPr lang="en-CA" sz="1500" kern="1200" dirty="0">
+            <a:rPr lang="en-CA" sz="1600" kern="1200" dirty="0">
               <a:solidFill>
                 <a:schemeClr val="bg1">
                   <a:lumMod val="50000"/>
                 </a:schemeClr>
               </a:solidFill>
+              <a:latin typeface="Average" panose="020B0604020202020204" charset="0"/>
             </a:rPr>
             <a:t>Correlation Visualization. </a:t>
           </a:r>
         </a:p>
         <a:p>
-          <a:pPr marL="114300" lvl="1" indent="-114300" algn="l" defTabSz="666750">
+          <a:pPr marL="171450" lvl="1" indent="-171450" algn="l" defTabSz="711200">
             <a:lnSpc>
               <a:spcPct val="90000"/>
             </a:lnSpc>
@@ -5153,7 +5036,7 @@
             <a:buFont typeface="Arial" panose="020B0604020202020204" pitchFamily="34" charset="0"/>
             <a:buChar char="•"/>
           </a:pPr>
-          <a:endParaRPr lang="en-CA" sz="1500" kern="1200" dirty="0">
+          <a:endParaRPr lang="en-CA" sz="1600" kern="1200" dirty="0">
             <a:solidFill>
               <a:schemeClr val="bg1">
                 <a:lumMod val="50000"/>
@@ -5163,8 +5046,8 @@
         </a:p>
       </dsp:txBody>
       <dsp:txXfrm>
-        <a:off x="5922506" y="775105"/>
-        <a:ext cx="2596422" cy="3314587"/>
+        <a:off x="5922506" y="599909"/>
+        <a:ext cx="2596422" cy="3689280"/>
       </dsp:txXfrm>
     </dsp:sp>
   </dsp:spTree>
@@ -5885,47 +5768,7 @@
                 </a:schemeClr>
               </a:solidFill>
             </a:rPr>
-            <a:t>Smoking, </a:t>
-          </a:r>
-          <a:r>
-            <a:rPr lang="en-CA" sz="1600" kern="1200" dirty="0" err="1">
-              <a:solidFill>
-                <a:schemeClr val="bg1">
-                  <a:lumMod val="50000"/>
-                </a:schemeClr>
-              </a:solidFill>
-            </a:rPr>
-            <a:t>AlcoholDrinking</a:t>
-          </a:r>
-          <a:r>
-            <a:rPr lang="en-CA" sz="1600" kern="1200" dirty="0">
-              <a:solidFill>
-                <a:schemeClr val="bg1">
-                  <a:lumMod val="50000"/>
-                </a:schemeClr>
-              </a:solidFill>
-            </a:rPr>
-            <a:t>, Stroke, Sex, </a:t>
-          </a:r>
-          <a:r>
-            <a:rPr lang="en-CA" sz="1600" kern="1200" dirty="0" err="1">
-              <a:solidFill>
-                <a:schemeClr val="bg1">
-                  <a:lumMod val="50000"/>
-                </a:schemeClr>
-              </a:solidFill>
-            </a:rPr>
-            <a:t>PhysicalActivity</a:t>
-          </a:r>
-          <a:r>
-            <a:rPr lang="en-CA" sz="1600" kern="1200" dirty="0">
-              <a:solidFill>
-                <a:schemeClr val="bg1">
-                  <a:lumMod val="50000"/>
-                </a:schemeClr>
-              </a:solidFill>
-            </a:rPr>
-            <a:t>, </a:t>
+            <a:t>Smoking, AlcoholDrinking, Stroke, Sex, PhysicalActivity, </a:t>
           </a:r>
         </a:p>
         <a:p>
@@ -5950,65 +5793,8 @@
                 </a:schemeClr>
               </a:solidFill>
             </a:rPr>
-            <a:t>Asthma, </a:t>
+            <a:t>Asthma, KidneyDisease, SkinCancer, Diffwalking</a:t>
           </a:r>
-          <a:r>
-            <a:rPr lang="en-CA" sz="1600" kern="1200" dirty="0" err="1">
-              <a:solidFill>
-                <a:schemeClr val="bg1">
-                  <a:lumMod val="50000"/>
-                </a:schemeClr>
-              </a:solidFill>
-            </a:rPr>
-            <a:t>KidneyDisease</a:t>
-          </a:r>
-          <a:r>
-            <a:rPr lang="en-CA" sz="1600" kern="1200" dirty="0">
-              <a:solidFill>
-                <a:schemeClr val="bg1">
-                  <a:lumMod val="50000"/>
-                </a:schemeClr>
-              </a:solidFill>
-            </a:rPr>
-            <a:t>, </a:t>
-          </a:r>
-          <a:r>
-            <a:rPr lang="en-CA" sz="1600" kern="1200" dirty="0" err="1">
-              <a:solidFill>
-                <a:schemeClr val="bg1">
-                  <a:lumMod val="50000"/>
-                </a:schemeClr>
-              </a:solidFill>
-            </a:rPr>
-            <a:t>SkinCancer</a:t>
-          </a:r>
-          <a:r>
-            <a:rPr lang="en-CA" sz="1600" kern="1200" dirty="0">
-              <a:solidFill>
-                <a:schemeClr val="bg1">
-                  <a:lumMod val="50000"/>
-                </a:schemeClr>
-              </a:solidFill>
-            </a:rPr>
-            <a:t>, </a:t>
-          </a:r>
-          <a:r>
-            <a:rPr lang="en-CA" sz="1600" kern="1200" dirty="0" err="1">
-              <a:solidFill>
-                <a:schemeClr val="bg1">
-                  <a:lumMod val="50000"/>
-                </a:schemeClr>
-              </a:solidFill>
-            </a:rPr>
-            <a:t>Diffwalking</a:t>
-          </a:r>
-          <a:endParaRPr lang="en-CA" sz="1600" kern="1200" dirty="0">
-            <a:solidFill>
-              <a:schemeClr val="bg1">
-                <a:lumMod val="50000"/>
-              </a:schemeClr>
-            </a:solidFill>
-          </a:endParaRPr>
         </a:p>
       </dsp:txBody>
       <dsp:txXfrm>
@@ -6160,27 +5946,7 @@
                 </a:schemeClr>
               </a:solidFill>
             </a:rPr>
-            <a:t>BMI, </a:t>
-          </a:r>
-          <a:r>
-            <a:rPr lang="en-CA" sz="1600" b="0" kern="1200" dirty="0" err="1">
-              <a:solidFill>
-                <a:schemeClr val="bg1">
-                  <a:lumMod val="50000"/>
-                </a:schemeClr>
-              </a:solidFill>
-            </a:rPr>
-            <a:t>PhysicalHealth</a:t>
-          </a:r>
-          <a:r>
-            <a:rPr lang="en-CA" sz="1600" b="0" kern="1200" dirty="0">
-              <a:solidFill>
-                <a:schemeClr val="bg1">
-                  <a:lumMod val="50000"/>
-                </a:schemeClr>
-              </a:solidFill>
-            </a:rPr>
-            <a:t>,</a:t>
+            <a:t>BMI, PhysicalHealth,</a:t>
           </a:r>
         </a:p>
         <a:p>
@@ -6197,16 +5963,6 @@
             <a:buNone/>
           </a:pPr>
           <a:r>
-            <a:rPr lang="en-CA" sz="1600" b="0" kern="1200" dirty="0" err="1">
-              <a:solidFill>
-                <a:schemeClr val="bg1">
-                  <a:lumMod val="50000"/>
-                </a:schemeClr>
-              </a:solidFill>
-            </a:rPr>
-            <a:t>MentalHealth</a:t>
-          </a:r>
-          <a:r>
             <a:rPr lang="en-CA" sz="1600" b="0" kern="1200" dirty="0">
               <a:solidFill>
                 <a:schemeClr val="bg1">
@@ -6214,7 +5970,7 @@
                 </a:schemeClr>
               </a:solidFill>
             </a:rPr>
-            <a:t>,</a:t>
+            <a:t>MentalHealth,</a:t>
           </a:r>
         </a:p>
         <a:p>
@@ -6231,16 +5987,6 @@
             <a:buNone/>
           </a:pPr>
           <a:r>
-            <a:rPr lang="en-CA" sz="1600" b="0" kern="1200" dirty="0" err="1">
-              <a:solidFill>
-                <a:schemeClr val="bg1">
-                  <a:lumMod val="50000"/>
-                </a:schemeClr>
-              </a:solidFill>
-            </a:rPr>
-            <a:t>AgeCategory</a:t>
-          </a:r>
-          <a:r>
             <a:rPr lang="en-CA" sz="1600" b="0" kern="1200" dirty="0">
               <a:solidFill>
                 <a:schemeClr val="bg1">
@@ -6248,7 +5994,7 @@
                 </a:schemeClr>
               </a:solidFill>
             </a:rPr>
-            <a:t>,</a:t>
+            <a:t>AgeCategory,</a:t>
           </a:r>
         </a:p>
         <a:p>
@@ -6265,16 +6011,6 @@
             <a:buNone/>
           </a:pPr>
           <a:r>
-            <a:rPr lang="en-CA" sz="1600" b="0" kern="1200" dirty="0" err="1">
-              <a:solidFill>
-                <a:schemeClr val="bg1">
-                  <a:lumMod val="50000"/>
-                </a:schemeClr>
-              </a:solidFill>
-            </a:rPr>
-            <a:t>GeneralHealth</a:t>
-          </a:r>
-          <a:r>
             <a:rPr lang="en-CA" sz="1600" b="0" kern="1200" dirty="0">
               <a:solidFill>
                 <a:schemeClr val="bg1">
@@ -6282,7 +6018,7 @@
                 </a:schemeClr>
               </a:solidFill>
             </a:rPr>
-            <a:t>,</a:t>
+            <a:t>GeneralHealth,</a:t>
           </a:r>
         </a:p>
         <a:p>
@@ -6323,16 +6059,6 @@
             <a:buNone/>
           </a:pPr>
           <a:r>
-            <a:rPr lang="en-CA" sz="1600" b="0" kern="1200" dirty="0" err="1">
-              <a:solidFill>
-                <a:schemeClr val="bg1">
-                  <a:lumMod val="50000"/>
-                </a:schemeClr>
-              </a:solidFill>
-            </a:rPr>
-            <a:t>Sleeptime</a:t>
-          </a:r>
-          <a:r>
             <a:rPr lang="en-CA" sz="1600" b="0" kern="1200" dirty="0">
               <a:solidFill>
                 <a:schemeClr val="bg1">
@@ -6340,7 +6066,7 @@
                 </a:schemeClr>
               </a:solidFill>
             </a:rPr>
-            <a:t>, Race</a:t>
+            <a:t>Sleeptime, Race</a:t>
           </a:r>
         </a:p>
         <a:p>
@@ -18980,9 +18706,7 @@
           </a:solidFill>
           <a:ln>
             <a:solidFill>
-              <a:schemeClr val="accent5">
-                <a:lumMod val="75000"/>
-              </a:schemeClr>
+              <a:schemeClr val="tx1"/>
             </a:solidFill>
           </a:ln>
           <a:effectLst>
@@ -19118,7 +18842,7 @@
           </a:solidFill>
           <a:ln>
             <a:solidFill>
-              <a:srgbClr val="FFC000"/>
+              <a:schemeClr val="tx1"/>
             </a:solidFill>
           </a:ln>
           <a:effectLst>
@@ -19186,7 +18910,7 @@
           </a:solidFill>
           <a:ln>
             <a:solidFill>
-              <a:srgbClr val="FFC000"/>
+              <a:schemeClr val="tx1"/>
             </a:solidFill>
           </a:ln>
           <a:effectLst>
@@ -19254,9 +18978,7 @@
           </a:solidFill>
           <a:ln>
             <a:solidFill>
-              <a:schemeClr val="accent5">
-                <a:lumMod val="75000"/>
-              </a:schemeClr>
+              <a:schemeClr val="tx1"/>
             </a:solidFill>
           </a:ln>
           <a:effectLst>
@@ -19550,7 +19272,7 @@
           </a:prstGeom>
           <a:ln>
             <a:solidFill>
-              <a:srgbClr val="FF0000"/>
+              <a:schemeClr val="tx1"/>
             </a:solidFill>
           </a:ln>
           <a:effectLst>
@@ -20046,17 +19768,44 @@
                 </a:solidFill>
                 <a:latin typeface="Average" panose="020B0604020202020204" charset="0"/>
               </a:rPr>
-              <a:t>After completing the project and viewing the predictions , we can see that the machine learning models selected allow us to get a strong prediction from the data provided, specifically by oversampled  linear regression model. </a:t>
+              <a:t>All the models are equally tuned to correctly predict heart disease risk potential</a:t>
             </a:r>
+          </a:p>
+          <a:p>
+            <a:pPr marL="114300" indent="0">
+              <a:buNone/>
+            </a:pPr>
+            <a:endParaRPr lang="en-CA" dirty="0">
+              <a:solidFill>
+                <a:schemeClr val="tx1"/>
+              </a:solidFill>
+              <a:latin typeface="Average" panose="020B0604020202020204" charset="0"/>
+            </a:endParaRPr>
+          </a:p>
+          <a:p>
+            <a:pPr marL="114300" indent="0">
+              <a:buNone/>
+            </a:pPr>
+            <a:endParaRPr lang="en-CA" dirty="0">
+              <a:solidFill>
+                <a:schemeClr val="tx1"/>
+              </a:solidFill>
+              <a:latin typeface="Average" panose="020B0604020202020204" charset="0"/>
+            </a:endParaRPr>
+          </a:p>
+          <a:p>
+            <a:pPr>
+              <a:buFont typeface="Wingdings" panose="05000000000000000000" pitchFamily="2" charset="2"/>
+              <a:buChar char="ü"/>
+            </a:pPr>
             <a:r>
-              <a:rPr lang="en-CA" b="0" i="0" dirty="0">
+              <a:rPr lang="en-CA" dirty="0">
                 <a:solidFill>
                   <a:schemeClr val="tx1"/>
                 </a:solidFill>
-                <a:effectLst/>
                 <a:latin typeface="Average" panose="020B0604020202020204" charset="0"/>
               </a:rPr>
-              <a:t>It consistently had the highest scores, particularly in accuracy, precision, and sensitivity, and thus correctly made the correct predictions compared to the other models.</a:t>
+              <a:t>However Random forest model slightly edged out the other models.</a:t>
             </a:r>
           </a:p>
           <a:p>
@@ -20091,8 +19840,18 @@
                   <a:schemeClr val="tx1"/>
                 </a:solidFill>
               </a:rPr>
-              <a:t>In conclusion , the data provided can be correlated in determining predicting getting heart disease or not getting heart disease. </a:t>
+              <a:t>As per the feature important analysis sleep time, Physical health, Mental health and BMI obesity are shown as the key indicators for the prediction. </a:t>
             </a:r>
+          </a:p>
+          <a:p>
+            <a:pPr marL="114300" indent="0">
+              <a:buNone/>
+            </a:pPr>
+            <a:endParaRPr lang="en-CA" dirty="0">
+              <a:solidFill>
+                <a:schemeClr val="tx1"/>
+              </a:solidFill>
+            </a:endParaRPr>
           </a:p>
           <a:p>
             <a:pPr>
@@ -20104,6 +19863,20 @@
                 <a:schemeClr val="tx1"/>
               </a:solidFill>
             </a:endParaRPr>
+          </a:p>
+          <a:p>
+            <a:pPr>
+              <a:buFont typeface="Wingdings" panose="05000000000000000000" pitchFamily="2" charset="2"/>
+              <a:buChar char="ü"/>
+            </a:pPr>
+            <a:r>
+              <a:rPr lang="en-CA" dirty="0">
+                <a:solidFill>
+                  <a:schemeClr val="tx1"/>
+                </a:solidFill>
+              </a:rPr>
+              <a:t>Age category between 18-24, 25-29, 30-34 , Race-Asian , Diabetic during pregnancy features are shown as the least factors for the prediction heart disease. </a:t>
+            </a:r>
           </a:p>
           <a:p>
             <a:pPr marL="114300" indent="0">
@@ -22852,7 +22625,7 @@
           <p:nvPr>
             <p:extLst>
               <p:ext uri="{D42A27DB-BD31-4B8C-83A1-F6EECF244321}">
-                <p14:modId xmlns:p14="http://schemas.microsoft.com/office/powerpoint/2010/main" val="3085560099"/>
+                <p14:modId xmlns:p14="http://schemas.microsoft.com/office/powerpoint/2010/main" val="110458779"/>
               </p:ext>
             </p:extLst>
           </p:nvPr>
